--- a/Documents/RV32 CPU Design - August 13th.pptx
+++ b/Documents/RV32 CPU Design - August 13th.pptx
@@ -5,17 +5,16 @@
     <p:sldMasterId id="2147483708" r:id="rId1"/>
   </p:sldMasterIdLst>
   <p:notesMasterIdLst>
-    <p:notesMasterId r:id="rId10"/>
+    <p:notesMasterId r:id="rId9"/>
   </p:notesMasterIdLst>
   <p:sldIdLst>
     <p:sldId id="256" r:id="rId2"/>
     <p:sldId id="257" r:id="rId3"/>
     <p:sldId id="258" r:id="rId4"/>
     <p:sldId id="259" r:id="rId5"/>
-    <p:sldId id="260" r:id="rId6"/>
-    <p:sldId id="261" r:id="rId7"/>
-    <p:sldId id="262" r:id="rId8"/>
-    <p:sldId id="263" r:id="rId9"/>
+    <p:sldId id="261" r:id="rId6"/>
+    <p:sldId id="263" r:id="rId7"/>
+    <p:sldId id="264" r:id="rId8"/>
   </p:sldIdLst>
   <p:sldSz cx="17373600" cy="9144000"/>
   <p:notesSz cx="6797675" cy="9928225"/>
@@ -204,7 +203,7 @@
           <a:p>
             <a:fld id="{7669A4C7-5804-4C88-BE22-0C4427C3590B}" type="datetimeFigureOut">
               <a:rPr lang="en-US" smtClean="0"/>
-              <a:t>8/12/2023</a:t>
+              <a:t>8/13/2023</a:t>
             </a:fld>
             <a:endParaRPr lang="en-US"/>
           </a:p>
@@ -603,7 +602,7 @@
           <a:p>
             <a:fld id="{7DA67B53-14FD-401E-937A-02A387E76FC7}" type="datetime1">
               <a:rPr lang="en-US" smtClean="0"/>
-              <a:t>8/12/2023</a:t>
+              <a:t>8/13/2023</a:t>
             </a:fld>
             <a:endParaRPr lang="en-US"/>
           </a:p>
@@ -773,7 +772,7 @@
           <a:p>
             <a:fld id="{F545342A-6801-498B-8DCD-ECEF7FA84649}" type="datetime1">
               <a:rPr lang="en-US" smtClean="0"/>
-              <a:t>8/12/2023</a:t>
+              <a:t>8/13/2023</a:t>
             </a:fld>
             <a:endParaRPr lang="en-US"/>
           </a:p>
@@ -953,7 +952,7 @@
           <a:p>
             <a:fld id="{9D6303E2-CED2-43B8-8B8B-96AB17B6E689}" type="datetime1">
               <a:rPr lang="en-US" smtClean="0"/>
-              <a:t>8/12/2023</a:t>
+              <a:t>8/13/2023</a:t>
             </a:fld>
             <a:endParaRPr lang="en-US"/>
           </a:p>
@@ -1123,7 +1122,7 @@
           <a:p>
             <a:fld id="{5DB4B118-03A4-4F47-A289-6AE283DD0F52}" type="datetime1">
               <a:rPr lang="en-US" smtClean="0"/>
-              <a:t>8/12/2023</a:t>
+              <a:t>8/13/2023</a:t>
             </a:fld>
             <a:endParaRPr lang="en-US"/>
           </a:p>
@@ -1369,7 +1368,7 @@
           <a:p>
             <a:fld id="{542C2FAD-9513-4FA6-B386-3D285524CC92}" type="datetime1">
               <a:rPr lang="en-US" smtClean="0"/>
-              <a:t>8/12/2023</a:t>
+              <a:t>8/13/2023</a:t>
             </a:fld>
             <a:endParaRPr lang="en-US"/>
           </a:p>
@@ -1601,7 +1600,7 @@
           <a:p>
             <a:fld id="{A3CC088C-722A-45F0-B2F6-0EF8AC1CE7A2}" type="datetime1">
               <a:rPr lang="en-US" smtClean="0"/>
-              <a:t>8/12/2023</a:t>
+              <a:t>8/13/2023</a:t>
             </a:fld>
             <a:endParaRPr lang="en-US"/>
           </a:p>
@@ -1968,7 +1967,7 @@
           <a:p>
             <a:fld id="{6CB689DC-8DE7-406E-BC6D-647F26CF13E6}" type="datetime1">
               <a:rPr lang="en-US" smtClean="0"/>
-              <a:t>8/12/2023</a:t>
+              <a:t>8/13/2023</a:t>
             </a:fld>
             <a:endParaRPr lang="en-US"/>
           </a:p>
@@ -2086,7 +2085,7 @@
           <a:p>
             <a:fld id="{9888FC5C-E41A-49E8-A3B3-BB25F2C72DD2}" type="datetime1">
               <a:rPr lang="en-US" smtClean="0"/>
-              <a:t>8/12/2023</a:t>
+              <a:t>8/13/2023</a:t>
             </a:fld>
             <a:endParaRPr lang="en-US"/>
           </a:p>
@@ -2181,7 +2180,7 @@
           <a:p>
             <a:fld id="{C4CDF942-E420-488C-8E4E-8793FADA640D}" type="datetime1">
               <a:rPr lang="en-US" smtClean="0"/>
-              <a:t>8/12/2023</a:t>
+              <a:t>8/13/2023</a:t>
             </a:fld>
             <a:endParaRPr lang="en-US"/>
           </a:p>
@@ -2458,7 +2457,7 @@
           <a:p>
             <a:fld id="{21B24E19-3B75-4867-B13C-60E93ABEB35F}" type="datetime1">
               <a:rPr lang="en-US" smtClean="0"/>
-              <a:t>8/12/2023</a:t>
+              <a:t>8/13/2023</a:t>
             </a:fld>
             <a:endParaRPr lang="en-US"/>
           </a:p>
@@ -2715,7 +2714,7 @@
           <a:p>
             <a:fld id="{EDF3A1B6-2238-42C9-9485-9BE52BF25972}" type="datetime1">
               <a:rPr lang="en-US" smtClean="0"/>
-              <a:t>8/12/2023</a:t>
+              <a:t>8/13/2023</a:t>
             </a:fld>
             <a:endParaRPr lang="en-US"/>
           </a:p>
@@ -2928,7 +2927,7 @@
           <a:p>
             <a:fld id="{5DA4BC38-6E08-4B57-BCAC-519D639A32AE}" type="datetime1">
               <a:rPr lang="en-US" smtClean="0"/>
-              <a:t>8/12/2023</a:t>
+              <a:t>8/13/2023</a:t>
             </a:fld>
             <a:endParaRPr lang="en-US"/>
           </a:p>
@@ -3392,7 +3391,7 @@
         <p:spPr>
           <a:xfrm>
             <a:off x="1432259" y="2523714"/>
-            <a:ext cx="7316426" cy="4893647"/>
+            <a:ext cx="10517623" cy="4893647"/>
           </a:xfrm>
           <a:prstGeom prst="rect">
             <a:avLst/>
@@ -3416,14 +3415,17 @@
               <a:rPr lang="en-US" sz="2400" dirty="0" smtClean="0">
                 <a:latin typeface="Georgia" panose="02040502050405020303" pitchFamily="18" charset="0"/>
               </a:rPr>
-              <a:t>-bit </a:t>
+              <a:t>-bit RISC-V Core </a:t>
             </a:r>
             <a:r>
               <a:rPr lang="en-US" sz="2400" dirty="0" smtClean="0">
                 <a:latin typeface="Georgia" panose="02040502050405020303" pitchFamily="18" charset="0"/>
               </a:rPr>
-              <a:t>RISC-V Core in one sight</a:t>
-            </a:r>
+              <a:t>specifications:</a:t>
+            </a:r>
+            <a:endParaRPr lang="en-US" sz="2400" dirty="0" smtClean="0">
+              <a:latin typeface="Georgia" panose="02040502050405020303" pitchFamily="18" charset="0"/>
+            </a:endParaRPr>
           </a:p>
           <a:p>
             <a:endParaRPr lang="en-US" sz="2400" dirty="0">
@@ -3439,8 +3441,17 @@
               <a:rPr lang="en-US" sz="2400" dirty="0" smtClean="0">
                 <a:latin typeface="Georgia" panose="02040502050405020303" pitchFamily="18" charset="0"/>
               </a:rPr>
-              <a:t>5 stage pipeline</a:t>
-            </a:r>
+              <a:t>5 stage </a:t>
+            </a:r>
+            <a:r>
+              <a:rPr lang="en-US" sz="2400" dirty="0" smtClean="0">
+                <a:latin typeface="Georgia" panose="02040502050405020303" pitchFamily="18" charset="0"/>
+              </a:rPr>
+              <a:t>pipelined processor</a:t>
+            </a:r>
+            <a:endParaRPr lang="en-US" sz="2400" dirty="0" smtClean="0">
+              <a:latin typeface="Georgia" panose="02040502050405020303" pitchFamily="18" charset="0"/>
+            </a:endParaRPr>
           </a:p>
           <a:p>
             <a:pPr marL="342900" indent="-342900">
@@ -3460,8 +3471,17 @@
               <a:rPr lang="en-US" sz="2400" dirty="0" smtClean="0">
                 <a:latin typeface="Georgia" panose="02040502050405020303" pitchFamily="18" charset="0"/>
               </a:rPr>
-              <a:t>I-M-F Extensions</a:t>
-            </a:r>
+              <a:t>I-M-F </a:t>
+            </a:r>
+            <a:r>
+              <a:rPr lang="en-US" sz="2400" dirty="0" smtClean="0">
+                <a:latin typeface="Georgia" panose="02040502050405020303" pitchFamily="18" charset="0"/>
+              </a:rPr>
+              <a:t>Extensions from RISC-V standard ISA</a:t>
+            </a:r>
+            <a:endParaRPr lang="en-US" sz="2400" dirty="0" smtClean="0">
+              <a:latin typeface="Georgia" panose="02040502050405020303" pitchFamily="18" charset="0"/>
+            </a:endParaRPr>
           </a:p>
           <a:p>
             <a:pPr marL="342900" indent="-342900">
@@ -3481,8 +3501,17 @@
               <a:rPr lang="en-US" sz="2400" dirty="0" smtClean="0">
                 <a:latin typeface="Georgia" panose="02040502050405020303" pitchFamily="18" charset="0"/>
               </a:rPr>
-              <a:t>“F” Extension is Replaced with “Fixed-Point”</a:t>
-            </a:r>
+              <a:t>“F” Extension </a:t>
+            </a:r>
+            <a:r>
+              <a:rPr lang="en-US" sz="2400" dirty="0" smtClean="0">
+                <a:latin typeface="Georgia" panose="02040502050405020303" pitchFamily="18" charset="0"/>
+              </a:rPr>
+              <a:t>can be considered both “Fixed-Point” and “Floating-Point”</a:t>
+            </a:r>
+            <a:endParaRPr lang="en-US" sz="2400" dirty="0" smtClean="0">
+              <a:latin typeface="Georgia" panose="02040502050405020303" pitchFamily="18" charset="0"/>
+            </a:endParaRPr>
           </a:p>
           <a:p>
             <a:pPr marL="342900" indent="-342900">
@@ -3502,8 +3531,17 @@
               <a:rPr lang="en-US" sz="2400" dirty="0" smtClean="0">
                 <a:latin typeface="Georgia" panose="02040502050405020303" pitchFamily="18" charset="0"/>
               </a:rPr>
-              <a:t>Approximate Multiplication Unit</a:t>
-            </a:r>
+              <a:t>Approximate Multiplication </a:t>
+            </a:r>
+            <a:r>
+              <a:rPr lang="en-US" sz="2400" dirty="0" smtClean="0">
+                <a:latin typeface="Georgia" panose="02040502050405020303" pitchFamily="18" charset="0"/>
+              </a:rPr>
+              <a:t>Unit</a:t>
+            </a:r>
+            <a:endParaRPr lang="en-US" sz="2400" dirty="0" smtClean="0">
+              <a:latin typeface="Georgia" panose="02040502050405020303" pitchFamily="18" charset="0"/>
+            </a:endParaRPr>
           </a:p>
           <a:p>
             <a:endParaRPr lang="en-US" sz="2400" dirty="0" smtClean="0">
@@ -3519,8 +3557,17 @@
               <a:rPr lang="en-US" sz="2400" dirty="0" smtClean="0">
                 <a:latin typeface="Georgia" panose="02040502050405020303" pitchFamily="18" charset="0"/>
               </a:rPr>
-              <a:t>Controlled by a Special Purpose Register</a:t>
-            </a:r>
+              <a:t>Controlled by a Special Purpose </a:t>
+            </a:r>
+            <a:r>
+              <a:rPr lang="en-US" sz="2400" dirty="0" smtClean="0">
+                <a:latin typeface="Georgia" panose="02040502050405020303" pitchFamily="18" charset="0"/>
+              </a:rPr>
+              <a:t>Register (CSR)</a:t>
+            </a:r>
+            <a:endParaRPr lang="en-US" sz="2400" dirty="0" smtClean="0">
+              <a:latin typeface="Georgia" panose="02040502050405020303" pitchFamily="18" charset="0"/>
+            </a:endParaRPr>
           </a:p>
           <a:p>
             <a:pPr lvl="1"/>
@@ -3605,268 +3652,206 @@
           <a:chExt cx="0" cy="0"/>
         </a:xfrm>
       </p:grpSpPr>
-      <p:grpSp>
-        <p:nvGrpSpPr>
-          <p:cNvPr id="193" name="Group 192"/>
-          <p:cNvGrpSpPr/>
+      <p:cxnSp>
+        <p:nvCxnSpPr>
+          <p:cNvPr id="89" name="Elbow Connector 88"/>
+          <p:cNvCxnSpPr/>
           <p:nvPr/>
-        </p:nvGrpSpPr>
-        <p:grpSpPr>
+        </p:nvCxnSpPr>
+        <p:spPr>
           <a:xfrm>
-            <a:off x="9429750" y="5016981"/>
-            <a:ext cx="971550" cy="689420"/>
-            <a:chOff x="9582150" y="1891483"/>
-            <a:chExt cx="971550" cy="689420"/>
-          </a:xfrm>
-        </p:grpSpPr>
-        <p:cxnSp>
-          <p:nvCxnSpPr>
-            <p:cNvPr id="190" name="Straight Arrow Connector 189"/>
-            <p:cNvCxnSpPr/>
-            <p:nvPr/>
-          </p:nvCxnSpPr>
-          <p:spPr>
-            <a:xfrm>
-              <a:off x="9582150" y="1891483"/>
-              <a:ext cx="0" cy="689420"/>
-            </a:xfrm>
-            <a:prstGeom prst="straightConnector1">
+            <a:off x="15634916" y="2863906"/>
+            <a:ext cx="377242" cy="66988"/>
+          </a:xfrm>
+          <a:prstGeom prst="bentConnector3">
+            <a:avLst>
+              <a:gd name="adj1" fmla="val -47630"/>
+            </a:avLst>
+          </a:prstGeom>
+          <a:ln>
+            <a:solidFill>
+              <a:schemeClr val="tx1"/>
+            </a:solidFill>
+            <a:tailEnd type="triangle"/>
+          </a:ln>
+        </p:spPr>
+        <p:style>
+          <a:lnRef idx="1">
+            <a:schemeClr val="accent1"/>
+          </a:lnRef>
+          <a:fillRef idx="0">
+            <a:schemeClr val="accent1"/>
+          </a:fillRef>
+          <a:effectRef idx="0">
+            <a:schemeClr val="accent1"/>
+          </a:effectRef>
+          <a:fontRef idx="minor">
+            <a:schemeClr val="tx1"/>
+          </a:fontRef>
+        </p:style>
+      </p:cxnSp>
+      <p:cxnSp>
+        <p:nvCxnSpPr>
+          <p:cNvPr id="199" name="Straight Arrow Connector 198"/>
+          <p:cNvCxnSpPr/>
+          <p:nvPr/>
+        </p:nvCxnSpPr>
+        <p:spPr>
+          <a:xfrm>
+            <a:off x="15263658" y="3382684"/>
+            <a:ext cx="1" cy="2142360"/>
+          </a:xfrm>
+          <a:prstGeom prst="straightConnector1">
+            <a:avLst/>
+          </a:prstGeom>
+          <a:ln w="12700">
+            <a:solidFill>
+              <a:schemeClr val="tx1"/>
+            </a:solidFill>
+            <a:tailEnd type="triangle"/>
+          </a:ln>
+        </p:spPr>
+        <p:style>
+          <a:lnRef idx="1">
+            <a:schemeClr val="accent1"/>
+          </a:lnRef>
+          <a:fillRef idx="0">
+            <a:schemeClr val="accent1"/>
+          </a:fillRef>
+          <a:effectRef idx="0">
+            <a:schemeClr val="accent1"/>
+          </a:effectRef>
+          <a:fontRef idx="minor">
+            <a:schemeClr val="tx1"/>
+          </a:fontRef>
+        </p:style>
+      </p:cxnSp>
+      <p:sp>
+        <p:nvSpPr>
+          <p:cNvPr id="25" name="Rounded Rectangle 24"/>
+          <p:cNvSpPr/>
+          <p:nvPr/>
+        </p:nvSpPr>
+        <p:spPr>
+          <a:xfrm>
+            <a:off x="1571245" y="2668570"/>
+            <a:ext cx="1451355" cy="2673026"/>
+          </a:xfrm>
+          <a:prstGeom prst="roundRect">
+            <a:avLst>
+              <a:gd name="adj" fmla="val 5363"/>
+            </a:avLst>
+          </a:prstGeom>
+          <a:solidFill>
+            <a:schemeClr val="bg1"/>
+          </a:solidFill>
+          <a:ln>
+            <a:solidFill>
+              <a:schemeClr val="tx1"/>
+            </a:solidFill>
+          </a:ln>
+        </p:spPr>
+        <p:style>
+          <a:lnRef idx="2">
+            <a:schemeClr val="accent1">
+              <a:shade val="50000"/>
+            </a:schemeClr>
+          </a:lnRef>
+          <a:fillRef idx="1">
+            <a:schemeClr val="accent1"/>
+          </a:fillRef>
+          <a:effectRef idx="0">
+            <a:schemeClr val="accent1"/>
+          </a:effectRef>
+          <a:fontRef idx="minor">
+            <a:schemeClr val="lt1"/>
+          </a:fontRef>
+        </p:style>
+        <p:txBody>
+          <a:bodyPr rot="0" spcFirstLastPara="0" vertOverflow="overflow" horzOverflow="overflow" vert="horz" wrap="square" lIns="91440" tIns="45721" rIns="91440" bIns="45721" numCol="1" spcCol="0" rtlCol="0" fromWordArt="0" anchor="ctr" anchorCtr="0" forceAA="0" compatLnSpc="1">
+            <a:prstTxWarp prst="textNoShape">
               <a:avLst/>
-            </a:prstGeom>
-            <a:ln w="12700">
+            </a:prstTxWarp>
+            <a:noAutofit/>
+          </a:bodyPr>
+          <a:lstStyle/>
+          <a:p>
+            <a:pPr algn="ctr"/>
+            <a:r>
+              <a:rPr lang="en-US" sz="1798" dirty="0" smtClean="0">
+                <a:solidFill>
+                  <a:schemeClr val="tx1"/>
+                </a:solidFill>
+              </a:rPr>
+              <a:t>Fetch </a:t>
+            </a:r>
+            <a:r>
+              <a:rPr lang="en-US" sz="1798" dirty="0" smtClean="0">
+                <a:solidFill>
+                  <a:schemeClr val="tx1"/>
+                </a:solidFill>
+              </a:rPr>
+              <a:t>Unit</a:t>
+            </a:r>
+          </a:p>
+          <a:p>
+            <a:pPr algn="ctr"/>
+            <a:endParaRPr lang="en-US" sz="1798" dirty="0">
               <a:solidFill>
                 <a:schemeClr val="tx1"/>
               </a:solidFill>
-              <a:tailEnd type="triangle"/>
-            </a:ln>
-          </p:spPr>
-          <p:style>
-            <a:lnRef idx="1">
-              <a:schemeClr val="accent1"/>
-            </a:lnRef>
-            <a:fillRef idx="0">
-              <a:schemeClr val="accent1"/>
-            </a:fillRef>
-            <a:effectRef idx="0">
-              <a:schemeClr val="accent1"/>
-            </a:effectRef>
-            <a:fontRef idx="minor">
-              <a:schemeClr val="tx1"/>
-            </a:fontRef>
-          </p:style>
-        </p:cxnSp>
-        <p:cxnSp>
-          <p:nvCxnSpPr>
-            <p:cNvPr id="191" name="Straight Arrow Connector 190"/>
-            <p:cNvCxnSpPr/>
-            <p:nvPr/>
-          </p:nvCxnSpPr>
-          <p:spPr>
-            <a:xfrm>
-              <a:off x="10068072" y="1891483"/>
-              <a:ext cx="0" cy="689420"/>
-            </a:xfrm>
-            <a:prstGeom prst="straightConnector1">
-              <a:avLst/>
-            </a:prstGeom>
-            <a:ln w="12700">
+            </a:endParaRPr>
+          </a:p>
+          <a:p>
+            <a:pPr algn="ctr"/>
+            <a:endParaRPr lang="en-US" sz="1798" dirty="0" smtClean="0">
               <a:solidFill>
                 <a:schemeClr val="tx1"/>
               </a:solidFill>
-              <a:tailEnd type="triangle"/>
-            </a:ln>
-          </p:spPr>
-          <p:style>
-            <a:lnRef idx="1">
-              <a:schemeClr val="accent1"/>
-            </a:lnRef>
-            <a:fillRef idx="0">
-              <a:schemeClr val="accent1"/>
-            </a:fillRef>
-            <a:effectRef idx="0">
-              <a:schemeClr val="accent1"/>
-            </a:effectRef>
-            <a:fontRef idx="minor">
-              <a:schemeClr val="tx1"/>
-            </a:fontRef>
-          </p:style>
-        </p:cxnSp>
-        <p:cxnSp>
-          <p:nvCxnSpPr>
-            <p:cNvPr id="192" name="Straight Arrow Connector 191"/>
-            <p:cNvCxnSpPr/>
-            <p:nvPr/>
-          </p:nvCxnSpPr>
-          <p:spPr>
-            <a:xfrm>
-              <a:off x="10553700" y="1891483"/>
-              <a:ext cx="0" cy="689420"/>
-            </a:xfrm>
-            <a:prstGeom prst="straightConnector1">
-              <a:avLst/>
-            </a:prstGeom>
-            <a:ln w="12700">
+            </a:endParaRPr>
+          </a:p>
+          <a:p>
+            <a:pPr algn="ctr"/>
+            <a:endParaRPr lang="en-US" sz="1798" dirty="0">
               <a:solidFill>
                 <a:schemeClr val="tx1"/>
               </a:solidFill>
-              <a:tailEnd type="triangle"/>
-            </a:ln>
-          </p:spPr>
-          <p:style>
-            <a:lnRef idx="1">
-              <a:schemeClr val="accent1"/>
-            </a:lnRef>
-            <a:fillRef idx="0">
-              <a:schemeClr val="accent1"/>
-            </a:fillRef>
-            <a:effectRef idx="0">
-              <a:schemeClr val="accent1"/>
-            </a:effectRef>
-            <a:fontRef idx="minor">
-              <a:schemeClr val="tx1"/>
-            </a:fontRef>
-          </p:style>
-        </p:cxnSp>
-      </p:grpSp>
-      <p:grpSp>
-        <p:nvGrpSpPr>
-          <p:cNvPr id="189" name="Group 188"/>
-          <p:cNvGrpSpPr/>
-          <p:nvPr/>
-        </p:nvGrpSpPr>
-        <p:grpSpPr>
-          <a:xfrm>
-            <a:off x="9429750" y="3588523"/>
-            <a:ext cx="971550" cy="855155"/>
-            <a:chOff x="9429750" y="3032899"/>
-            <a:chExt cx="971550" cy="689420"/>
-          </a:xfrm>
-        </p:grpSpPr>
-        <p:cxnSp>
-          <p:nvCxnSpPr>
-            <p:cNvPr id="183" name="Straight Arrow Connector 182"/>
-            <p:cNvCxnSpPr/>
-            <p:nvPr/>
-          </p:nvCxnSpPr>
-          <p:spPr>
-            <a:xfrm>
-              <a:off x="9429750" y="3032899"/>
-              <a:ext cx="0" cy="689420"/>
-            </a:xfrm>
-            <a:prstGeom prst="straightConnector1">
-              <a:avLst/>
-            </a:prstGeom>
-            <a:ln w="12700">
+            </a:endParaRPr>
+          </a:p>
+          <a:p>
+            <a:pPr algn="ctr"/>
+            <a:endParaRPr lang="en-US" sz="1798" dirty="0" smtClean="0">
               <a:solidFill>
                 <a:schemeClr val="tx1"/>
               </a:solidFill>
-              <a:tailEnd type="triangle"/>
-            </a:ln>
-          </p:spPr>
-          <p:style>
-            <a:lnRef idx="1">
-              <a:schemeClr val="accent1"/>
-            </a:lnRef>
-            <a:fillRef idx="0">
-              <a:schemeClr val="accent1"/>
-            </a:fillRef>
-            <a:effectRef idx="0">
-              <a:schemeClr val="accent1"/>
-            </a:effectRef>
-            <a:fontRef idx="minor">
-              <a:schemeClr val="tx1"/>
-            </a:fontRef>
-          </p:style>
-        </p:cxnSp>
-        <p:cxnSp>
-          <p:nvCxnSpPr>
-            <p:cNvPr id="184" name="Straight Arrow Connector 183"/>
-            <p:cNvCxnSpPr/>
-            <p:nvPr/>
-          </p:nvCxnSpPr>
-          <p:spPr>
-            <a:xfrm>
-              <a:off x="9915672" y="3032899"/>
-              <a:ext cx="0" cy="689420"/>
-            </a:xfrm>
-            <a:prstGeom prst="straightConnector1">
-              <a:avLst/>
-            </a:prstGeom>
-            <a:ln w="12700">
+            </a:endParaRPr>
+          </a:p>
+          <a:p>
+            <a:pPr algn="ctr"/>
+            <a:endParaRPr lang="en-US" sz="1798" dirty="0">
               <a:solidFill>
                 <a:schemeClr val="tx1"/>
               </a:solidFill>
-              <a:tailEnd type="triangle"/>
-            </a:ln>
-          </p:spPr>
-          <p:style>
-            <a:lnRef idx="1">
-              <a:schemeClr val="accent1"/>
-            </a:lnRef>
-            <a:fillRef idx="0">
-              <a:schemeClr val="accent1"/>
-            </a:fillRef>
-            <a:effectRef idx="0">
-              <a:schemeClr val="accent1"/>
-            </a:effectRef>
-            <a:fontRef idx="minor">
-              <a:schemeClr val="tx1"/>
-            </a:fontRef>
-          </p:style>
-        </p:cxnSp>
-        <p:cxnSp>
-          <p:nvCxnSpPr>
-            <p:cNvPr id="185" name="Straight Arrow Connector 184"/>
-            <p:cNvCxnSpPr/>
-            <p:nvPr/>
-          </p:nvCxnSpPr>
-          <p:spPr>
-            <a:xfrm>
-              <a:off x="10401300" y="3032899"/>
-              <a:ext cx="0" cy="689420"/>
-            </a:xfrm>
-            <a:prstGeom prst="straightConnector1">
-              <a:avLst/>
-            </a:prstGeom>
-            <a:ln w="12700">
-              <a:solidFill>
-                <a:schemeClr val="tx1"/>
-              </a:solidFill>
-              <a:tailEnd type="triangle"/>
-            </a:ln>
-          </p:spPr>
-          <p:style>
-            <a:lnRef idx="1">
-              <a:schemeClr val="accent1"/>
-            </a:lnRef>
-            <a:fillRef idx="0">
-              <a:schemeClr val="accent1"/>
-            </a:fillRef>
-            <a:effectRef idx="0">
-              <a:schemeClr val="accent1"/>
-            </a:effectRef>
-            <a:fontRef idx="minor">
-              <a:schemeClr val="tx1"/>
-            </a:fontRef>
-          </p:style>
-        </p:cxnSp>
-      </p:grpSp>
+            </a:endParaRPr>
+          </a:p>
+        </p:txBody>
+      </p:sp>
       <p:cxnSp>
         <p:nvCxnSpPr>
-          <p:cNvPr id="169" name="Elbow Connector 168"/>
+          <p:cNvPr id="233" name="Elbow Connector 232"/>
           <p:cNvCxnSpPr>
-            <a:stCxn id="94" idx="1"/>
+            <a:stCxn id="96" idx="0"/>
           </p:cNvCxnSpPr>
           <p:nvPr/>
         </p:nvCxnSpPr>
         <p:spPr>
-          <a:xfrm rot="10800000" flipH="1" flipV="1">
-            <a:off x="9253776" y="3280972"/>
-            <a:ext cx="1970962" cy="987447"/>
+          <a:xfrm>
+            <a:off x="9273663" y="3598585"/>
+            <a:ext cx="453395" cy="8137"/>
           </a:xfrm>
           <a:prstGeom prst="bentConnector3">
             <a:avLst>
-              <a:gd name="adj1" fmla="val 76840"/>
+              <a:gd name="adj1" fmla="val -34033"/>
             </a:avLst>
           </a:prstGeom>
           <a:ln w="12700">
@@ -3891,6 +3876,87 @@
           </a:fontRef>
         </p:style>
       </p:cxnSp>
+      <p:cxnSp>
+        <p:nvCxnSpPr>
+          <p:cNvPr id="7" name="Elbow Connector 6"/>
+          <p:cNvCxnSpPr>
+            <a:stCxn id="95" idx="1"/>
+            <a:endCxn id="92" idx="2"/>
+          </p:cNvCxnSpPr>
+          <p:nvPr/>
+        </p:nvCxnSpPr>
+        <p:spPr>
+          <a:xfrm rot="10800000" flipH="1" flipV="1">
+            <a:off x="9727058" y="4310029"/>
+            <a:ext cx="1955515" cy="575306"/>
+          </a:xfrm>
+          <a:prstGeom prst="bentConnector3">
+            <a:avLst>
+              <a:gd name="adj1" fmla="val 76178"/>
+            </a:avLst>
+          </a:prstGeom>
+          <a:ln w="12700">
+            <a:solidFill>
+              <a:schemeClr val="tx1"/>
+            </a:solidFill>
+            <a:tailEnd type="triangle"/>
+          </a:ln>
+        </p:spPr>
+        <p:style>
+          <a:lnRef idx="1">
+            <a:schemeClr val="accent1"/>
+          </a:lnRef>
+          <a:fillRef idx="0">
+            <a:schemeClr val="accent1"/>
+          </a:fillRef>
+          <a:effectRef idx="0">
+            <a:schemeClr val="accent1"/>
+          </a:effectRef>
+          <a:fontRef idx="minor">
+            <a:schemeClr val="tx1"/>
+          </a:fontRef>
+        </p:style>
+      </p:cxnSp>
+      <p:cxnSp>
+        <p:nvCxnSpPr>
+          <p:cNvPr id="169" name="Elbow Connector 168"/>
+          <p:cNvCxnSpPr>
+            <a:stCxn id="94" idx="1"/>
+          </p:cNvCxnSpPr>
+          <p:nvPr/>
+        </p:nvCxnSpPr>
+        <p:spPr>
+          <a:xfrm rot="10800000" flipH="1" flipV="1">
+            <a:off x="9710976" y="3420672"/>
+            <a:ext cx="1970962" cy="987447"/>
+          </a:xfrm>
+          <a:prstGeom prst="bentConnector3">
+            <a:avLst>
+              <a:gd name="adj1" fmla="val 86737"/>
+            </a:avLst>
+          </a:prstGeom>
+          <a:ln w="12700">
+            <a:solidFill>
+              <a:schemeClr val="tx1"/>
+            </a:solidFill>
+            <a:tailEnd type="triangle"/>
+          </a:ln>
+        </p:spPr>
+        <p:style>
+          <a:lnRef idx="1">
+            <a:schemeClr val="accent1"/>
+          </a:lnRef>
+          <a:fillRef idx="0">
+            <a:schemeClr val="accent1"/>
+          </a:fillRef>
+          <a:effectRef idx="0">
+            <a:schemeClr val="accent1"/>
+          </a:effectRef>
+          <a:fontRef idx="minor">
+            <a:schemeClr val="tx1"/>
+          </a:fontRef>
+        </p:style>
+      </p:cxnSp>
       <p:sp>
         <p:nvSpPr>
           <p:cNvPr id="13" name="Slide Number Placeholder 12"/>
@@ -3922,8 +3988,8 @@
         </p:nvSpPr>
         <p:spPr>
           <a:xfrm>
-            <a:off x="285652" y="219456"/>
-            <a:ext cx="6319038" cy="646331"/>
+            <a:off x="704351" y="315486"/>
+            <a:ext cx="4437112" cy="646331"/>
           </a:xfrm>
           <a:prstGeom prst="rect">
             <a:avLst/>
@@ -3941,7 +4007,13 @@
               <a:rPr lang="en-US" sz="3600" dirty="0" smtClean="0">
                 <a:latin typeface="Georgia" panose="02040502050405020303" pitchFamily="18" charset="0"/>
               </a:rPr>
-              <a:t>“NAME” CPU Block Diagram:</a:t>
+              <a:t>CPU </a:t>
+            </a:r>
+            <a:r>
+              <a:rPr lang="en-US" sz="3600" dirty="0" smtClean="0">
+                <a:latin typeface="Georgia" panose="02040502050405020303" pitchFamily="18" charset="0"/>
+              </a:rPr>
+              <a:t>Block Diagram:</a:t>
             </a:r>
             <a:endParaRPr lang="en-US" sz="2000" dirty="0"/>
           </a:p>
@@ -3955,8 +4027,8 @@
         </p:nvSpPr>
         <p:spPr>
           <a:xfrm>
-            <a:off x="955548" y="1655573"/>
-            <a:ext cx="15478252" cy="6120384"/>
+            <a:off x="1394250" y="1792958"/>
+            <a:ext cx="14404550" cy="5966742"/>
           </a:xfrm>
           <a:prstGeom prst="roundRect">
             <a:avLst>
@@ -4004,8 +4076,8 @@
         </p:nvSpPr>
         <p:spPr>
           <a:xfrm>
-            <a:off x="1114044" y="1789683"/>
-            <a:ext cx="15192756" cy="495501"/>
+            <a:off x="1571244" y="1929383"/>
+            <a:ext cx="14063672" cy="495501"/>
           </a:xfrm>
           <a:prstGeom prst="roundRect">
             <a:avLst>
@@ -4073,8 +4145,8 @@
         </p:nvSpPr>
         <p:spPr>
           <a:xfrm>
-            <a:off x="1114045" y="3987225"/>
-            <a:ext cx="1451356" cy="1214671"/>
+            <a:off x="1772147" y="3809425"/>
+            <a:ext cx="1064995" cy="1214671"/>
           </a:xfrm>
           <a:prstGeom prst="roundRect">
             <a:avLst>
@@ -4130,71 +4202,6 @@
           </a:p>
         </p:txBody>
       </p:sp>
-      <p:sp>
-        <p:nvSpPr>
-          <p:cNvPr id="25" name="Rounded Rectangle 24"/>
-          <p:cNvSpPr/>
-          <p:nvPr/>
-        </p:nvSpPr>
-        <p:spPr>
-          <a:xfrm>
-            <a:off x="1114045" y="2528869"/>
-            <a:ext cx="1451355" cy="1214671"/>
-          </a:xfrm>
-          <a:prstGeom prst="roundRect">
-            <a:avLst>
-              <a:gd name="adj" fmla="val 5363"/>
-            </a:avLst>
-          </a:prstGeom>
-          <a:noFill/>
-          <a:ln>
-            <a:solidFill>
-              <a:schemeClr val="tx1"/>
-            </a:solidFill>
-          </a:ln>
-        </p:spPr>
-        <p:style>
-          <a:lnRef idx="2">
-            <a:schemeClr val="accent1">
-              <a:shade val="50000"/>
-            </a:schemeClr>
-          </a:lnRef>
-          <a:fillRef idx="1">
-            <a:schemeClr val="accent1"/>
-          </a:fillRef>
-          <a:effectRef idx="0">
-            <a:schemeClr val="accent1"/>
-          </a:effectRef>
-          <a:fontRef idx="minor">
-            <a:schemeClr val="lt1"/>
-          </a:fontRef>
-        </p:style>
-        <p:txBody>
-          <a:bodyPr rot="0" spcFirstLastPara="0" vertOverflow="overflow" horzOverflow="overflow" vert="horz" wrap="square" lIns="91440" tIns="45721" rIns="91440" bIns="45721" numCol="1" spcCol="0" rtlCol="0" fromWordArt="0" anchor="ctr" anchorCtr="0" forceAA="0" compatLnSpc="1">
-            <a:prstTxWarp prst="textNoShape">
-              <a:avLst/>
-            </a:prstTxWarp>
-            <a:noAutofit/>
-          </a:bodyPr>
-          <a:lstStyle/>
-          <a:p>
-            <a:pPr algn="ctr"/>
-            <a:r>
-              <a:rPr lang="en-US" sz="1798" dirty="0" smtClean="0">
-                <a:solidFill>
-                  <a:schemeClr val="tx1"/>
-                </a:solidFill>
-              </a:rPr>
-              <a:t>Fetch Unit</a:t>
-            </a:r>
-            <a:endParaRPr lang="en-US" sz="1798" dirty="0">
-              <a:solidFill>
-                <a:schemeClr val="tx1"/>
-              </a:solidFill>
-            </a:endParaRPr>
-          </a:p>
-        </p:txBody>
-      </p:sp>
       <p:grpSp>
         <p:nvGrpSpPr>
           <p:cNvPr id="31" name="Group 30"/>
@@ -4203,7 +4210,7 @@
         </p:nvGrpSpPr>
         <p:grpSpPr>
           <a:xfrm>
-            <a:off x="2922907" y="2528869"/>
+            <a:off x="3380107" y="2668569"/>
             <a:ext cx="507476" cy="2673027"/>
             <a:chOff x="4076313" y="1982769"/>
             <a:chExt cx="507476" cy="2673027"/>
@@ -4324,8 +4331,8 @@
         </p:nvSpPr>
         <p:spPr>
           <a:xfrm>
-            <a:off x="1107948" y="7109612"/>
-            <a:ext cx="15198852" cy="495501"/>
+            <a:off x="1565148" y="7110035"/>
+            <a:ext cx="14069768" cy="495501"/>
           </a:xfrm>
           <a:prstGeom prst="roundRect">
             <a:avLst>
@@ -4393,7 +4400,7 @@
         </p:nvGrpSpPr>
         <p:grpSpPr>
           <a:xfrm>
-            <a:off x="3732627" y="2507466"/>
+            <a:off x="4189827" y="2647166"/>
             <a:ext cx="507476" cy="4188519"/>
             <a:chOff x="4944353" y="2024407"/>
             <a:chExt cx="507477" cy="1545997"/>
@@ -4522,7 +4529,7 @@
         </p:nvSpPr>
         <p:spPr>
           <a:xfrm rot="16200000">
-            <a:off x="-1568245" y="4328392"/>
+            <a:off x="-1111045" y="4468092"/>
             <a:ext cx="4167114" cy="568072"/>
           </a:xfrm>
           <a:prstGeom prst="roundRect">
@@ -4581,88 +4588,14 @@
       </p:sp>
       <p:cxnSp>
         <p:nvCxnSpPr>
-          <p:cNvPr id="36" name="Straight Arrow Connector 35"/>
+          <p:cNvPr id="42" name="Straight Arrow Connector 41"/>
           <p:cNvCxnSpPr/>
           <p:nvPr/>
         </p:nvCxnSpPr>
         <p:spPr>
-          <a:xfrm>
-            <a:off x="799348" y="4203700"/>
-            <a:ext cx="308600" cy="0"/>
-          </a:xfrm>
-          <a:prstGeom prst="straightConnector1">
-            <a:avLst/>
-          </a:prstGeom>
-          <a:ln w="12700">
-            <a:solidFill>
-              <a:schemeClr val="tx1"/>
-            </a:solidFill>
-            <a:tailEnd type="triangle"/>
-          </a:ln>
-        </p:spPr>
-        <p:style>
-          <a:lnRef idx="1">
-            <a:schemeClr val="accent1"/>
-          </a:lnRef>
-          <a:fillRef idx="0">
-            <a:schemeClr val="accent1"/>
-          </a:fillRef>
-          <a:effectRef idx="0">
-            <a:schemeClr val="accent1"/>
-          </a:effectRef>
-          <a:fontRef idx="minor">
-            <a:schemeClr val="tx1"/>
-          </a:fontRef>
-        </p:style>
-      </p:cxnSp>
-      <p:cxnSp>
-        <p:nvCxnSpPr>
-          <p:cNvPr id="40" name="Straight Arrow Connector 39"/>
-          <p:cNvCxnSpPr/>
-          <p:nvPr/>
-        </p:nvCxnSpPr>
-        <p:spPr>
-          <a:xfrm flipH="1">
-            <a:off x="799348" y="4889502"/>
-            <a:ext cx="308600" cy="0"/>
-          </a:xfrm>
-          <a:prstGeom prst="straightConnector1">
-            <a:avLst/>
-          </a:prstGeom>
-          <a:ln w="12700">
-            <a:solidFill>
-              <a:schemeClr val="tx1"/>
-            </a:solidFill>
-            <a:tailEnd type="triangle"/>
-          </a:ln>
-        </p:spPr>
-        <p:style>
-          <a:lnRef idx="1">
-            <a:schemeClr val="accent1"/>
-          </a:lnRef>
-          <a:fillRef idx="0">
-            <a:schemeClr val="accent1"/>
-          </a:fillRef>
-          <a:effectRef idx="0">
-            <a:schemeClr val="accent1"/>
-          </a:effectRef>
-          <a:fontRef idx="minor">
-            <a:schemeClr val="tx1"/>
-          </a:fontRef>
-        </p:style>
-      </p:cxnSp>
-      <p:cxnSp>
-        <p:nvCxnSpPr>
-          <p:cNvPr id="42" name="Straight Arrow Connector 41"/>
-          <p:cNvCxnSpPr>
-            <a:stCxn id="25" idx="3"/>
-          </p:cNvCxnSpPr>
-          <p:nvPr/>
-        </p:nvCxnSpPr>
-        <p:spPr>
           <a:xfrm flipV="1">
-            <a:off x="2565400" y="3136204"/>
-            <a:ext cx="357507" cy="1"/>
+            <a:off x="3022600" y="3275906"/>
+            <a:ext cx="357507" cy="4797"/>
           </a:xfrm>
           <a:prstGeom prst="straightConnector1">
             <a:avLst/>
@@ -4699,47 +4632,8 @@
         </p:nvCxnSpPr>
         <p:spPr>
           <a:xfrm flipV="1">
-            <a:off x="3430383" y="3865382"/>
+            <a:off x="3887583" y="4005082"/>
             <a:ext cx="302244" cy="1"/>
-          </a:xfrm>
-          <a:prstGeom prst="straightConnector1">
-            <a:avLst/>
-          </a:prstGeom>
-          <a:ln w="12700">
-            <a:solidFill>
-              <a:schemeClr val="tx1"/>
-            </a:solidFill>
-            <a:tailEnd type="triangle"/>
-          </a:ln>
-        </p:spPr>
-        <p:style>
-          <a:lnRef idx="1">
-            <a:schemeClr val="accent1"/>
-          </a:lnRef>
-          <a:fillRef idx="0">
-            <a:schemeClr val="accent1"/>
-          </a:fillRef>
-          <a:effectRef idx="0">
-            <a:schemeClr val="accent1"/>
-          </a:effectRef>
-          <a:fontRef idx="minor">
-            <a:schemeClr val="tx1"/>
-          </a:fontRef>
-        </p:style>
-      </p:cxnSp>
-      <p:cxnSp>
-        <p:nvCxnSpPr>
-          <p:cNvPr id="48" name="Straight Arrow Connector 47"/>
-          <p:cNvCxnSpPr>
-            <a:stCxn id="24" idx="0"/>
-            <a:endCxn id="25" idx="2"/>
-          </p:cNvCxnSpPr>
-          <p:nvPr/>
-        </p:nvCxnSpPr>
-        <p:spPr>
-          <a:xfrm flipV="1">
-            <a:off x="1839723" y="3743540"/>
-            <a:ext cx="0" cy="243685"/>
           </a:xfrm>
           <a:prstGeom prst="straightConnector1">
             <a:avLst/>
@@ -4777,8 +4671,8 @@
         </p:nvCxnSpPr>
         <p:spPr>
           <a:xfrm>
-            <a:off x="5940057" y="3319604"/>
-            <a:ext cx="0" cy="243686"/>
+            <a:off x="6397257" y="3459304"/>
+            <a:ext cx="5434" cy="188150"/>
           </a:xfrm>
           <a:prstGeom prst="straightConnector1">
             <a:avLst/>
@@ -4815,7 +4709,7 @@
         </p:nvCxnSpPr>
         <p:spPr>
           <a:xfrm>
-            <a:off x="4240103" y="2929853"/>
+            <a:off x="4697303" y="3069553"/>
             <a:ext cx="253738" cy="0"/>
           </a:xfrm>
           <a:prstGeom prst="straightConnector1">
@@ -4853,7 +4747,7 @@
         </p:nvCxnSpPr>
         <p:spPr>
           <a:xfrm flipV="1">
-            <a:off x="5940057" y="2285184"/>
+            <a:off x="6397257" y="2424884"/>
             <a:ext cx="0" cy="254918"/>
           </a:xfrm>
           <a:prstGeom prst="straightConnector1">
@@ -4889,8 +4783,8 @@
         </p:nvSpPr>
         <p:spPr>
           <a:xfrm>
-            <a:off x="4493842" y="4499751"/>
-            <a:ext cx="1368115" cy="779502"/>
+            <a:off x="4951042" y="4639451"/>
+            <a:ext cx="1368115" cy="1911710"/>
           </a:xfrm>
           <a:prstGeom prst="roundRect">
             <a:avLst>
@@ -4947,14 +4841,49 @@
                   <a:schemeClr val="tx1"/>
                 </a:solidFill>
               </a:rPr>
-              <a:t>Register File</a:t>
-            </a:r>
+              <a:t>Register </a:t>
+            </a:r>
+            <a:r>
+              <a:rPr lang="en-US" sz="1798" dirty="0" smtClean="0">
+                <a:solidFill>
+                  <a:schemeClr val="tx1"/>
+                </a:solidFill>
+              </a:rPr>
+              <a:t>File</a:t>
+            </a:r>
+          </a:p>
+          <a:p>
+            <a:pPr algn="ctr"/>
             <a:endParaRPr lang="en-US" sz="1798" dirty="0">
               <a:solidFill>
                 <a:schemeClr val="tx1"/>
               </a:solidFill>
             </a:endParaRPr>
           </a:p>
+          <a:p>
+            <a:pPr algn="ctr"/>
+            <a:endParaRPr lang="en-US" sz="1798" dirty="0" smtClean="0">
+              <a:solidFill>
+                <a:schemeClr val="tx1"/>
+              </a:solidFill>
+            </a:endParaRPr>
+          </a:p>
+          <a:p>
+            <a:pPr algn="ctr"/>
+            <a:endParaRPr lang="en-US" sz="1798" dirty="0">
+              <a:solidFill>
+                <a:schemeClr val="tx1"/>
+              </a:solidFill>
+            </a:endParaRPr>
+          </a:p>
+          <a:p>
+            <a:pPr algn="ctr"/>
+            <a:endParaRPr lang="en-US" sz="1798" dirty="0">
+              <a:solidFill>
+                <a:schemeClr val="tx1"/>
+              </a:solidFill>
+            </a:endParaRPr>
+          </a:p>
         </p:txBody>
       </p:sp>
       <p:sp>
@@ -4965,8 +4894,8 @@
         </p:nvSpPr>
         <p:spPr>
           <a:xfrm>
-            <a:off x="6018157" y="4499751"/>
-            <a:ext cx="1368116" cy="779502"/>
+            <a:off x="6475357" y="4639451"/>
+            <a:ext cx="1368116" cy="1911710"/>
           </a:xfrm>
           <a:prstGeom prst="roundRect">
             <a:avLst>
@@ -5023,73 +4952,43 @@
                   <a:schemeClr val="tx1"/>
                 </a:solidFill>
               </a:rPr>
-              <a:t>Register File</a:t>
-            </a:r>
+              <a:t>Register </a:t>
+            </a:r>
+            <a:r>
+              <a:rPr lang="en-US" sz="1798" dirty="0" smtClean="0">
+                <a:solidFill>
+                  <a:schemeClr val="tx1"/>
+                </a:solidFill>
+              </a:rPr>
+              <a:t>File</a:t>
+            </a:r>
+          </a:p>
+          <a:p>
+            <a:pPr algn="ctr"/>
             <a:endParaRPr lang="en-US" sz="1798" dirty="0">
               <a:solidFill>
                 <a:schemeClr val="tx1"/>
               </a:solidFill>
             </a:endParaRPr>
           </a:p>
-        </p:txBody>
-      </p:sp>
-      <p:sp>
-        <p:nvSpPr>
-          <p:cNvPr id="61" name="Rounded Rectangle 60"/>
-          <p:cNvSpPr/>
-          <p:nvPr/>
-        </p:nvSpPr>
-        <p:spPr>
-          <a:xfrm rot="5400000">
-            <a:off x="14814755" y="4328392"/>
-            <a:ext cx="4167114" cy="568072"/>
-          </a:xfrm>
-          <a:prstGeom prst="roundRect">
-            <a:avLst>
-              <a:gd name="adj" fmla="val 5363"/>
-            </a:avLst>
-          </a:prstGeom>
-          <a:noFill/>
-          <a:ln>
-            <a:solidFill>
-              <a:schemeClr val="tx1"/>
-            </a:solidFill>
-          </a:ln>
-        </p:spPr>
-        <p:style>
-          <a:lnRef idx="2">
-            <a:schemeClr val="accent1">
-              <a:shade val="50000"/>
-            </a:schemeClr>
-          </a:lnRef>
-          <a:fillRef idx="1">
-            <a:schemeClr val="accent1"/>
-          </a:fillRef>
-          <a:effectRef idx="0">
-            <a:schemeClr val="accent1"/>
-          </a:effectRef>
-          <a:fontRef idx="minor">
-            <a:schemeClr val="lt1"/>
-          </a:fontRef>
-        </p:style>
-        <p:txBody>
-          <a:bodyPr rot="0" spcFirstLastPara="0" vertOverflow="overflow" horzOverflow="overflow" vert="horz" wrap="square" lIns="91440" tIns="45721" rIns="91440" bIns="45721" numCol="1" spcCol="0" rtlCol="0" fromWordArt="0" anchor="ctr" anchorCtr="0" forceAA="0" compatLnSpc="1">
-            <a:prstTxWarp prst="textNoShape">
-              <a:avLst/>
-            </a:prstTxWarp>
-            <a:noAutofit/>
-          </a:bodyPr>
-          <a:lstStyle/>
           <a:p>
             <a:pPr algn="ctr"/>
-            <a:r>
-              <a:rPr lang="en-US" sz="1798" dirty="0" smtClean="0">
-                <a:solidFill>
-                  <a:schemeClr val="tx1"/>
-                </a:solidFill>
-              </a:rPr>
-              <a:t>Instruction Memory</a:t>
-            </a:r>
+            <a:endParaRPr lang="en-US" sz="1798" dirty="0" smtClean="0">
+              <a:solidFill>
+                <a:schemeClr val="tx1"/>
+              </a:solidFill>
+            </a:endParaRPr>
+          </a:p>
+          <a:p>
+            <a:pPr algn="ctr"/>
+            <a:endParaRPr lang="en-US" sz="1798" dirty="0">
+              <a:solidFill>
+                <a:schemeClr val="tx1"/>
+              </a:solidFill>
+            </a:endParaRPr>
+          </a:p>
+          <a:p>
+            <a:pPr algn="ctr"/>
             <a:endParaRPr lang="en-US" sz="1798" dirty="0">
               <a:solidFill>
                 <a:schemeClr val="tx1"/>
@@ -5106,7 +5005,7 @@
         </p:nvGrpSpPr>
         <p:grpSpPr>
           <a:xfrm>
-            <a:off x="7682834" y="2507466"/>
+            <a:off x="8140034" y="2647166"/>
             <a:ext cx="507476" cy="4188519"/>
             <a:chOff x="4944353" y="2024407"/>
             <a:chExt cx="507477" cy="1545997"/>
@@ -5242,7 +5141,7 @@
         </p:nvCxnSpPr>
         <p:spPr>
           <a:xfrm>
-            <a:off x="7386273" y="2929853"/>
+            <a:off x="7843473" y="3069553"/>
             <a:ext cx="296561" cy="0"/>
           </a:xfrm>
           <a:prstGeom prst="straightConnector1">
@@ -5272,59 +5171,20 @@
       </p:cxnSp>
       <p:cxnSp>
         <p:nvCxnSpPr>
-          <p:cNvPr id="83" name="Straight Arrow Connector 82"/>
-          <p:cNvCxnSpPr>
-            <a:stCxn id="50" idx="3"/>
-          </p:cNvCxnSpPr>
-          <p:nvPr/>
-        </p:nvCxnSpPr>
-        <p:spPr>
-          <a:xfrm>
-            <a:off x="7386273" y="3953041"/>
-            <a:ext cx="296561" cy="0"/>
-          </a:xfrm>
-          <a:prstGeom prst="straightConnector1">
-            <a:avLst/>
-          </a:prstGeom>
-          <a:ln w="12700">
-            <a:solidFill>
-              <a:schemeClr val="tx1"/>
-            </a:solidFill>
-            <a:tailEnd type="triangle"/>
-          </a:ln>
-        </p:spPr>
-        <p:style>
-          <a:lnRef idx="1">
-            <a:schemeClr val="accent1"/>
-          </a:lnRef>
-          <a:fillRef idx="0">
-            <a:schemeClr val="accent1"/>
-          </a:fillRef>
-          <a:effectRef idx="0">
-            <a:schemeClr val="accent1"/>
-          </a:effectRef>
-          <a:fontRef idx="minor">
-            <a:schemeClr val="tx1"/>
-          </a:fontRef>
-        </p:style>
-      </p:cxnSp>
-      <p:cxnSp>
-        <p:nvCxnSpPr>
           <p:cNvPr id="85" name="Elbow Connector 84"/>
           <p:cNvCxnSpPr>
-            <a:stCxn id="49" idx="2"/>
             <a:endCxn id="59" idx="0"/>
           </p:cNvCxnSpPr>
           <p:nvPr/>
         </p:nvCxnSpPr>
         <p:spPr>
-          <a:xfrm rot="5400000">
-            <a:off x="4968906" y="3528599"/>
-            <a:ext cx="1180147" cy="762157"/>
+          <a:xfrm rot="16200000" flipH="1">
+            <a:off x="5043836" y="4048186"/>
+            <a:ext cx="1180147" cy="2381"/>
           </a:xfrm>
           <a:prstGeom prst="bentConnector3">
             <a:avLst>
-              <a:gd name="adj1" fmla="val -11339"/>
+              <a:gd name="adj1" fmla="val 50000"/>
             </a:avLst>
           </a:prstGeom>
           <a:ln w="12700">
@@ -5353,19 +5213,18 @@
         <p:nvCxnSpPr>
           <p:cNvPr id="88" name="Elbow Connector 87"/>
           <p:cNvCxnSpPr>
-            <a:stCxn id="49" idx="2"/>
             <a:endCxn id="60" idx="0"/>
           </p:cNvCxnSpPr>
           <p:nvPr/>
         </p:nvCxnSpPr>
         <p:spPr>
-          <a:xfrm rot="16200000" flipH="1">
-            <a:off x="5731063" y="3528598"/>
-            <a:ext cx="1180147" cy="762158"/>
+          <a:xfrm rot="5400000">
+            <a:off x="6561433" y="4040226"/>
+            <a:ext cx="1197207" cy="1242"/>
           </a:xfrm>
           <a:prstGeom prst="bentConnector3">
             <a:avLst>
-              <a:gd name="adj1" fmla="val -11339"/>
+              <a:gd name="adj1" fmla="val 50000"/>
             </a:avLst>
           </a:prstGeom>
           <a:ln w="12700">
@@ -5398,7 +5257,7 @@
         </p:nvSpPr>
         <p:spPr>
           <a:xfrm>
-            <a:off x="4493841" y="2540102"/>
+            <a:off x="4951041" y="2679802"/>
             <a:ext cx="2892432" cy="779502"/>
           </a:xfrm>
           <a:prstGeom prst="roundRect">
@@ -5465,8 +5324,8 @@
         </p:nvSpPr>
         <p:spPr>
           <a:xfrm>
-            <a:off x="4493841" y="3563290"/>
-            <a:ext cx="2892432" cy="779502"/>
+            <a:off x="5783892" y="3647454"/>
+            <a:ext cx="1237597" cy="779502"/>
           </a:xfrm>
           <a:prstGeom prst="roundRect">
             <a:avLst>
@@ -5543,7 +5402,7 @@
         </p:nvSpPr>
         <p:spPr>
           <a:xfrm rot="5400000">
-            <a:off x="10517378" y="4597630"/>
+            <a:off x="10974578" y="4737330"/>
             <a:ext cx="1712000" cy="296009"/>
           </a:xfrm>
           <a:prstGeom prst="trapezoid">
@@ -5602,7 +5461,7 @@
         </p:nvSpPr>
         <p:spPr>
           <a:xfrm rot="5400000">
-            <a:off x="8366996" y="2818352"/>
+            <a:off x="8911915" y="2918955"/>
             <a:ext cx="528792" cy="194703"/>
           </a:xfrm>
           <a:prstGeom prst="trapezoid">
@@ -5661,7 +5520,7 @@
         </p:nvSpPr>
         <p:spPr>
           <a:xfrm>
-            <a:off x="9253776" y="2974603"/>
+            <a:off x="9710976" y="3114303"/>
             <a:ext cx="1326454" cy="612740"/>
           </a:xfrm>
           <a:prstGeom prst="roundRect">
@@ -5723,7 +5582,7 @@
         </p:nvSpPr>
         <p:spPr>
           <a:xfrm>
-            <a:off x="9253776" y="4439264"/>
+            <a:off x="9727059" y="4003659"/>
             <a:ext cx="1326454" cy="612740"/>
           </a:xfrm>
           <a:prstGeom prst="roundRect">
@@ -5772,7 +5631,7 @@
                   <a:schemeClr val="tx1"/>
                 </a:solidFill>
               </a:rPr>
-              <a:t>APX MUL</a:t>
+              <a:t>MUL/DIV</a:t>
             </a:r>
             <a:endParaRPr lang="en-US" sz="1798" dirty="0">
               <a:solidFill>
@@ -5790,7 +5649,7 @@
         </p:nvSpPr>
         <p:spPr>
           <a:xfrm rot="5400000">
-            <a:off x="8366996" y="3514930"/>
+            <a:off x="8911915" y="3501233"/>
             <a:ext cx="528792" cy="194703"/>
           </a:xfrm>
           <a:prstGeom prst="trapezoid">
@@ -5841,82 +5700,6 @@
           </a:p>
         </p:txBody>
       </p:sp>
-      <p:cxnSp>
-        <p:nvCxnSpPr>
-          <p:cNvPr id="98" name="Elbow Connector 97"/>
-          <p:cNvCxnSpPr>
-            <a:stCxn id="93" idx="0"/>
-          </p:cNvCxnSpPr>
-          <p:nvPr/>
-        </p:nvCxnSpPr>
-        <p:spPr>
-          <a:xfrm>
-            <a:off x="8728744" y="2915704"/>
-            <a:ext cx="525032" cy="235318"/>
-          </a:xfrm>
-          <a:prstGeom prst="bentConnector3">
-            <a:avLst/>
-          </a:prstGeom>
-          <a:ln w="12700">
-            <a:solidFill>
-              <a:schemeClr val="tx1"/>
-            </a:solidFill>
-            <a:tailEnd type="triangle"/>
-          </a:ln>
-        </p:spPr>
-        <p:style>
-          <a:lnRef idx="1">
-            <a:schemeClr val="accent1"/>
-          </a:lnRef>
-          <a:fillRef idx="0">
-            <a:schemeClr val="accent1"/>
-          </a:fillRef>
-          <a:effectRef idx="0">
-            <a:schemeClr val="accent1"/>
-          </a:effectRef>
-          <a:fontRef idx="minor">
-            <a:schemeClr val="tx1"/>
-          </a:fontRef>
-        </p:style>
-      </p:cxnSp>
-      <p:cxnSp>
-        <p:nvCxnSpPr>
-          <p:cNvPr id="100" name="Elbow Connector 99"/>
-          <p:cNvCxnSpPr>
-            <a:stCxn id="96" idx="0"/>
-          </p:cNvCxnSpPr>
-          <p:nvPr/>
-        </p:nvCxnSpPr>
-        <p:spPr>
-          <a:xfrm flipV="1">
-            <a:off x="8728744" y="3441447"/>
-            <a:ext cx="525032" cy="170835"/>
-          </a:xfrm>
-          <a:prstGeom prst="bentConnector3">
-            <a:avLst/>
-          </a:prstGeom>
-          <a:ln w="12700">
-            <a:solidFill>
-              <a:schemeClr val="tx1"/>
-            </a:solidFill>
-            <a:tailEnd type="triangle"/>
-          </a:ln>
-        </p:spPr>
-        <p:style>
-          <a:lnRef idx="1">
-            <a:schemeClr val="accent1"/>
-          </a:lnRef>
-          <a:fillRef idx="0">
-            <a:schemeClr val="accent1"/>
-          </a:fillRef>
-          <a:effectRef idx="0">
-            <a:schemeClr val="accent1"/>
-          </a:effectRef>
-          <a:fontRef idx="minor">
-            <a:schemeClr val="tx1"/>
-          </a:fontRef>
-        </p:style>
-      </p:cxnSp>
       <p:sp>
         <p:nvSpPr>
           <p:cNvPr id="104" name="Trapezoid 103"/>
@@ -5925,7 +5708,7 @@
         </p:nvSpPr>
         <p:spPr>
           <a:xfrm rot="5400000">
-            <a:off x="8366996" y="4319588"/>
+            <a:off x="8926039" y="4141504"/>
             <a:ext cx="528792" cy="194703"/>
           </a:xfrm>
           <a:prstGeom prst="trapezoid">
@@ -5976,619 +5759,93 @@
           </a:p>
         </p:txBody>
       </p:sp>
-      <p:sp>
-        <p:nvSpPr>
-          <p:cNvPr id="105" name="Trapezoid 104"/>
-          <p:cNvSpPr/>
+      <p:grpSp>
+        <p:nvGrpSpPr>
+          <p:cNvPr id="217" name="Group 216"/>
+          <p:cNvGrpSpPr/>
           <p:nvPr/>
-        </p:nvSpPr>
-        <p:spPr>
-          <a:xfrm rot="5400000">
-            <a:off x="8366996" y="5016166"/>
-            <a:ext cx="528792" cy="194703"/>
-          </a:xfrm>
-          <a:prstGeom prst="trapezoid">
-            <a:avLst>
-              <a:gd name="adj" fmla="val 50716"/>
-            </a:avLst>
-          </a:prstGeom>
-          <a:solidFill>
-            <a:schemeClr val="bg1"/>
-          </a:solidFill>
-          <a:ln>
-            <a:solidFill>
+        </p:nvGrpSpPr>
+        <p:grpSpPr>
+          <a:xfrm>
+            <a:off x="8646235" y="4097830"/>
+            <a:ext cx="444776" cy="298694"/>
+            <a:chOff x="8190310" y="4253377"/>
+            <a:chExt cx="346765" cy="293582"/>
+          </a:xfrm>
+        </p:grpSpPr>
+        <p:cxnSp>
+          <p:nvCxnSpPr>
+            <p:cNvPr id="151" name="Straight Arrow Connector 150"/>
+            <p:cNvCxnSpPr/>
+            <p:nvPr/>
+          </p:nvCxnSpPr>
+          <p:spPr>
+            <a:xfrm>
+              <a:off x="8190310" y="4253377"/>
+              <a:ext cx="343730" cy="0"/>
+            </a:xfrm>
+            <a:prstGeom prst="straightConnector1">
+              <a:avLst/>
+            </a:prstGeom>
+            <a:ln w="12700">
+              <a:solidFill>
+                <a:schemeClr val="tx1"/>
+              </a:solidFill>
+              <a:tailEnd type="triangle"/>
+            </a:ln>
+          </p:spPr>
+          <p:style>
+            <a:lnRef idx="1">
+              <a:schemeClr val="accent1"/>
+            </a:lnRef>
+            <a:fillRef idx="0">
+              <a:schemeClr val="accent1"/>
+            </a:fillRef>
+            <a:effectRef idx="0">
+              <a:schemeClr val="accent1"/>
+            </a:effectRef>
+            <a:fontRef idx="minor">
               <a:schemeClr val="tx1"/>
-            </a:solidFill>
-          </a:ln>
-        </p:spPr>
-        <p:style>
-          <a:lnRef idx="2">
-            <a:schemeClr val="accent1">
-              <a:shade val="50000"/>
-            </a:schemeClr>
-          </a:lnRef>
-          <a:fillRef idx="1">
-            <a:schemeClr val="accent1"/>
-          </a:fillRef>
-          <a:effectRef idx="0">
-            <a:schemeClr val="accent1"/>
-          </a:effectRef>
-          <a:fontRef idx="minor">
-            <a:schemeClr val="lt1"/>
-          </a:fontRef>
-        </p:style>
-        <p:txBody>
-          <a:bodyPr rot="0" spcFirstLastPara="0" vertOverflow="overflow" horzOverflow="overflow" vert="horz" wrap="square" lIns="91440" tIns="45721" rIns="91440" bIns="45721" numCol="1" spcCol="0" rtlCol="0" fromWordArt="0" anchor="ctr" anchorCtr="0" forceAA="0" compatLnSpc="1">
-            <a:prstTxWarp prst="textNoShape">
+            </a:fontRef>
+          </p:style>
+        </p:cxnSp>
+        <p:cxnSp>
+          <p:nvCxnSpPr>
+            <p:cNvPr id="152" name="Straight Arrow Connector 151"/>
+            <p:cNvCxnSpPr/>
+            <p:nvPr/>
+          </p:nvCxnSpPr>
+          <p:spPr>
+            <a:xfrm>
+              <a:off x="8193345" y="4546959"/>
+              <a:ext cx="343730" cy="0"/>
+            </a:xfrm>
+            <a:prstGeom prst="straightConnector1">
               <a:avLst/>
-            </a:prstTxWarp>
-            <a:noAutofit/>
-          </a:bodyPr>
-          <a:lstStyle/>
-          <a:p>
-            <a:pPr algn="ctr"/>
-            <a:endParaRPr lang="en-US" sz="1798" dirty="0">
+            </a:prstGeom>
+            <a:ln w="12700">
               <a:solidFill>
-                <a:sysClr val="windowText" lastClr="000000"/>
+                <a:schemeClr val="tx1"/>
               </a:solidFill>
-            </a:endParaRPr>
-          </a:p>
-        </p:txBody>
-      </p:sp>
-      <p:cxnSp>
-        <p:nvCxnSpPr>
-          <p:cNvPr id="106" name="Elbow Connector 105"/>
-          <p:cNvCxnSpPr>
-            <a:stCxn id="104" idx="0"/>
-          </p:cNvCxnSpPr>
-          <p:nvPr/>
-        </p:nvCxnSpPr>
-        <p:spPr>
-          <a:xfrm>
-            <a:off x="8728744" y="4416940"/>
-            <a:ext cx="525032" cy="210303"/>
-          </a:xfrm>
-          <a:prstGeom prst="bentConnector3">
-            <a:avLst/>
-          </a:prstGeom>
-          <a:ln w="12700">
-            <a:solidFill>
+              <a:tailEnd type="triangle"/>
+            </a:ln>
+          </p:spPr>
+          <p:style>
+            <a:lnRef idx="1">
+              <a:schemeClr val="accent1"/>
+            </a:lnRef>
+            <a:fillRef idx="0">
+              <a:schemeClr val="accent1"/>
+            </a:fillRef>
+            <a:effectRef idx="0">
+              <a:schemeClr val="accent1"/>
+            </a:effectRef>
+            <a:fontRef idx="minor">
               <a:schemeClr val="tx1"/>
-            </a:solidFill>
-            <a:tailEnd type="triangle"/>
-          </a:ln>
-        </p:spPr>
-        <p:style>
-          <a:lnRef idx="1">
-            <a:schemeClr val="accent1"/>
-          </a:lnRef>
-          <a:fillRef idx="0">
-            <a:schemeClr val="accent1"/>
-          </a:fillRef>
-          <a:effectRef idx="0">
-            <a:schemeClr val="accent1"/>
-          </a:effectRef>
-          <a:fontRef idx="minor">
-            <a:schemeClr val="tx1"/>
-          </a:fontRef>
-        </p:style>
-      </p:cxnSp>
-      <p:cxnSp>
-        <p:nvCxnSpPr>
-          <p:cNvPr id="107" name="Elbow Connector 106"/>
-          <p:cNvCxnSpPr>
-            <a:stCxn id="105" idx="0"/>
-          </p:cNvCxnSpPr>
-          <p:nvPr/>
-        </p:nvCxnSpPr>
-        <p:spPr>
-          <a:xfrm flipV="1">
-            <a:off x="8728744" y="4942683"/>
-            <a:ext cx="525032" cy="170835"/>
-          </a:xfrm>
-          <a:prstGeom prst="bentConnector3">
-            <a:avLst/>
-          </a:prstGeom>
-          <a:ln w="12700">
-            <a:solidFill>
-              <a:schemeClr val="tx1"/>
-            </a:solidFill>
-            <a:tailEnd type="triangle"/>
-          </a:ln>
-        </p:spPr>
-        <p:style>
-          <a:lnRef idx="1">
-            <a:schemeClr val="accent1"/>
-          </a:lnRef>
-          <a:fillRef idx="0">
-            <a:schemeClr val="accent1"/>
-          </a:fillRef>
-          <a:effectRef idx="0">
-            <a:schemeClr val="accent1"/>
-          </a:effectRef>
-          <a:fontRef idx="minor">
-            <a:schemeClr val="tx1"/>
-          </a:fontRef>
-        </p:style>
-      </p:cxnSp>
-      <p:cxnSp>
-        <p:nvCxnSpPr>
-          <p:cNvPr id="135" name="Elbow Connector 134"/>
-          <p:cNvCxnSpPr>
-            <a:endCxn id="105" idx="1"/>
-          </p:cNvCxnSpPr>
-          <p:nvPr/>
-        </p:nvCxnSpPr>
-        <p:spPr>
-          <a:xfrm rot="5400000">
-            <a:off x="7457487" y="3459089"/>
-            <a:ext cx="2613311" cy="265500"/>
-          </a:xfrm>
-          <a:prstGeom prst="bentConnector3">
-            <a:avLst>
-              <a:gd name="adj1" fmla="val 93321"/>
-            </a:avLst>
-          </a:prstGeom>
-          <a:ln w="12700">
-            <a:solidFill>
-              <a:schemeClr val="tx1"/>
-            </a:solidFill>
-            <a:tailEnd type="triangle"/>
-          </a:ln>
-        </p:spPr>
-        <p:style>
-          <a:lnRef idx="1">
-            <a:schemeClr val="accent1"/>
-          </a:lnRef>
-          <a:fillRef idx="0">
-            <a:schemeClr val="accent1"/>
-          </a:fillRef>
-          <a:effectRef idx="0">
-            <a:schemeClr val="accent1"/>
-          </a:effectRef>
-          <a:fontRef idx="minor">
-            <a:schemeClr val="tx1"/>
-          </a:fontRef>
-        </p:style>
-      </p:cxnSp>
-      <p:cxnSp>
-        <p:nvCxnSpPr>
-          <p:cNvPr id="138" name="Elbow Connector 137"/>
-          <p:cNvCxnSpPr>
-            <a:endCxn id="104" idx="1"/>
-          </p:cNvCxnSpPr>
-          <p:nvPr/>
-        </p:nvCxnSpPr>
-        <p:spPr>
-          <a:xfrm rot="10800000" flipV="1">
-            <a:off x="8631392" y="3939059"/>
-            <a:ext cx="266136" cy="262857"/>
-          </a:xfrm>
-          <a:prstGeom prst="bentConnector2">
-            <a:avLst/>
-          </a:prstGeom>
-          <a:ln w="12700">
-            <a:solidFill>
-              <a:schemeClr val="tx1"/>
-            </a:solidFill>
-            <a:tailEnd type="triangle"/>
-          </a:ln>
-        </p:spPr>
-        <p:style>
-          <a:lnRef idx="1">
-            <a:schemeClr val="accent1"/>
-          </a:lnRef>
-          <a:fillRef idx="0">
-            <a:schemeClr val="accent1"/>
-          </a:fillRef>
-          <a:effectRef idx="0">
-            <a:schemeClr val="accent1"/>
-          </a:effectRef>
-          <a:fontRef idx="minor">
-            <a:schemeClr val="tx1"/>
-          </a:fontRef>
-        </p:style>
-      </p:cxnSp>
-      <p:cxnSp>
-        <p:nvCxnSpPr>
-          <p:cNvPr id="140" name="Elbow Connector 139"/>
-          <p:cNvCxnSpPr>
-            <a:endCxn id="96" idx="1"/>
-          </p:cNvCxnSpPr>
-          <p:nvPr/>
-        </p:nvCxnSpPr>
-        <p:spPr>
-          <a:xfrm rot="10800000" flipV="1">
-            <a:off x="8631393" y="3226125"/>
-            <a:ext cx="265501" cy="171133"/>
-          </a:xfrm>
-          <a:prstGeom prst="bentConnector2">
-            <a:avLst/>
-          </a:prstGeom>
-          <a:ln w="12700">
-            <a:solidFill>
-              <a:schemeClr val="tx1"/>
-            </a:solidFill>
-            <a:tailEnd type="triangle"/>
-          </a:ln>
-        </p:spPr>
-        <p:style>
-          <a:lnRef idx="1">
-            <a:schemeClr val="accent1"/>
-          </a:lnRef>
-          <a:fillRef idx="0">
-            <a:schemeClr val="accent1"/>
-          </a:fillRef>
-          <a:effectRef idx="0">
-            <a:schemeClr val="accent1"/>
-          </a:effectRef>
-          <a:fontRef idx="minor">
-            <a:schemeClr val="tx1"/>
-          </a:fontRef>
-        </p:style>
-      </p:cxnSp>
-      <p:cxnSp>
-        <p:nvCxnSpPr>
-          <p:cNvPr id="142" name="Elbow Connector 141"/>
-          <p:cNvCxnSpPr>
-            <a:endCxn id="93" idx="1"/>
-          </p:cNvCxnSpPr>
-          <p:nvPr/>
-        </p:nvCxnSpPr>
-        <p:spPr>
-          <a:xfrm rot="10800000" flipV="1">
-            <a:off x="8631393" y="2505919"/>
-            <a:ext cx="265501" cy="194762"/>
-          </a:xfrm>
-          <a:prstGeom prst="bentConnector2">
-            <a:avLst/>
-          </a:prstGeom>
-          <a:ln w="12700">
-            <a:solidFill>
-              <a:schemeClr val="tx1"/>
-            </a:solidFill>
-            <a:tailEnd type="triangle"/>
-          </a:ln>
-        </p:spPr>
-        <p:style>
-          <a:lnRef idx="1">
-            <a:schemeClr val="accent1"/>
-          </a:lnRef>
-          <a:fillRef idx="0">
-            <a:schemeClr val="accent1"/>
-          </a:fillRef>
-          <a:effectRef idx="0">
-            <a:schemeClr val="accent1"/>
-          </a:effectRef>
-          <a:fontRef idx="minor">
-            <a:schemeClr val="tx1"/>
-          </a:fontRef>
-        </p:style>
-      </p:cxnSp>
-      <p:cxnSp>
-        <p:nvCxnSpPr>
-          <p:cNvPr id="146" name="Straight Arrow Connector 145"/>
-          <p:cNvCxnSpPr/>
-          <p:nvPr/>
-        </p:nvCxnSpPr>
-        <p:spPr>
-          <a:xfrm>
-            <a:off x="8190310" y="2700681"/>
-            <a:ext cx="343730" cy="0"/>
-          </a:xfrm>
-          <a:prstGeom prst="straightConnector1">
-            <a:avLst/>
-          </a:prstGeom>
-          <a:ln w="12700">
-            <a:solidFill>
-              <a:schemeClr val="tx1"/>
-            </a:solidFill>
-            <a:tailEnd type="triangle"/>
-          </a:ln>
-        </p:spPr>
-        <p:style>
-          <a:lnRef idx="1">
-            <a:schemeClr val="accent1"/>
-          </a:lnRef>
-          <a:fillRef idx="0">
-            <a:schemeClr val="accent1"/>
-          </a:fillRef>
-          <a:effectRef idx="0">
-            <a:schemeClr val="accent1"/>
-          </a:effectRef>
-          <a:fontRef idx="minor">
-            <a:schemeClr val="tx1"/>
-          </a:fontRef>
-        </p:style>
-      </p:cxnSp>
-      <p:cxnSp>
-        <p:nvCxnSpPr>
-          <p:cNvPr id="147" name="Straight Arrow Connector 146"/>
-          <p:cNvCxnSpPr/>
-          <p:nvPr/>
-        </p:nvCxnSpPr>
-        <p:spPr>
-          <a:xfrm>
-            <a:off x="8190310" y="2906204"/>
-            <a:ext cx="343730" cy="0"/>
-          </a:xfrm>
-          <a:prstGeom prst="straightConnector1">
-            <a:avLst/>
-          </a:prstGeom>
-          <a:ln w="12700">
-            <a:solidFill>
-              <a:schemeClr val="tx1"/>
-            </a:solidFill>
-            <a:tailEnd type="triangle"/>
-          </a:ln>
-        </p:spPr>
-        <p:style>
-          <a:lnRef idx="1">
-            <a:schemeClr val="accent1"/>
-          </a:lnRef>
-          <a:fillRef idx="0">
-            <a:schemeClr val="accent1"/>
-          </a:fillRef>
-          <a:effectRef idx="0">
-            <a:schemeClr val="accent1"/>
-          </a:effectRef>
-          <a:fontRef idx="minor">
-            <a:schemeClr val="tx1"/>
-          </a:fontRef>
-        </p:style>
-      </p:cxnSp>
-      <p:cxnSp>
-        <p:nvCxnSpPr>
-          <p:cNvPr id="148" name="Straight Arrow Connector 147"/>
-          <p:cNvCxnSpPr/>
-          <p:nvPr/>
-        </p:nvCxnSpPr>
-        <p:spPr>
-          <a:xfrm>
-            <a:off x="8190310" y="3126705"/>
-            <a:ext cx="343730" cy="0"/>
-          </a:xfrm>
-          <a:prstGeom prst="straightConnector1">
-            <a:avLst/>
-          </a:prstGeom>
-          <a:ln w="12700">
-            <a:solidFill>
-              <a:schemeClr val="tx1"/>
-            </a:solidFill>
-            <a:tailEnd type="triangle"/>
-          </a:ln>
-        </p:spPr>
-        <p:style>
-          <a:lnRef idx="1">
-            <a:schemeClr val="accent1"/>
-          </a:lnRef>
-          <a:fillRef idx="0">
-            <a:schemeClr val="accent1"/>
-          </a:fillRef>
-          <a:effectRef idx="0">
-            <a:schemeClr val="accent1"/>
-          </a:effectRef>
-          <a:fontRef idx="minor">
-            <a:schemeClr val="tx1"/>
-          </a:fontRef>
-        </p:style>
-      </p:cxnSp>
-      <p:cxnSp>
-        <p:nvCxnSpPr>
-          <p:cNvPr id="149" name="Straight Arrow Connector 148"/>
-          <p:cNvCxnSpPr/>
-          <p:nvPr/>
-        </p:nvCxnSpPr>
-        <p:spPr>
-          <a:xfrm>
-            <a:off x="8190310" y="3462428"/>
-            <a:ext cx="343730" cy="0"/>
-          </a:xfrm>
-          <a:prstGeom prst="straightConnector1">
-            <a:avLst/>
-          </a:prstGeom>
-          <a:ln w="12700">
-            <a:solidFill>
-              <a:schemeClr val="tx1"/>
-            </a:solidFill>
-            <a:tailEnd type="triangle"/>
-          </a:ln>
-        </p:spPr>
-        <p:style>
-          <a:lnRef idx="1">
-            <a:schemeClr val="accent1"/>
-          </a:lnRef>
-          <a:fillRef idx="0">
-            <a:schemeClr val="accent1"/>
-          </a:fillRef>
-          <a:effectRef idx="0">
-            <a:schemeClr val="accent1"/>
-          </a:effectRef>
-          <a:fontRef idx="minor">
-            <a:schemeClr val="tx1"/>
-          </a:fontRef>
-        </p:style>
-      </p:cxnSp>
-      <p:cxnSp>
-        <p:nvCxnSpPr>
-          <p:cNvPr id="150" name="Straight Arrow Connector 149"/>
-          <p:cNvCxnSpPr/>
-          <p:nvPr/>
-        </p:nvCxnSpPr>
-        <p:spPr>
-          <a:xfrm>
-            <a:off x="8190310" y="3726421"/>
-            <a:ext cx="343730" cy="0"/>
-          </a:xfrm>
-          <a:prstGeom prst="straightConnector1">
-            <a:avLst/>
-          </a:prstGeom>
-          <a:ln w="12700">
-            <a:solidFill>
-              <a:schemeClr val="tx1"/>
-            </a:solidFill>
-            <a:tailEnd type="triangle"/>
-          </a:ln>
-        </p:spPr>
-        <p:style>
-          <a:lnRef idx="1">
-            <a:schemeClr val="accent1"/>
-          </a:lnRef>
-          <a:fillRef idx="0">
-            <a:schemeClr val="accent1"/>
-          </a:fillRef>
-          <a:effectRef idx="0">
-            <a:schemeClr val="accent1"/>
-          </a:effectRef>
-          <a:fontRef idx="minor">
-            <a:schemeClr val="tx1"/>
-          </a:fontRef>
-        </p:style>
-      </p:cxnSp>
-      <p:cxnSp>
-        <p:nvCxnSpPr>
-          <p:cNvPr id="151" name="Straight Arrow Connector 150"/>
-          <p:cNvCxnSpPr/>
-          <p:nvPr/>
-        </p:nvCxnSpPr>
-        <p:spPr>
-          <a:xfrm>
-            <a:off x="8190310" y="4253377"/>
-            <a:ext cx="343730" cy="0"/>
-          </a:xfrm>
-          <a:prstGeom prst="straightConnector1">
-            <a:avLst/>
-          </a:prstGeom>
-          <a:ln w="12700">
-            <a:solidFill>
-              <a:schemeClr val="tx1"/>
-            </a:solidFill>
-            <a:tailEnd type="triangle"/>
-          </a:ln>
-        </p:spPr>
-        <p:style>
-          <a:lnRef idx="1">
-            <a:schemeClr val="accent1"/>
-          </a:lnRef>
-          <a:fillRef idx="0">
-            <a:schemeClr val="accent1"/>
-          </a:fillRef>
-          <a:effectRef idx="0">
-            <a:schemeClr val="accent1"/>
-          </a:effectRef>
-          <a:fontRef idx="minor">
-            <a:schemeClr val="tx1"/>
-          </a:fontRef>
-        </p:style>
-      </p:cxnSp>
-      <p:cxnSp>
-        <p:nvCxnSpPr>
-          <p:cNvPr id="152" name="Straight Arrow Connector 151"/>
-          <p:cNvCxnSpPr/>
-          <p:nvPr/>
-        </p:nvCxnSpPr>
-        <p:spPr>
-          <a:xfrm>
-            <a:off x="8193345" y="4546959"/>
-            <a:ext cx="343730" cy="0"/>
-          </a:xfrm>
-          <a:prstGeom prst="straightConnector1">
-            <a:avLst/>
-          </a:prstGeom>
-          <a:ln w="12700">
-            <a:solidFill>
-              <a:schemeClr val="tx1"/>
-            </a:solidFill>
-            <a:tailEnd type="triangle"/>
-          </a:ln>
-        </p:spPr>
-        <p:style>
-          <a:lnRef idx="1">
-            <a:schemeClr val="accent1"/>
-          </a:lnRef>
-          <a:fillRef idx="0">
-            <a:schemeClr val="accent1"/>
-          </a:fillRef>
-          <a:effectRef idx="0">
-            <a:schemeClr val="accent1"/>
-          </a:effectRef>
-          <a:fontRef idx="minor">
-            <a:schemeClr val="tx1"/>
-          </a:fontRef>
-        </p:style>
-      </p:cxnSp>
-      <p:cxnSp>
-        <p:nvCxnSpPr>
-          <p:cNvPr id="153" name="Straight Arrow Connector 152"/>
-          <p:cNvCxnSpPr/>
-          <p:nvPr/>
-        </p:nvCxnSpPr>
-        <p:spPr>
-          <a:xfrm>
-            <a:off x="8190310" y="4974856"/>
-            <a:ext cx="343730" cy="0"/>
-          </a:xfrm>
-          <a:prstGeom prst="straightConnector1">
-            <a:avLst/>
-          </a:prstGeom>
-          <a:ln w="12700">
-            <a:solidFill>
-              <a:schemeClr val="tx1"/>
-            </a:solidFill>
-            <a:tailEnd type="triangle"/>
-          </a:ln>
-        </p:spPr>
-        <p:style>
-          <a:lnRef idx="1">
-            <a:schemeClr val="accent1"/>
-          </a:lnRef>
-          <a:fillRef idx="0">
-            <a:schemeClr val="accent1"/>
-          </a:fillRef>
-          <a:effectRef idx="0">
-            <a:schemeClr val="accent1"/>
-          </a:effectRef>
-          <a:fontRef idx="minor">
-            <a:schemeClr val="tx1"/>
-          </a:fontRef>
-        </p:style>
-      </p:cxnSp>
-      <p:cxnSp>
-        <p:nvCxnSpPr>
-          <p:cNvPr id="154" name="Straight Arrow Connector 153"/>
-          <p:cNvCxnSpPr/>
-          <p:nvPr/>
-        </p:nvCxnSpPr>
-        <p:spPr>
-          <a:xfrm>
-            <a:off x="8190310" y="5238117"/>
-            <a:ext cx="343730" cy="0"/>
-          </a:xfrm>
-          <a:prstGeom prst="straightConnector1">
-            <a:avLst/>
-          </a:prstGeom>
-          <a:ln w="12700">
-            <a:solidFill>
-              <a:schemeClr val="tx1"/>
-            </a:solidFill>
-            <a:tailEnd type="triangle"/>
-          </a:ln>
-        </p:spPr>
-        <p:style>
-          <a:lnRef idx="1">
-            <a:schemeClr val="accent1"/>
-          </a:lnRef>
-          <a:fillRef idx="0">
-            <a:schemeClr val="accent1"/>
-          </a:fillRef>
-          <a:effectRef idx="0">
-            <a:schemeClr val="accent1"/>
-          </a:effectRef>
-          <a:fontRef idx="minor">
-            <a:schemeClr val="tx1"/>
-          </a:fontRef>
-        </p:style>
-      </p:cxnSp>
+            </a:fontRef>
+          </p:style>
+        </p:cxnSp>
+      </p:grpSp>
       <p:cxnSp>
         <p:nvCxnSpPr>
           <p:cNvPr id="162" name="Straight Arrow Connector 161"/>
@@ -6597,7 +5854,7 @@
         </p:nvCxnSpPr>
         <p:spPr>
           <a:xfrm>
-            <a:off x="8190310" y="5846888"/>
+            <a:off x="8654876" y="5169744"/>
             <a:ext cx="1062135" cy="0"/>
           </a:xfrm>
           <a:prstGeom prst="straightConnector1">
@@ -6633,47 +5890,8 @@
         </p:nvCxnSpPr>
         <p:spPr>
           <a:xfrm>
-            <a:off x="8197676" y="6178902"/>
+            <a:off x="8657558" y="5435240"/>
             <a:ext cx="1062135" cy="0"/>
-          </a:xfrm>
-          <a:prstGeom prst="straightConnector1">
-            <a:avLst/>
-          </a:prstGeom>
-          <a:ln w="12700">
-            <a:solidFill>
-              <a:schemeClr val="tx1"/>
-            </a:solidFill>
-            <a:tailEnd type="triangle"/>
-          </a:ln>
-        </p:spPr>
-        <p:style>
-          <a:lnRef idx="1">
-            <a:schemeClr val="accent1"/>
-          </a:lnRef>
-          <a:fillRef idx="0">
-            <a:schemeClr val="accent1"/>
-          </a:fillRef>
-          <a:effectRef idx="0">
-            <a:schemeClr val="accent1"/>
-          </a:effectRef>
-          <a:fontRef idx="minor">
-            <a:schemeClr val="tx1"/>
-          </a:fontRef>
-        </p:style>
-      </p:cxnSp>
-      <p:cxnSp>
-        <p:nvCxnSpPr>
-          <p:cNvPr id="167" name="Straight Arrow Connector 166"/>
-          <p:cNvCxnSpPr>
-            <a:stCxn id="95" idx="3"/>
-            <a:endCxn id="92" idx="2"/>
-          </p:cNvCxnSpPr>
-          <p:nvPr/>
-        </p:nvCxnSpPr>
-        <p:spPr>
-          <a:xfrm>
-            <a:off x="10580230" y="4745634"/>
-            <a:ext cx="645144" cy="1"/>
           </a:xfrm>
           <a:prstGeom prst="straightConnector1">
             <a:avLst/>
@@ -6709,13 +5927,15 @@
           <p:nvPr/>
         </p:nvCxnSpPr>
         <p:spPr>
-          <a:xfrm rot="10800000" flipH="1">
-            <a:off x="9252444" y="5279253"/>
-            <a:ext cx="1972293" cy="736366"/>
-          </a:xfrm>
-          <a:prstGeom prst="bentConnector3">
+          <a:xfrm rot="10800000" flipH="1" flipV="1">
+            <a:off x="9727059" y="5256105"/>
+            <a:ext cx="1954879" cy="306370"/>
+          </a:xfrm>
+          <a:prstGeom prst="bentConnector5">
             <a:avLst>
-              <a:gd name="adj1" fmla="val 78236"/>
+              <a:gd name="adj1" fmla="val 54100"/>
+              <a:gd name="adj2" fmla="val -786"/>
+              <a:gd name="adj3" fmla="val 83927"/>
             </a:avLst>
           </a:prstGeom>
           <a:ln w="12700">
@@ -6748,7 +5968,7 @@
         </p:nvSpPr>
         <p:spPr>
           <a:xfrm>
-            <a:off x="9252445" y="5709249"/>
+            <a:off x="9727060" y="4949735"/>
             <a:ext cx="1326454" cy="612740"/>
           </a:xfrm>
           <a:prstGeom prst="roundRect">
@@ -6797,7 +6017,7 @@
                   <a:schemeClr val="tx1"/>
                 </a:solidFill>
               </a:rPr>
-              <a:t>SQRT</a:t>
+              <a:t>FPU</a:t>
             </a:r>
             <a:endParaRPr lang="en-US" sz="1798" dirty="0">
               <a:solidFill>
@@ -6807,114 +6027,129 @@
           </a:p>
         </p:txBody>
       </p:sp>
-      <p:cxnSp>
-        <p:nvCxnSpPr>
-          <p:cNvPr id="180" name="Straight Arrow Connector 179"/>
-          <p:cNvCxnSpPr/>
+      <p:grpSp>
+        <p:nvGrpSpPr>
+          <p:cNvPr id="4" name="Group 3"/>
+          <p:cNvGrpSpPr/>
           <p:nvPr/>
-        </p:nvCxnSpPr>
-        <p:spPr>
+        </p:nvGrpSpPr>
+        <p:grpSpPr>
           <a:xfrm>
-            <a:off x="9429750" y="2285183"/>
-            <a:ext cx="0" cy="689420"/>
-          </a:xfrm>
-          <a:prstGeom prst="straightConnector1">
-            <a:avLst/>
-          </a:prstGeom>
-          <a:ln w="12700">
-            <a:solidFill>
+            <a:off x="9886950" y="2424883"/>
+            <a:ext cx="971550" cy="689420"/>
+            <a:chOff x="9429750" y="2285183"/>
+            <a:chExt cx="971550" cy="689420"/>
+          </a:xfrm>
+        </p:grpSpPr>
+        <p:cxnSp>
+          <p:nvCxnSpPr>
+            <p:cNvPr id="180" name="Straight Arrow Connector 179"/>
+            <p:cNvCxnSpPr/>
+            <p:nvPr/>
+          </p:nvCxnSpPr>
+          <p:spPr>
+            <a:xfrm>
+              <a:off x="9429750" y="2285183"/>
+              <a:ext cx="0" cy="689420"/>
+            </a:xfrm>
+            <a:prstGeom prst="straightConnector1">
+              <a:avLst/>
+            </a:prstGeom>
+            <a:ln w="12700">
+              <a:solidFill>
+                <a:schemeClr val="tx1"/>
+              </a:solidFill>
+              <a:tailEnd type="triangle"/>
+            </a:ln>
+          </p:spPr>
+          <p:style>
+            <a:lnRef idx="1">
+              <a:schemeClr val="accent1"/>
+            </a:lnRef>
+            <a:fillRef idx="0">
+              <a:schemeClr val="accent1"/>
+            </a:fillRef>
+            <a:effectRef idx="0">
+              <a:schemeClr val="accent1"/>
+            </a:effectRef>
+            <a:fontRef idx="minor">
               <a:schemeClr val="tx1"/>
-            </a:solidFill>
-            <a:tailEnd type="triangle"/>
-          </a:ln>
-        </p:spPr>
-        <p:style>
-          <a:lnRef idx="1">
-            <a:schemeClr val="accent1"/>
-          </a:lnRef>
-          <a:fillRef idx="0">
-            <a:schemeClr val="accent1"/>
-          </a:fillRef>
-          <a:effectRef idx="0">
-            <a:schemeClr val="accent1"/>
-          </a:effectRef>
-          <a:fontRef idx="minor">
-            <a:schemeClr val="tx1"/>
-          </a:fontRef>
-        </p:style>
-      </p:cxnSp>
-      <p:cxnSp>
-        <p:nvCxnSpPr>
-          <p:cNvPr id="181" name="Straight Arrow Connector 180"/>
-          <p:cNvCxnSpPr/>
-          <p:nvPr/>
-        </p:nvCxnSpPr>
-        <p:spPr>
-          <a:xfrm>
-            <a:off x="9915672" y="2285183"/>
-            <a:ext cx="0" cy="689420"/>
-          </a:xfrm>
-          <a:prstGeom prst="straightConnector1">
-            <a:avLst/>
-          </a:prstGeom>
-          <a:ln w="12700">
-            <a:solidFill>
+            </a:fontRef>
+          </p:style>
+        </p:cxnSp>
+        <p:cxnSp>
+          <p:nvCxnSpPr>
+            <p:cNvPr id="181" name="Straight Arrow Connector 180"/>
+            <p:cNvCxnSpPr/>
+            <p:nvPr/>
+          </p:nvCxnSpPr>
+          <p:spPr>
+            <a:xfrm>
+              <a:off x="9915672" y="2285183"/>
+              <a:ext cx="0" cy="689420"/>
+            </a:xfrm>
+            <a:prstGeom prst="straightConnector1">
+              <a:avLst/>
+            </a:prstGeom>
+            <a:ln w="12700">
+              <a:solidFill>
+                <a:schemeClr val="tx1"/>
+              </a:solidFill>
+              <a:tailEnd type="triangle"/>
+            </a:ln>
+          </p:spPr>
+          <p:style>
+            <a:lnRef idx="1">
+              <a:schemeClr val="accent1"/>
+            </a:lnRef>
+            <a:fillRef idx="0">
+              <a:schemeClr val="accent1"/>
+            </a:fillRef>
+            <a:effectRef idx="0">
+              <a:schemeClr val="accent1"/>
+            </a:effectRef>
+            <a:fontRef idx="minor">
               <a:schemeClr val="tx1"/>
-            </a:solidFill>
-            <a:tailEnd type="triangle"/>
-          </a:ln>
-        </p:spPr>
-        <p:style>
-          <a:lnRef idx="1">
-            <a:schemeClr val="accent1"/>
-          </a:lnRef>
-          <a:fillRef idx="0">
-            <a:schemeClr val="accent1"/>
-          </a:fillRef>
-          <a:effectRef idx="0">
-            <a:schemeClr val="accent1"/>
-          </a:effectRef>
-          <a:fontRef idx="minor">
-            <a:schemeClr val="tx1"/>
-          </a:fontRef>
-        </p:style>
-      </p:cxnSp>
-      <p:cxnSp>
-        <p:nvCxnSpPr>
-          <p:cNvPr id="182" name="Straight Arrow Connector 181"/>
-          <p:cNvCxnSpPr/>
-          <p:nvPr/>
-        </p:nvCxnSpPr>
-        <p:spPr>
-          <a:xfrm>
-            <a:off x="10401300" y="2285183"/>
-            <a:ext cx="0" cy="689420"/>
-          </a:xfrm>
-          <a:prstGeom prst="straightConnector1">
-            <a:avLst/>
-          </a:prstGeom>
-          <a:ln w="12700">
-            <a:solidFill>
+            </a:fontRef>
+          </p:style>
+        </p:cxnSp>
+        <p:cxnSp>
+          <p:nvCxnSpPr>
+            <p:cNvPr id="182" name="Straight Arrow Connector 181"/>
+            <p:cNvCxnSpPr/>
+            <p:nvPr/>
+          </p:nvCxnSpPr>
+          <p:spPr>
+            <a:xfrm>
+              <a:off x="10401300" y="2285183"/>
+              <a:ext cx="0" cy="689420"/>
+            </a:xfrm>
+            <a:prstGeom prst="straightConnector1">
+              <a:avLst/>
+            </a:prstGeom>
+            <a:ln w="12700">
+              <a:solidFill>
+                <a:schemeClr val="tx1"/>
+              </a:solidFill>
+              <a:tailEnd type="triangle"/>
+            </a:ln>
+          </p:spPr>
+          <p:style>
+            <a:lnRef idx="1">
+              <a:schemeClr val="accent1"/>
+            </a:lnRef>
+            <a:fillRef idx="0">
+              <a:schemeClr val="accent1"/>
+            </a:fillRef>
+            <a:effectRef idx="0">
+              <a:schemeClr val="accent1"/>
+            </a:effectRef>
+            <a:fontRef idx="minor">
               <a:schemeClr val="tx1"/>
-            </a:solidFill>
-            <a:tailEnd type="triangle"/>
-          </a:ln>
-        </p:spPr>
-        <p:style>
-          <a:lnRef idx="1">
-            <a:schemeClr val="accent1"/>
-          </a:lnRef>
-          <a:fillRef idx="0">
-            <a:schemeClr val="accent1"/>
-          </a:fillRef>
-          <a:effectRef idx="0">
-            <a:schemeClr val="accent1"/>
-          </a:effectRef>
-          <a:fontRef idx="minor">
-            <a:schemeClr val="tx1"/>
-          </a:fontRef>
-        </p:style>
-      </p:cxnSp>
+            </a:fontRef>
+          </p:style>
+        </p:cxnSp>
+      </p:grpSp>
       <p:grpSp>
         <p:nvGrpSpPr>
           <p:cNvPr id="194" name="Group 193"/>
@@ -6923,7 +6158,7 @@
         </p:nvGrpSpPr>
         <p:grpSpPr>
           <a:xfrm>
-            <a:off x="11772030" y="2507464"/>
+            <a:off x="12229230" y="2647164"/>
             <a:ext cx="507476" cy="4188519"/>
             <a:chOff x="4944353" y="2024407"/>
             <a:chExt cx="507477" cy="1545997"/>
@@ -7059,8 +6294,2860 @@
         </p:nvCxnSpPr>
         <p:spPr>
           <a:xfrm flipV="1">
-            <a:off x="11521383" y="4745634"/>
+            <a:off x="11978583" y="4885334"/>
             <a:ext cx="250647" cy="1"/>
+          </a:xfrm>
+          <a:prstGeom prst="straightConnector1">
+            <a:avLst/>
+          </a:prstGeom>
+          <a:ln w="12700">
+            <a:solidFill>
+              <a:schemeClr val="tx1"/>
+            </a:solidFill>
+            <a:tailEnd type="triangle"/>
+          </a:ln>
+        </p:spPr>
+        <p:style>
+          <a:lnRef idx="1">
+            <a:schemeClr val="accent1"/>
+          </a:lnRef>
+          <a:fillRef idx="0">
+            <a:schemeClr val="accent1"/>
+          </a:fillRef>
+          <a:effectRef idx="0">
+            <a:schemeClr val="accent1"/>
+          </a:effectRef>
+          <a:fontRef idx="minor">
+            <a:schemeClr val="tx1"/>
+          </a:fontRef>
+        </p:style>
+      </p:cxnSp>
+      <p:grpSp>
+        <p:nvGrpSpPr>
+          <p:cNvPr id="51" name="Group 50"/>
+          <p:cNvGrpSpPr/>
+          <p:nvPr/>
+        </p:nvGrpSpPr>
+        <p:grpSpPr>
+          <a:xfrm>
+            <a:off x="5245533" y="5525044"/>
+            <a:ext cx="764074" cy="843684"/>
+            <a:chOff x="7616159" y="315331"/>
+            <a:chExt cx="764074" cy="843684"/>
+          </a:xfrm>
+        </p:grpSpPr>
+        <p:sp>
+          <p:nvSpPr>
+            <p:cNvPr id="45" name="Rectangle 44"/>
+            <p:cNvSpPr/>
+            <p:nvPr/>
+          </p:nvSpPr>
+          <p:spPr>
+            <a:xfrm>
+              <a:off x="7618642" y="315331"/>
+              <a:ext cx="761591" cy="91234"/>
+            </a:xfrm>
+            <a:prstGeom prst="rect">
+              <a:avLst/>
+            </a:prstGeom>
+            <a:solidFill>
+              <a:schemeClr val="bg1"/>
+            </a:solidFill>
+            <a:ln>
+              <a:solidFill>
+                <a:schemeClr val="tx1"/>
+              </a:solidFill>
+            </a:ln>
+          </p:spPr>
+          <p:style>
+            <a:lnRef idx="2">
+              <a:schemeClr val="accent1">
+                <a:shade val="50000"/>
+              </a:schemeClr>
+            </a:lnRef>
+            <a:fillRef idx="1">
+              <a:schemeClr val="accent1"/>
+            </a:fillRef>
+            <a:effectRef idx="0">
+              <a:schemeClr val="accent1"/>
+            </a:effectRef>
+            <a:fontRef idx="minor">
+              <a:schemeClr val="lt1"/>
+            </a:fontRef>
+          </p:style>
+          <p:txBody>
+            <a:bodyPr rtlCol="0" anchor="ctr"/>
+            <a:lstStyle/>
+            <a:p>
+              <a:pPr algn="ctr"/>
+              <a:endParaRPr lang="en-US"/>
+            </a:p>
+          </p:txBody>
+        </p:sp>
+        <p:sp>
+          <p:nvSpPr>
+            <p:cNvPr id="108" name="Rectangle 107"/>
+            <p:cNvSpPr/>
+            <p:nvPr/>
+          </p:nvSpPr>
+          <p:spPr>
+            <a:xfrm>
+              <a:off x="7618641" y="396321"/>
+              <a:ext cx="761591" cy="91234"/>
+            </a:xfrm>
+            <a:prstGeom prst="rect">
+              <a:avLst/>
+            </a:prstGeom>
+            <a:solidFill>
+              <a:schemeClr val="bg1"/>
+            </a:solidFill>
+            <a:ln>
+              <a:solidFill>
+                <a:schemeClr val="tx1"/>
+              </a:solidFill>
+            </a:ln>
+          </p:spPr>
+          <p:style>
+            <a:lnRef idx="2">
+              <a:schemeClr val="accent1">
+                <a:shade val="50000"/>
+              </a:schemeClr>
+            </a:lnRef>
+            <a:fillRef idx="1">
+              <a:schemeClr val="accent1"/>
+            </a:fillRef>
+            <a:effectRef idx="0">
+              <a:schemeClr val="accent1"/>
+            </a:effectRef>
+            <a:fontRef idx="minor">
+              <a:schemeClr val="lt1"/>
+            </a:fontRef>
+          </p:style>
+          <p:txBody>
+            <a:bodyPr rtlCol="0" anchor="ctr"/>
+            <a:lstStyle/>
+            <a:p>
+              <a:pPr algn="ctr"/>
+              <a:endParaRPr lang="en-US"/>
+            </a:p>
+          </p:txBody>
+        </p:sp>
+        <p:sp>
+          <p:nvSpPr>
+            <p:cNvPr id="109" name="Rectangle 108"/>
+            <p:cNvSpPr/>
+            <p:nvPr/>
+          </p:nvSpPr>
+          <p:spPr>
+            <a:xfrm>
+              <a:off x="7617401" y="483006"/>
+              <a:ext cx="761591" cy="91234"/>
+            </a:xfrm>
+            <a:prstGeom prst="rect">
+              <a:avLst/>
+            </a:prstGeom>
+            <a:solidFill>
+              <a:schemeClr val="bg1"/>
+            </a:solidFill>
+            <a:ln>
+              <a:solidFill>
+                <a:schemeClr val="tx1"/>
+              </a:solidFill>
+            </a:ln>
+          </p:spPr>
+          <p:style>
+            <a:lnRef idx="2">
+              <a:schemeClr val="accent1">
+                <a:shade val="50000"/>
+              </a:schemeClr>
+            </a:lnRef>
+            <a:fillRef idx="1">
+              <a:schemeClr val="accent1"/>
+            </a:fillRef>
+            <a:effectRef idx="0">
+              <a:schemeClr val="accent1"/>
+            </a:effectRef>
+            <a:fontRef idx="minor">
+              <a:schemeClr val="lt1"/>
+            </a:fontRef>
+          </p:style>
+          <p:txBody>
+            <a:bodyPr rtlCol="0" anchor="ctr"/>
+            <a:lstStyle/>
+            <a:p>
+              <a:pPr algn="ctr"/>
+              <a:endParaRPr lang="en-US"/>
+            </a:p>
+          </p:txBody>
+        </p:sp>
+        <p:sp>
+          <p:nvSpPr>
+            <p:cNvPr id="111" name="Rectangle 110"/>
+            <p:cNvSpPr/>
+            <p:nvPr/>
+          </p:nvSpPr>
+          <p:spPr>
+            <a:xfrm>
+              <a:off x="7617400" y="563996"/>
+              <a:ext cx="761591" cy="91234"/>
+            </a:xfrm>
+            <a:prstGeom prst="rect">
+              <a:avLst/>
+            </a:prstGeom>
+            <a:solidFill>
+              <a:schemeClr val="bg1"/>
+            </a:solidFill>
+            <a:ln>
+              <a:solidFill>
+                <a:schemeClr val="tx1"/>
+              </a:solidFill>
+            </a:ln>
+          </p:spPr>
+          <p:style>
+            <a:lnRef idx="2">
+              <a:schemeClr val="accent1">
+                <a:shade val="50000"/>
+              </a:schemeClr>
+            </a:lnRef>
+            <a:fillRef idx="1">
+              <a:schemeClr val="accent1"/>
+            </a:fillRef>
+            <a:effectRef idx="0">
+              <a:schemeClr val="accent1"/>
+            </a:effectRef>
+            <a:fontRef idx="minor">
+              <a:schemeClr val="lt1"/>
+            </a:fontRef>
+          </p:style>
+          <p:txBody>
+            <a:bodyPr rtlCol="0" anchor="ctr"/>
+            <a:lstStyle/>
+            <a:p>
+              <a:pPr algn="ctr"/>
+              <a:endParaRPr lang="en-US"/>
+            </a:p>
+          </p:txBody>
+        </p:sp>
+        <p:sp>
+          <p:nvSpPr>
+            <p:cNvPr id="112" name="Rectangle 111"/>
+            <p:cNvSpPr/>
+            <p:nvPr/>
+          </p:nvSpPr>
+          <p:spPr>
+            <a:xfrm>
+              <a:off x="7617401" y="647968"/>
+              <a:ext cx="761591" cy="91234"/>
+            </a:xfrm>
+            <a:prstGeom prst="rect">
+              <a:avLst/>
+            </a:prstGeom>
+            <a:solidFill>
+              <a:schemeClr val="bg1"/>
+            </a:solidFill>
+            <a:ln>
+              <a:solidFill>
+                <a:schemeClr val="tx1"/>
+              </a:solidFill>
+            </a:ln>
+          </p:spPr>
+          <p:style>
+            <a:lnRef idx="2">
+              <a:schemeClr val="accent1">
+                <a:shade val="50000"/>
+              </a:schemeClr>
+            </a:lnRef>
+            <a:fillRef idx="1">
+              <a:schemeClr val="accent1"/>
+            </a:fillRef>
+            <a:effectRef idx="0">
+              <a:schemeClr val="accent1"/>
+            </a:effectRef>
+            <a:fontRef idx="minor">
+              <a:schemeClr val="lt1"/>
+            </a:fontRef>
+          </p:style>
+          <p:txBody>
+            <a:bodyPr rtlCol="0" anchor="ctr"/>
+            <a:lstStyle/>
+            <a:p>
+              <a:pPr algn="ctr"/>
+              <a:endParaRPr lang="en-US"/>
+            </a:p>
+          </p:txBody>
+        </p:sp>
+        <p:sp>
+          <p:nvSpPr>
+            <p:cNvPr id="113" name="Rectangle 112"/>
+            <p:cNvSpPr/>
+            <p:nvPr/>
+          </p:nvSpPr>
+          <p:spPr>
+            <a:xfrm>
+              <a:off x="7617400" y="728958"/>
+              <a:ext cx="761591" cy="91234"/>
+            </a:xfrm>
+            <a:prstGeom prst="rect">
+              <a:avLst/>
+            </a:prstGeom>
+            <a:solidFill>
+              <a:schemeClr val="bg1"/>
+            </a:solidFill>
+            <a:ln>
+              <a:solidFill>
+                <a:schemeClr val="tx1"/>
+              </a:solidFill>
+            </a:ln>
+          </p:spPr>
+          <p:style>
+            <a:lnRef idx="2">
+              <a:schemeClr val="accent1">
+                <a:shade val="50000"/>
+              </a:schemeClr>
+            </a:lnRef>
+            <a:fillRef idx="1">
+              <a:schemeClr val="accent1"/>
+            </a:fillRef>
+            <a:effectRef idx="0">
+              <a:schemeClr val="accent1"/>
+            </a:effectRef>
+            <a:fontRef idx="minor">
+              <a:schemeClr val="lt1"/>
+            </a:fontRef>
+          </p:style>
+          <p:txBody>
+            <a:bodyPr rtlCol="0" anchor="ctr"/>
+            <a:lstStyle/>
+            <a:p>
+              <a:pPr algn="ctr"/>
+              <a:endParaRPr lang="en-US"/>
+            </a:p>
+          </p:txBody>
+        </p:sp>
+        <p:sp>
+          <p:nvSpPr>
+            <p:cNvPr id="114" name="Rectangle 113"/>
+            <p:cNvSpPr/>
+            <p:nvPr/>
+          </p:nvSpPr>
+          <p:spPr>
+            <a:xfrm>
+              <a:off x="7616160" y="815643"/>
+              <a:ext cx="761591" cy="91234"/>
+            </a:xfrm>
+            <a:prstGeom prst="rect">
+              <a:avLst/>
+            </a:prstGeom>
+            <a:solidFill>
+              <a:schemeClr val="bg1"/>
+            </a:solidFill>
+            <a:ln>
+              <a:solidFill>
+                <a:schemeClr val="tx1"/>
+              </a:solidFill>
+            </a:ln>
+          </p:spPr>
+          <p:style>
+            <a:lnRef idx="2">
+              <a:schemeClr val="accent1">
+                <a:shade val="50000"/>
+              </a:schemeClr>
+            </a:lnRef>
+            <a:fillRef idx="1">
+              <a:schemeClr val="accent1"/>
+            </a:fillRef>
+            <a:effectRef idx="0">
+              <a:schemeClr val="accent1"/>
+            </a:effectRef>
+            <a:fontRef idx="minor">
+              <a:schemeClr val="lt1"/>
+            </a:fontRef>
+          </p:style>
+          <p:txBody>
+            <a:bodyPr rtlCol="0" anchor="ctr"/>
+            <a:lstStyle/>
+            <a:p>
+              <a:pPr algn="ctr"/>
+              <a:endParaRPr lang="en-US"/>
+            </a:p>
+          </p:txBody>
+        </p:sp>
+        <p:sp>
+          <p:nvSpPr>
+            <p:cNvPr id="115" name="Rectangle 114"/>
+            <p:cNvSpPr/>
+            <p:nvPr/>
+          </p:nvSpPr>
+          <p:spPr>
+            <a:xfrm>
+              <a:off x="7616159" y="896633"/>
+              <a:ext cx="761591" cy="91234"/>
+            </a:xfrm>
+            <a:prstGeom prst="rect">
+              <a:avLst/>
+            </a:prstGeom>
+            <a:solidFill>
+              <a:schemeClr val="bg1"/>
+            </a:solidFill>
+            <a:ln>
+              <a:solidFill>
+                <a:schemeClr val="tx1"/>
+              </a:solidFill>
+            </a:ln>
+          </p:spPr>
+          <p:style>
+            <a:lnRef idx="2">
+              <a:schemeClr val="accent1">
+                <a:shade val="50000"/>
+              </a:schemeClr>
+            </a:lnRef>
+            <a:fillRef idx="1">
+              <a:schemeClr val="accent1"/>
+            </a:fillRef>
+            <a:effectRef idx="0">
+              <a:schemeClr val="accent1"/>
+            </a:effectRef>
+            <a:fontRef idx="minor">
+              <a:schemeClr val="lt1"/>
+            </a:fontRef>
+          </p:style>
+          <p:txBody>
+            <a:bodyPr rtlCol="0" anchor="ctr"/>
+            <a:lstStyle/>
+            <a:p>
+              <a:pPr algn="ctr"/>
+              <a:endParaRPr lang="en-US"/>
+            </a:p>
+          </p:txBody>
+        </p:sp>
+        <p:sp>
+          <p:nvSpPr>
+            <p:cNvPr id="116" name="Rectangle 115"/>
+            <p:cNvSpPr/>
+            <p:nvPr/>
+          </p:nvSpPr>
+          <p:spPr>
+            <a:xfrm>
+              <a:off x="7616160" y="986791"/>
+              <a:ext cx="761591" cy="91234"/>
+            </a:xfrm>
+            <a:prstGeom prst="rect">
+              <a:avLst/>
+            </a:prstGeom>
+            <a:solidFill>
+              <a:schemeClr val="bg1"/>
+            </a:solidFill>
+            <a:ln>
+              <a:solidFill>
+                <a:schemeClr val="tx1"/>
+              </a:solidFill>
+            </a:ln>
+          </p:spPr>
+          <p:style>
+            <a:lnRef idx="2">
+              <a:schemeClr val="accent1">
+                <a:shade val="50000"/>
+              </a:schemeClr>
+            </a:lnRef>
+            <a:fillRef idx="1">
+              <a:schemeClr val="accent1"/>
+            </a:fillRef>
+            <a:effectRef idx="0">
+              <a:schemeClr val="accent1"/>
+            </a:effectRef>
+            <a:fontRef idx="minor">
+              <a:schemeClr val="lt1"/>
+            </a:fontRef>
+          </p:style>
+          <p:txBody>
+            <a:bodyPr rtlCol="0" anchor="ctr"/>
+            <a:lstStyle/>
+            <a:p>
+              <a:pPr algn="ctr"/>
+              <a:endParaRPr lang="en-US"/>
+            </a:p>
+          </p:txBody>
+        </p:sp>
+        <p:sp>
+          <p:nvSpPr>
+            <p:cNvPr id="117" name="Rectangle 116"/>
+            <p:cNvSpPr/>
+            <p:nvPr/>
+          </p:nvSpPr>
+          <p:spPr>
+            <a:xfrm>
+              <a:off x="7616159" y="1067781"/>
+              <a:ext cx="761591" cy="91234"/>
+            </a:xfrm>
+            <a:prstGeom prst="rect">
+              <a:avLst/>
+            </a:prstGeom>
+            <a:solidFill>
+              <a:schemeClr val="bg1"/>
+            </a:solidFill>
+            <a:ln>
+              <a:solidFill>
+                <a:schemeClr val="tx1"/>
+              </a:solidFill>
+            </a:ln>
+          </p:spPr>
+          <p:style>
+            <a:lnRef idx="2">
+              <a:schemeClr val="accent1">
+                <a:shade val="50000"/>
+              </a:schemeClr>
+            </a:lnRef>
+            <a:fillRef idx="1">
+              <a:schemeClr val="accent1"/>
+            </a:fillRef>
+            <a:effectRef idx="0">
+              <a:schemeClr val="accent1"/>
+            </a:effectRef>
+            <a:fontRef idx="minor">
+              <a:schemeClr val="lt1"/>
+            </a:fontRef>
+          </p:style>
+          <p:txBody>
+            <a:bodyPr rtlCol="0" anchor="ctr"/>
+            <a:lstStyle/>
+            <a:p>
+              <a:pPr algn="ctr"/>
+              <a:endParaRPr lang="en-US"/>
+            </a:p>
+          </p:txBody>
+        </p:sp>
+      </p:grpSp>
+      <p:grpSp>
+        <p:nvGrpSpPr>
+          <p:cNvPr id="119" name="Group 118"/>
+          <p:cNvGrpSpPr/>
+          <p:nvPr/>
+        </p:nvGrpSpPr>
+        <p:grpSpPr>
+          <a:xfrm>
+            <a:off x="6777378" y="5525044"/>
+            <a:ext cx="764074" cy="843684"/>
+            <a:chOff x="7623779" y="315331"/>
+            <a:chExt cx="764074" cy="843684"/>
+          </a:xfrm>
+        </p:grpSpPr>
+        <p:sp>
+          <p:nvSpPr>
+            <p:cNvPr id="120" name="Rectangle 119"/>
+            <p:cNvSpPr/>
+            <p:nvPr/>
+          </p:nvSpPr>
+          <p:spPr>
+            <a:xfrm>
+              <a:off x="7626262" y="315331"/>
+              <a:ext cx="761591" cy="91234"/>
+            </a:xfrm>
+            <a:prstGeom prst="rect">
+              <a:avLst/>
+            </a:prstGeom>
+            <a:solidFill>
+              <a:schemeClr val="bg1"/>
+            </a:solidFill>
+            <a:ln>
+              <a:solidFill>
+                <a:schemeClr val="tx1"/>
+              </a:solidFill>
+            </a:ln>
+          </p:spPr>
+          <p:style>
+            <a:lnRef idx="2">
+              <a:schemeClr val="accent1">
+                <a:shade val="50000"/>
+              </a:schemeClr>
+            </a:lnRef>
+            <a:fillRef idx="1">
+              <a:schemeClr val="accent1"/>
+            </a:fillRef>
+            <a:effectRef idx="0">
+              <a:schemeClr val="accent1"/>
+            </a:effectRef>
+            <a:fontRef idx="minor">
+              <a:schemeClr val="lt1"/>
+            </a:fontRef>
+          </p:style>
+          <p:txBody>
+            <a:bodyPr rtlCol="0" anchor="ctr"/>
+            <a:lstStyle/>
+            <a:p>
+              <a:pPr algn="ctr"/>
+              <a:endParaRPr lang="en-US"/>
+            </a:p>
+          </p:txBody>
+        </p:sp>
+        <p:sp>
+          <p:nvSpPr>
+            <p:cNvPr id="121" name="Rectangle 120"/>
+            <p:cNvSpPr/>
+            <p:nvPr/>
+          </p:nvSpPr>
+          <p:spPr>
+            <a:xfrm>
+              <a:off x="7626261" y="396321"/>
+              <a:ext cx="761591" cy="91234"/>
+            </a:xfrm>
+            <a:prstGeom prst="rect">
+              <a:avLst/>
+            </a:prstGeom>
+            <a:solidFill>
+              <a:schemeClr val="bg1"/>
+            </a:solidFill>
+            <a:ln>
+              <a:solidFill>
+                <a:schemeClr val="tx1"/>
+              </a:solidFill>
+            </a:ln>
+          </p:spPr>
+          <p:style>
+            <a:lnRef idx="2">
+              <a:schemeClr val="accent1">
+                <a:shade val="50000"/>
+              </a:schemeClr>
+            </a:lnRef>
+            <a:fillRef idx="1">
+              <a:schemeClr val="accent1"/>
+            </a:fillRef>
+            <a:effectRef idx="0">
+              <a:schemeClr val="accent1"/>
+            </a:effectRef>
+            <a:fontRef idx="minor">
+              <a:schemeClr val="lt1"/>
+            </a:fontRef>
+          </p:style>
+          <p:txBody>
+            <a:bodyPr rtlCol="0" anchor="ctr"/>
+            <a:lstStyle/>
+            <a:p>
+              <a:pPr algn="ctr"/>
+              <a:endParaRPr lang="en-US"/>
+            </a:p>
+          </p:txBody>
+        </p:sp>
+        <p:sp>
+          <p:nvSpPr>
+            <p:cNvPr id="122" name="Rectangle 121"/>
+            <p:cNvSpPr/>
+            <p:nvPr/>
+          </p:nvSpPr>
+          <p:spPr>
+            <a:xfrm>
+              <a:off x="7625021" y="483006"/>
+              <a:ext cx="761591" cy="91234"/>
+            </a:xfrm>
+            <a:prstGeom prst="rect">
+              <a:avLst/>
+            </a:prstGeom>
+            <a:solidFill>
+              <a:schemeClr val="bg1"/>
+            </a:solidFill>
+            <a:ln>
+              <a:solidFill>
+                <a:schemeClr val="tx1"/>
+              </a:solidFill>
+            </a:ln>
+          </p:spPr>
+          <p:style>
+            <a:lnRef idx="2">
+              <a:schemeClr val="accent1">
+                <a:shade val="50000"/>
+              </a:schemeClr>
+            </a:lnRef>
+            <a:fillRef idx="1">
+              <a:schemeClr val="accent1"/>
+            </a:fillRef>
+            <a:effectRef idx="0">
+              <a:schemeClr val="accent1"/>
+            </a:effectRef>
+            <a:fontRef idx="minor">
+              <a:schemeClr val="lt1"/>
+            </a:fontRef>
+          </p:style>
+          <p:txBody>
+            <a:bodyPr rtlCol="0" anchor="ctr"/>
+            <a:lstStyle/>
+            <a:p>
+              <a:pPr algn="ctr"/>
+              <a:endParaRPr lang="en-US"/>
+            </a:p>
+          </p:txBody>
+        </p:sp>
+        <p:sp>
+          <p:nvSpPr>
+            <p:cNvPr id="123" name="Rectangle 122"/>
+            <p:cNvSpPr/>
+            <p:nvPr/>
+          </p:nvSpPr>
+          <p:spPr>
+            <a:xfrm>
+              <a:off x="7625020" y="563996"/>
+              <a:ext cx="761591" cy="91234"/>
+            </a:xfrm>
+            <a:prstGeom prst="rect">
+              <a:avLst/>
+            </a:prstGeom>
+            <a:solidFill>
+              <a:schemeClr val="bg1"/>
+            </a:solidFill>
+            <a:ln>
+              <a:solidFill>
+                <a:schemeClr val="tx1"/>
+              </a:solidFill>
+            </a:ln>
+          </p:spPr>
+          <p:style>
+            <a:lnRef idx="2">
+              <a:schemeClr val="accent1">
+                <a:shade val="50000"/>
+              </a:schemeClr>
+            </a:lnRef>
+            <a:fillRef idx="1">
+              <a:schemeClr val="accent1"/>
+            </a:fillRef>
+            <a:effectRef idx="0">
+              <a:schemeClr val="accent1"/>
+            </a:effectRef>
+            <a:fontRef idx="minor">
+              <a:schemeClr val="lt1"/>
+            </a:fontRef>
+          </p:style>
+          <p:txBody>
+            <a:bodyPr rtlCol="0" anchor="ctr"/>
+            <a:lstStyle/>
+            <a:p>
+              <a:pPr algn="ctr"/>
+              <a:endParaRPr lang="en-US"/>
+            </a:p>
+          </p:txBody>
+        </p:sp>
+        <p:sp>
+          <p:nvSpPr>
+            <p:cNvPr id="124" name="Rectangle 123"/>
+            <p:cNvSpPr/>
+            <p:nvPr/>
+          </p:nvSpPr>
+          <p:spPr>
+            <a:xfrm>
+              <a:off x="7625021" y="647968"/>
+              <a:ext cx="761591" cy="91234"/>
+            </a:xfrm>
+            <a:prstGeom prst="rect">
+              <a:avLst/>
+            </a:prstGeom>
+            <a:solidFill>
+              <a:schemeClr val="bg1"/>
+            </a:solidFill>
+            <a:ln>
+              <a:solidFill>
+                <a:schemeClr val="tx1"/>
+              </a:solidFill>
+            </a:ln>
+          </p:spPr>
+          <p:style>
+            <a:lnRef idx="2">
+              <a:schemeClr val="accent1">
+                <a:shade val="50000"/>
+              </a:schemeClr>
+            </a:lnRef>
+            <a:fillRef idx="1">
+              <a:schemeClr val="accent1"/>
+            </a:fillRef>
+            <a:effectRef idx="0">
+              <a:schemeClr val="accent1"/>
+            </a:effectRef>
+            <a:fontRef idx="minor">
+              <a:schemeClr val="lt1"/>
+            </a:fontRef>
+          </p:style>
+          <p:txBody>
+            <a:bodyPr rtlCol="0" anchor="ctr"/>
+            <a:lstStyle/>
+            <a:p>
+              <a:pPr algn="ctr"/>
+              <a:endParaRPr lang="en-US"/>
+            </a:p>
+          </p:txBody>
+        </p:sp>
+        <p:sp>
+          <p:nvSpPr>
+            <p:cNvPr id="125" name="Rectangle 124"/>
+            <p:cNvSpPr/>
+            <p:nvPr/>
+          </p:nvSpPr>
+          <p:spPr>
+            <a:xfrm>
+              <a:off x="7625020" y="728958"/>
+              <a:ext cx="761591" cy="91234"/>
+            </a:xfrm>
+            <a:prstGeom prst="rect">
+              <a:avLst/>
+            </a:prstGeom>
+            <a:solidFill>
+              <a:schemeClr val="bg1"/>
+            </a:solidFill>
+            <a:ln>
+              <a:solidFill>
+                <a:schemeClr val="tx1"/>
+              </a:solidFill>
+            </a:ln>
+          </p:spPr>
+          <p:style>
+            <a:lnRef idx="2">
+              <a:schemeClr val="accent1">
+                <a:shade val="50000"/>
+              </a:schemeClr>
+            </a:lnRef>
+            <a:fillRef idx="1">
+              <a:schemeClr val="accent1"/>
+            </a:fillRef>
+            <a:effectRef idx="0">
+              <a:schemeClr val="accent1"/>
+            </a:effectRef>
+            <a:fontRef idx="minor">
+              <a:schemeClr val="lt1"/>
+            </a:fontRef>
+          </p:style>
+          <p:txBody>
+            <a:bodyPr rtlCol="0" anchor="ctr"/>
+            <a:lstStyle/>
+            <a:p>
+              <a:pPr algn="ctr"/>
+              <a:endParaRPr lang="en-US"/>
+            </a:p>
+          </p:txBody>
+        </p:sp>
+        <p:sp>
+          <p:nvSpPr>
+            <p:cNvPr id="126" name="Rectangle 125"/>
+            <p:cNvSpPr/>
+            <p:nvPr/>
+          </p:nvSpPr>
+          <p:spPr>
+            <a:xfrm>
+              <a:off x="7623780" y="815643"/>
+              <a:ext cx="761591" cy="91234"/>
+            </a:xfrm>
+            <a:prstGeom prst="rect">
+              <a:avLst/>
+            </a:prstGeom>
+            <a:solidFill>
+              <a:schemeClr val="bg1"/>
+            </a:solidFill>
+            <a:ln>
+              <a:solidFill>
+                <a:schemeClr val="tx1"/>
+              </a:solidFill>
+            </a:ln>
+          </p:spPr>
+          <p:style>
+            <a:lnRef idx="2">
+              <a:schemeClr val="accent1">
+                <a:shade val="50000"/>
+              </a:schemeClr>
+            </a:lnRef>
+            <a:fillRef idx="1">
+              <a:schemeClr val="accent1"/>
+            </a:fillRef>
+            <a:effectRef idx="0">
+              <a:schemeClr val="accent1"/>
+            </a:effectRef>
+            <a:fontRef idx="minor">
+              <a:schemeClr val="lt1"/>
+            </a:fontRef>
+          </p:style>
+          <p:txBody>
+            <a:bodyPr rtlCol="0" anchor="ctr"/>
+            <a:lstStyle/>
+            <a:p>
+              <a:pPr algn="ctr"/>
+              <a:endParaRPr lang="en-US"/>
+            </a:p>
+          </p:txBody>
+        </p:sp>
+        <p:sp>
+          <p:nvSpPr>
+            <p:cNvPr id="127" name="Rectangle 126"/>
+            <p:cNvSpPr/>
+            <p:nvPr/>
+          </p:nvSpPr>
+          <p:spPr>
+            <a:xfrm>
+              <a:off x="7623779" y="896633"/>
+              <a:ext cx="761591" cy="91234"/>
+            </a:xfrm>
+            <a:prstGeom prst="rect">
+              <a:avLst/>
+            </a:prstGeom>
+            <a:solidFill>
+              <a:schemeClr val="bg1"/>
+            </a:solidFill>
+            <a:ln>
+              <a:solidFill>
+                <a:schemeClr val="tx1"/>
+              </a:solidFill>
+            </a:ln>
+          </p:spPr>
+          <p:style>
+            <a:lnRef idx="2">
+              <a:schemeClr val="accent1">
+                <a:shade val="50000"/>
+              </a:schemeClr>
+            </a:lnRef>
+            <a:fillRef idx="1">
+              <a:schemeClr val="accent1"/>
+            </a:fillRef>
+            <a:effectRef idx="0">
+              <a:schemeClr val="accent1"/>
+            </a:effectRef>
+            <a:fontRef idx="minor">
+              <a:schemeClr val="lt1"/>
+            </a:fontRef>
+          </p:style>
+          <p:txBody>
+            <a:bodyPr rtlCol="0" anchor="ctr"/>
+            <a:lstStyle/>
+            <a:p>
+              <a:pPr algn="ctr"/>
+              <a:endParaRPr lang="en-US"/>
+            </a:p>
+          </p:txBody>
+        </p:sp>
+        <p:sp>
+          <p:nvSpPr>
+            <p:cNvPr id="128" name="Rectangle 127"/>
+            <p:cNvSpPr/>
+            <p:nvPr/>
+          </p:nvSpPr>
+          <p:spPr>
+            <a:xfrm>
+              <a:off x="7623780" y="986791"/>
+              <a:ext cx="761591" cy="91234"/>
+            </a:xfrm>
+            <a:prstGeom prst="rect">
+              <a:avLst/>
+            </a:prstGeom>
+            <a:solidFill>
+              <a:schemeClr val="bg1"/>
+            </a:solidFill>
+            <a:ln>
+              <a:solidFill>
+                <a:schemeClr val="tx1"/>
+              </a:solidFill>
+            </a:ln>
+          </p:spPr>
+          <p:style>
+            <a:lnRef idx="2">
+              <a:schemeClr val="accent1">
+                <a:shade val="50000"/>
+              </a:schemeClr>
+            </a:lnRef>
+            <a:fillRef idx="1">
+              <a:schemeClr val="accent1"/>
+            </a:fillRef>
+            <a:effectRef idx="0">
+              <a:schemeClr val="accent1"/>
+            </a:effectRef>
+            <a:fontRef idx="minor">
+              <a:schemeClr val="lt1"/>
+            </a:fontRef>
+          </p:style>
+          <p:txBody>
+            <a:bodyPr rtlCol="0" anchor="ctr"/>
+            <a:lstStyle/>
+            <a:p>
+              <a:pPr algn="ctr"/>
+              <a:endParaRPr lang="en-US"/>
+            </a:p>
+          </p:txBody>
+        </p:sp>
+        <p:sp>
+          <p:nvSpPr>
+            <p:cNvPr id="129" name="Rectangle 128"/>
+            <p:cNvSpPr/>
+            <p:nvPr/>
+          </p:nvSpPr>
+          <p:spPr>
+            <a:xfrm>
+              <a:off x="7623779" y="1067781"/>
+              <a:ext cx="761591" cy="91234"/>
+            </a:xfrm>
+            <a:prstGeom prst="rect">
+              <a:avLst/>
+            </a:prstGeom>
+            <a:solidFill>
+              <a:schemeClr val="bg1"/>
+            </a:solidFill>
+            <a:ln>
+              <a:solidFill>
+                <a:schemeClr val="tx1"/>
+              </a:solidFill>
+            </a:ln>
+          </p:spPr>
+          <p:style>
+            <a:lnRef idx="2">
+              <a:schemeClr val="accent1">
+                <a:shade val="50000"/>
+              </a:schemeClr>
+            </a:lnRef>
+            <a:fillRef idx="1">
+              <a:schemeClr val="accent1"/>
+            </a:fillRef>
+            <a:effectRef idx="0">
+              <a:schemeClr val="accent1"/>
+            </a:effectRef>
+            <a:fontRef idx="minor">
+              <a:schemeClr val="lt1"/>
+            </a:fontRef>
+          </p:style>
+          <p:txBody>
+            <a:bodyPr rtlCol="0" anchor="ctr"/>
+            <a:lstStyle/>
+            <a:p>
+              <a:pPr algn="ctr"/>
+              <a:endParaRPr lang="en-US"/>
+            </a:p>
+          </p:txBody>
+        </p:sp>
+      </p:grpSp>
+      <p:grpSp>
+        <p:nvGrpSpPr>
+          <p:cNvPr id="139" name="Group 138"/>
+          <p:cNvGrpSpPr/>
+          <p:nvPr/>
+        </p:nvGrpSpPr>
+        <p:grpSpPr>
+          <a:xfrm>
+            <a:off x="9904511" y="3727043"/>
+            <a:ext cx="971550" cy="274698"/>
+            <a:chOff x="9429750" y="2285183"/>
+            <a:chExt cx="971550" cy="689420"/>
+          </a:xfrm>
+        </p:grpSpPr>
+        <p:cxnSp>
+          <p:nvCxnSpPr>
+            <p:cNvPr id="141" name="Straight Arrow Connector 140"/>
+            <p:cNvCxnSpPr/>
+            <p:nvPr/>
+          </p:nvCxnSpPr>
+          <p:spPr>
+            <a:xfrm>
+              <a:off x="9429750" y="2285183"/>
+              <a:ext cx="0" cy="689420"/>
+            </a:xfrm>
+            <a:prstGeom prst="straightConnector1">
+              <a:avLst/>
+            </a:prstGeom>
+            <a:ln w="12700">
+              <a:solidFill>
+                <a:schemeClr val="tx1"/>
+              </a:solidFill>
+              <a:tailEnd type="triangle"/>
+            </a:ln>
+          </p:spPr>
+          <p:style>
+            <a:lnRef idx="1">
+              <a:schemeClr val="accent1"/>
+            </a:lnRef>
+            <a:fillRef idx="0">
+              <a:schemeClr val="accent1"/>
+            </a:fillRef>
+            <a:effectRef idx="0">
+              <a:schemeClr val="accent1"/>
+            </a:effectRef>
+            <a:fontRef idx="minor">
+              <a:schemeClr val="tx1"/>
+            </a:fontRef>
+          </p:style>
+        </p:cxnSp>
+        <p:cxnSp>
+          <p:nvCxnSpPr>
+            <p:cNvPr id="143" name="Straight Arrow Connector 142"/>
+            <p:cNvCxnSpPr/>
+            <p:nvPr/>
+          </p:nvCxnSpPr>
+          <p:spPr>
+            <a:xfrm>
+              <a:off x="9915672" y="2285183"/>
+              <a:ext cx="0" cy="689420"/>
+            </a:xfrm>
+            <a:prstGeom prst="straightConnector1">
+              <a:avLst/>
+            </a:prstGeom>
+            <a:ln w="12700">
+              <a:solidFill>
+                <a:schemeClr val="tx1"/>
+              </a:solidFill>
+              <a:tailEnd type="triangle"/>
+            </a:ln>
+          </p:spPr>
+          <p:style>
+            <a:lnRef idx="1">
+              <a:schemeClr val="accent1"/>
+            </a:lnRef>
+            <a:fillRef idx="0">
+              <a:schemeClr val="accent1"/>
+            </a:fillRef>
+            <a:effectRef idx="0">
+              <a:schemeClr val="accent1"/>
+            </a:effectRef>
+            <a:fontRef idx="minor">
+              <a:schemeClr val="tx1"/>
+            </a:fontRef>
+          </p:style>
+        </p:cxnSp>
+        <p:cxnSp>
+          <p:nvCxnSpPr>
+            <p:cNvPr id="144" name="Straight Arrow Connector 143"/>
+            <p:cNvCxnSpPr/>
+            <p:nvPr/>
+          </p:nvCxnSpPr>
+          <p:spPr>
+            <a:xfrm>
+              <a:off x="10401300" y="2285183"/>
+              <a:ext cx="0" cy="689420"/>
+            </a:xfrm>
+            <a:prstGeom prst="straightConnector1">
+              <a:avLst/>
+            </a:prstGeom>
+            <a:ln w="12700">
+              <a:solidFill>
+                <a:schemeClr val="tx1"/>
+              </a:solidFill>
+              <a:tailEnd type="triangle"/>
+            </a:ln>
+          </p:spPr>
+          <p:style>
+            <a:lnRef idx="1">
+              <a:schemeClr val="accent1"/>
+            </a:lnRef>
+            <a:fillRef idx="0">
+              <a:schemeClr val="accent1"/>
+            </a:fillRef>
+            <a:effectRef idx="0">
+              <a:schemeClr val="accent1"/>
+            </a:effectRef>
+            <a:fontRef idx="minor">
+              <a:schemeClr val="tx1"/>
+            </a:fontRef>
+          </p:style>
+        </p:cxnSp>
+      </p:grpSp>
+      <p:grpSp>
+        <p:nvGrpSpPr>
+          <p:cNvPr id="145" name="Group 144"/>
+          <p:cNvGrpSpPr/>
+          <p:nvPr/>
+        </p:nvGrpSpPr>
+        <p:grpSpPr>
+          <a:xfrm>
+            <a:off x="9904511" y="4616098"/>
+            <a:ext cx="971550" cy="333637"/>
+            <a:chOff x="9429750" y="2285183"/>
+            <a:chExt cx="971550" cy="689420"/>
+          </a:xfrm>
+        </p:grpSpPr>
+        <p:cxnSp>
+          <p:nvCxnSpPr>
+            <p:cNvPr id="155" name="Straight Arrow Connector 154"/>
+            <p:cNvCxnSpPr/>
+            <p:nvPr/>
+          </p:nvCxnSpPr>
+          <p:spPr>
+            <a:xfrm>
+              <a:off x="9429750" y="2285183"/>
+              <a:ext cx="0" cy="689420"/>
+            </a:xfrm>
+            <a:prstGeom prst="straightConnector1">
+              <a:avLst/>
+            </a:prstGeom>
+            <a:ln w="12700">
+              <a:solidFill>
+                <a:schemeClr val="tx1"/>
+              </a:solidFill>
+              <a:tailEnd type="triangle"/>
+            </a:ln>
+          </p:spPr>
+          <p:style>
+            <a:lnRef idx="1">
+              <a:schemeClr val="accent1"/>
+            </a:lnRef>
+            <a:fillRef idx="0">
+              <a:schemeClr val="accent1"/>
+            </a:fillRef>
+            <a:effectRef idx="0">
+              <a:schemeClr val="accent1"/>
+            </a:effectRef>
+            <a:fontRef idx="minor">
+              <a:schemeClr val="tx1"/>
+            </a:fontRef>
+          </p:style>
+        </p:cxnSp>
+        <p:cxnSp>
+          <p:nvCxnSpPr>
+            <p:cNvPr id="156" name="Straight Arrow Connector 155"/>
+            <p:cNvCxnSpPr/>
+            <p:nvPr/>
+          </p:nvCxnSpPr>
+          <p:spPr>
+            <a:xfrm>
+              <a:off x="9915672" y="2285183"/>
+              <a:ext cx="0" cy="689420"/>
+            </a:xfrm>
+            <a:prstGeom prst="straightConnector1">
+              <a:avLst/>
+            </a:prstGeom>
+            <a:ln w="12700">
+              <a:solidFill>
+                <a:schemeClr val="tx1"/>
+              </a:solidFill>
+              <a:tailEnd type="triangle"/>
+            </a:ln>
+          </p:spPr>
+          <p:style>
+            <a:lnRef idx="1">
+              <a:schemeClr val="accent1"/>
+            </a:lnRef>
+            <a:fillRef idx="0">
+              <a:schemeClr val="accent1"/>
+            </a:fillRef>
+            <a:effectRef idx="0">
+              <a:schemeClr val="accent1"/>
+            </a:effectRef>
+            <a:fontRef idx="minor">
+              <a:schemeClr val="tx1"/>
+            </a:fontRef>
+          </p:style>
+        </p:cxnSp>
+        <p:cxnSp>
+          <p:nvCxnSpPr>
+            <p:cNvPr id="157" name="Straight Arrow Connector 156"/>
+            <p:cNvCxnSpPr/>
+            <p:nvPr/>
+          </p:nvCxnSpPr>
+          <p:spPr>
+            <a:xfrm>
+              <a:off x="10401300" y="2285183"/>
+              <a:ext cx="0" cy="689420"/>
+            </a:xfrm>
+            <a:prstGeom prst="straightConnector1">
+              <a:avLst/>
+            </a:prstGeom>
+            <a:ln w="12700">
+              <a:solidFill>
+                <a:schemeClr val="tx1"/>
+              </a:solidFill>
+              <a:tailEnd type="triangle"/>
+            </a:ln>
+          </p:spPr>
+          <p:style>
+            <a:lnRef idx="1">
+              <a:schemeClr val="accent1"/>
+            </a:lnRef>
+            <a:fillRef idx="0">
+              <a:schemeClr val="accent1"/>
+            </a:fillRef>
+            <a:effectRef idx="0">
+              <a:schemeClr val="accent1"/>
+            </a:effectRef>
+            <a:fontRef idx="minor">
+              <a:schemeClr val="tx1"/>
+            </a:fontRef>
+          </p:style>
+        </p:cxnSp>
+      </p:grpSp>
+      <p:sp>
+        <p:nvSpPr>
+          <p:cNvPr id="158" name="Rounded Rectangle 157"/>
+          <p:cNvSpPr/>
+          <p:nvPr/>
+        </p:nvSpPr>
+        <p:spPr>
+          <a:xfrm>
+            <a:off x="9728462" y="5806745"/>
+            <a:ext cx="1326454" cy="612740"/>
+          </a:xfrm>
+          <a:prstGeom prst="roundRect">
+            <a:avLst>
+              <a:gd name="adj" fmla="val 5363"/>
+            </a:avLst>
+          </a:prstGeom>
+          <a:solidFill>
+            <a:schemeClr val="bg1"/>
+          </a:solidFill>
+          <a:ln>
+            <a:solidFill>
+              <a:schemeClr val="tx1"/>
+            </a:solidFill>
+          </a:ln>
+        </p:spPr>
+        <p:style>
+          <a:lnRef idx="2">
+            <a:schemeClr val="accent1">
+              <a:shade val="50000"/>
+            </a:schemeClr>
+          </a:lnRef>
+          <a:fillRef idx="1">
+            <a:schemeClr val="accent1"/>
+          </a:fillRef>
+          <a:effectRef idx="0">
+            <a:schemeClr val="accent1"/>
+          </a:effectRef>
+          <a:fontRef idx="minor">
+            <a:schemeClr val="lt1"/>
+          </a:fontRef>
+        </p:style>
+        <p:txBody>
+          <a:bodyPr rot="0" spcFirstLastPara="0" vertOverflow="overflow" horzOverflow="overflow" vert="horz" wrap="square" lIns="91440" tIns="45721" rIns="91440" bIns="45721" numCol="1" spcCol="0" rtlCol="0" fromWordArt="0" anchor="ctr" anchorCtr="0" forceAA="0" compatLnSpc="1">
+            <a:prstTxWarp prst="textNoShape">
+              <a:avLst/>
+            </a:prstTxWarp>
+            <a:noAutofit/>
+          </a:bodyPr>
+          <a:lstStyle/>
+          <a:p>
+            <a:pPr algn="ctr"/>
+            <a:r>
+              <a:rPr lang="en-US" sz="1798" dirty="0" smtClean="0">
+                <a:solidFill>
+                  <a:schemeClr val="tx1"/>
+                </a:solidFill>
+              </a:rPr>
+              <a:t>Address Generator</a:t>
+            </a:r>
+            <a:endParaRPr lang="en-US" sz="1798" dirty="0">
+              <a:solidFill>
+                <a:schemeClr val="tx1"/>
+              </a:solidFill>
+            </a:endParaRPr>
+          </a:p>
+        </p:txBody>
+      </p:sp>
+      <p:cxnSp>
+        <p:nvCxnSpPr>
+          <p:cNvPr id="159" name="Straight Arrow Connector 158"/>
+          <p:cNvCxnSpPr/>
+          <p:nvPr/>
+        </p:nvCxnSpPr>
+        <p:spPr>
+          <a:xfrm>
+            <a:off x="8646159" y="5961595"/>
+            <a:ext cx="1062135" cy="0"/>
+          </a:xfrm>
+          <a:prstGeom prst="straightConnector1">
+            <a:avLst/>
+          </a:prstGeom>
+          <a:ln w="12700">
+            <a:solidFill>
+              <a:schemeClr val="tx1"/>
+            </a:solidFill>
+            <a:tailEnd type="triangle"/>
+          </a:ln>
+        </p:spPr>
+        <p:style>
+          <a:lnRef idx="1">
+            <a:schemeClr val="accent1"/>
+          </a:lnRef>
+          <a:fillRef idx="0">
+            <a:schemeClr val="accent1"/>
+          </a:fillRef>
+          <a:effectRef idx="0">
+            <a:schemeClr val="accent1"/>
+          </a:effectRef>
+          <a:fontRef idx="minor">
+            <a:schemeClr val="tx1"/>
+          </a:fontRef>
+        </p:style>
+      </p:cxnSp>
+      <p:cxnSp>
+        <p:nvCxnSpPr>
+          <p:cNvPr id="160" name="Straight Arrow Connector 159"/>
+          <p:cNvCxnSpPr/>
+          <p:nvPr/>
+        </p:nvCxnSpPr>
+        <p:spPr>
+          <a:xfrm>
+            <a:off x="8648841" y="6265191"/>
+            <a:ext cx="1062135" cy="0"/>
+          </a:xfrm>
+          <a:prstGeom prst="straightConnector1">
+            <a:avLst/>
+          </a:prstGeom>
+          <a:ln w="12700">
+            <a:solidFill>
+              <a:schemeClr val="tx1"/>
+            </a:solidFill>
+            <a:tailEnd type="triangle"/>
+          </a:ln>
+        </p:spPr>
+        <p:style>
+          <a:lnRef idx="1">
+            <a:schemeClr val="accent1"/>
+          </a:lnRef>
+          <a:fillRef idx="0">
+            <a:schemeClr val="accent1"/>
+          </a:fillRef>
+          <a:effectRef idx="0">
+            <a:schemeClr val="accent1"/>
+          </a:effectRef>
+          <a:fontRef idx="minor">
+            <a:schemeClr val="tx1"/>
+          </a:fontRef>
+        </p:style>
+      </p:cxnSp>
+      <p:cxnSp>
+        <p:nvCxnSpPr>
+          <p:cNvPr id="68" name="Straight Arrow Connector 67"/>
+          <p:cNvCxnSpPr>
+            <a:stCxn id="158" idx="3"/>
+          </p:cNvCxnSpPr>
+          <p:nvPr/>
+        </p:nvCxnSpPr>
+        <p:spPr>
+          <a:xfrm>
+            <a:off x="11054916" y="6113115"/>
+            <a:ext cx="1174314" cy="0"/>
+          </a:xfrm>
+          <a:prstGeom prst="straightConnector1">
+            <a:avLst/>
+          </a:prstGeom>
+          <a:ln w="12700">
+            <a:solidFill>
+              <a:schemeClr val="tx1"/>
+            </a:solidFill>
+            <a:tailEnd type="triangle"/>
+          </a:ln>
+        </p:spPr>
+        <p:style>
+          <a:lnRef idx="1">
+            <a:schemeClr val="accent1"/>
+          </a:lnRef>
+          <a:fillRef idx="0">
+            <a:schemeClr val="accent1"/>
+          </a:fillRef>
+          <a:effectRef idx="0">
+            <a:schemeClr val="accent1"/>
+          </a:effectRef>
+          <a:fontRef idx="minor">
+            <a:schemeClr val="tx1"/>
+          </a:fontRef>
+        </p:style>
+      </p:cxnSp>
+      <p:sp>
+        <p:nvSpPr>
+          <p:cNvPr id="69" name="TextBox 68"/>
+          <p:cNvSpPr txBox="1"/>
+          <p:nvPr/>
+        </p:nvSpPr>
+        <p:spPr>
+          <a:xfrm>
+            <a:off x="8621162" y="5640121"/>
+            <a:ext cx="1079847" cy="338554"/>
+          </a:xfrm>
+          <a:prstGeom prst="rect">
+            <a:avLst/>
+          </a:prstGeom>
+          <a:noFill/>
+        </p:spPr>
+        <p:txBody>
+          <a:bodyPr wrap="none" rtlCol="0">
+            <a:spAutoFit/>
+          </a:bodyPr>
+          <a:lstStyle/>
+          <a:p>
+            <a:r>
+              <a:rPr lang="en-US" sz="1600" dirty="0" smtClean="0"/>
+              <a:t>immediate</a:t>
+            </a:r>
+            <a:endParaRPr lang="en-US" sz="1600" dirty="0"/>
+          </a:p>
+        </p:txBody>
+      </p:sp>
+      <p:sp>
+        <p:nvSpPr>
+          <p:cNvPr id="161" name="TextBox 160"/>
+          <p:cNvSpPr txBox="1"/>
+          <p:nvPr/>
+        </p:nvSpPr>
+        <p:spPr>
+          <a:xfrm>
+            <a:off x="8937597" y="5989750"/>
+            <a:ext cx="399468" cy="338554"/>
+          </a:xfrm>
+          <a:prstGeom prst="rect">
+            <a:avLst/>
+          </a:prstGeom>
+          <a:noFill/>
+        </p:spPr>
+        <p:txBody>
+          <a:bodyPr wrap="none" rtlCol="0">
+            <a:spAutoFit/>
+          </a:bodyPr>
+          <a:lstStyle/>
+          <a:p>
+            <a:r>
+              <a:rPr lang="en-US" sz="1600" dirty="0" smtClean="0"/>
+              <a:t>PC</a:t>
+            </a:r>
+            <a:endParaRPr lang="en-US" sz="1600" dirty="0"/>
+          </a:p>
+        </p:txBody>
+      </p:sp>
+      <p:grpSp>
+        <p:nvGrpSpPr>
+          <p:cNvPr id="71" name="Group 70"/>
+          <p:cNvGrpSpPr/>
+          <p:nvPr/>
+        </p:nvGrpSpPr>
+        <p:grpSpPr>
+          <a:xfrm>
+            <a:off x="13916935" y="3561080"/>
+            <a:ext cx="507476" cy="3274601"/>
+            <a:chOff x="13722424" y="3421380"/>
+            <a:chExt cx="507476" cy="3274601"/>
+          </a:xfrm>
+        </p:grpSpPr>
+        <p:sp>
+          <p:nvSpPr>
+            <p:cNvPr id="164" name="Rounded Rectangle 163"/>
+            <p:cNvSpPr/>
+            <p:nvPr/>
+          </p:nvSpPr>
+          <p:spPr>
+            <a:xfrm>
+              <a:off x="13722424" y="3421380"/>
+              <a:ext cx="507476" cy="3274601"/>
+            </a:xfrm>
+            <a:prstGeom prst="roundRect">
+              <a:avLst>
+                <a:gd name="adj" fmla="val 5363"/>
+              </a:avLst>
+            </a:prstGeom>
+            <a:solidFill>
+              <a:schemeClr val="bg2"/>
+            </a:solidFill>
+            <a:ln>
+              <a:solidFill>
+                <a:schemeClr val="tx1"/>
+              </a:solidFill>
+            </a:ln>
+          </p:spPr>
+          <p:style>
+            <a:lnRef idx="2">
+              <a:schemeClr val="accent1">
+                <a:shade val="50000"/>
+              </a:schemeClr>
+            </a:lnRef>
+            <a:fillRef idx="1">
+              <a:schemeClr val="accent1"/>
+            </a:fillRef>
+            <a:effectRef idx="0">
+              <a:schemeClr val="accent1"/>
+            </a:effectRef>
+            <a:fontRef idx="minor">
+              <a:schemeClr val="lt1"/>
+            </a:fontRef>
+          </p:style>
+          <p:txBody>
+            <a:bodyPr rot="0" spcFirstLastPara="0" vertOverflow="overflow" horzOverflow="overflow" vert="horz" wrap="square" lIns="91440" tIns="45721" rIns="91440" bIns="45721" numCol="1" spcCol="0" rtlCol="0" fromWordArt="0" anchor="ctr" anchorCtr="0" forceAA="0" compatLnSpc="1">
+              <a:prstTxWarp prst="textNoShape">
+                <a:avLst/>
+              </a:prstTxWarp>
+              <a:noAutofit/>
+            </a:bodyPr>
+            <a:lstStyle/>
+            <a:p>
+              <a:pPr algn="ctr"/>
+              <a:r>
+                <a:rPr lang="en-US" sz="1100" dirty="0" smtClean="0">
+                  <a:solidFill>
+                    <a:schemeClr val="tx1"/>
+                  </a:solidFill>
+                </a:rPr>
+                <a:t>MEM</a:t>
+              </a:r>
+              <a:endParaRPr lang="en-US" sz="1100" dirty="0">
+                <a:solidFill>
+                  <a:schemeClr val="tx1"/>
+                </a:solidFill>
+              </a:endParaRPr>
+            </a:p>
+          </p:txBody>
+        </p:sp>
+        <p:sp>
+          <p:nvSpPr>
+            <p:cNvPr id="168" name="Isosceles Triangle 167"/>
+            <p:cNvSpPr/>
+            <p:nvPr/>
+          </p:nvSpPr>
+          <p:spPr>
+            <a:xfrm>
+              <a:off x="13883633" y="6593132"/>
+              <a:ext cx="185057" cy="98439"/>
+            </a:xfrm>
+            <a:prstGeom prst="triangle">
+              <a:avLst/>
+            </a:prstGeom>
+            <a:solidFill>
+              <a:schemeClr val="bg2"/>
+            </a:solidFill>
+            <a:ln>
+              <a:solidFill>
+                <a:schemeClr val="tx1"/>
+              </a:solidFill>
+            </a:ln>
+          </p:spPr>
+          <p:style>
+            <a:lnRef idx="2">
+              <a:schemeClr val="accent1">
+                <a:shade val="50000"/>
+              </a:schemeClr>
+            </a:lnRef>
+            <a:fillRef idx="1">
+              <a:schemeClr val="accent1"/>
+            </a:fillRef>
+            <a:effectRef idx="0">
+              <a:schemeClr val="accent1"/>
+            </a:effectRef>
+            <a:fontRef idx="minor">
+              <a:schemeClr val="lt1"/>
+            </a:fontRef>
+          </p:style>
+          <p:txBody>
+            <a:bodyPr rot="0" spcFirstLastPara="0" vertOverflow="overflow" horzOverflow="overflow" vert="horz" wrap="square" lIns="91440" tIns="45721" rIns="91440" bIns="45721" numCol="1" spcCol="0" rtlCol="0" fromWordArt="0" anchor="ctr" anchorCtr="0" forceAA="0" compatLnSpc="1">
+              <a:prstTxWarp prst="textNoShape">
+                <a:avLst/>
+              </a:prstTxWarp>
+              <a:noAutofit/>
+            </a:bodyPr>
+            <a:lstStyle/>
+            <a:p>
+              <a:pPr algn="ctr"/>
+              <a:endParaRPr lang="en-US" sz="1798"/>
+            </a:p>
+          </p:txBody>
+        </p:sp>
+      </p:grpSp>
+      <p:sp>
+        <p:nvSpPr>
+          <p:cNvPr id="170" name="Rounded Rectangle 169"/>
+          <p:cNvSpPr/>
+          <p:nvPr/>
+        </p:nvSpPr>
+        <p:spPr>
+          <a:xfrm>
+            <a:off x="12917182" y="2647164"/>
+            <a:ext cx="2717734" cy="779502"/>
+          </a:xfrm>
+          <a:prstGeom prst="roundRect">
+            <a:avLst>
+              <a:gd name="adj" fmla="val 5363"/>
+            </a:avLst>
+          </a:prstGeom>
+          <a:solidFill>
+            <a:schemeClr val="bg1"/>
+          </a:solidFill>
+          <a:ln>
+            <a:solidFill>
+              <a:schemeClr val="tx1"/>
+            </a:solidFill>
+          </a:ln>
+        </p:spPr>
+        <p:style>
+          <a:lnRef idx="2">
+            <a:schemeClr val="accent1">
+              <a:shade val="50000"/>
+            </a:schemeClr>
+          </a:lnRef>
+          <a:fillRef idx="1">
+            <a:schemeClr val="accent1"/>
+          </a:fillRef>
+          <a:effectRef idx="0">
+            <a:schemeClr val="accent1"/>
+          </a:effectRef>
+          <a:fontRef idx="minor">
+            <a:schemeClr val="lt1"/>
+          </a:fontRef>
+        </p:style>
+        <p:txBody>
+          <a:bodyPr rot="0" spcFirstLastPara="0" vertOverflow="overflow" horzOverflow="overflow" vert="horz" wrap="square" lIns="91440" tIns="45721" rIns="91440" bIns="45721" numCol="1" spcCol="0" rtlCol="0" fromWordArt="0" anchor="ctr" anchorCtr="0" forceAA="0" compatLnSpc="1">
+            <a:prstTxWarp prst="textNoShape">
+              <a:avLst/>
+            </a:prstTxWarp>
+            <a:noAutofit/>
+          </a:bodyPr>
+          <a:lstStyle/>
+          <a:p>
+            <a:r>
+              <a:rPr lang="en-US" sz="1798" dirty="0" smtClean="0">
+                <a:solidFill>
+                  <a:schemeClr val="tx1"/>
+                </a:solidFill>
+              </a:rPr>
+              <a:t>    LSU  </a:t>
+            </a:r>
+            <a:endParaRPr lang="en-US" sz="1798" dirty="0">
+              <a:solidFill>
+                <a:schemeClr val="tx1"/>
+              </a:solidFill>
+            </a:endParaRPr>
+          </a:p>
+        </p:txBody>
+      </p:sp>
+      <p:cxnSp>
+        <p:nvCxnSpPr>
+          <p:cNvPr id="81" name="Straight Arrow Connector 80"/>
+          <p:cNvCxnSpPr>
+            <a:stCxn id="195" idx="3"/>
+          </p:cNvCxnSpPr>
+          <p:nvPr/>
+        </p:nvCxnSpPr>
+        <p:spPr>
+          <a:xfrm flipV="1">
+            <a:off x="12736706" y="4733471"/>
+            <a:ext cx="1180229" cy="7951"/>
+          </a:xfrm>
+          <a:prstGeom prst="straightConnector1">
+            <a:avLst/>
+          </a:prstGeom>
+          <a:ln w="12700">
+            <a:solidFill>
+              <a:schemeClr val="tx1"/>
+            </a:solidFill>
+            <a:tailEnd type="triangle"/>
+          </a:ln>
+        </p:spPr>
+        <p:style>
+          <a:lnRef idx="1">
+            <a:schemeClr val="accent1"/>
+          </a:lnRef>
+          <a:fillRef idx="0">
+            <a:schemeClr val="accent1"/>
+          </a:fillRef>
+          <a:effectRef idx="0">
+            <a:schemeClr val="accent1"/>
+          </a:effectRef>
+          <a:fontRef idx="minor">
+            <a:schemeClr val="tx1"/>
+          </a:fontRef>
+        </p:style>
+      </p:cxnSp>
+      <p:cxnSp>
+        <p:nvCxnSpPr>
+          <p:cNvPr id="86" name="Straight Arrow Connector 85"/>
+          <p:cNvCxnSpPr>
+            <a:endCxn id="170" idx="1"/>
+          </p:cNvCxnSpPr>
+          <p:nvPr/>
+        </p:nvCxnSpPr>
+        <p:spPr>
+          <a:xfrm>
+            <a:off x="12736706" y="3036915"/>
+            <a:ext cx="180476" cy="0"/>
+          </a:xfrm>
+          <a:prstGeom prst="straightConnector1">
+            <a:avLst/>
+          </a:prstGeom>
+          <a:ln w="12700">
+            <a:solidFill>
+              <a:schemeClr val="tx1"/>
+            </a:solidFill>
+            <a:tailEnd type="triangle"/>
+          </a:ln>
+        </p:spPr>
+        <p:style>
+          <a:lnRef idx="1">
+            <a:schemeClr val="accent1"/>
+          </a:lnRef>
+          <a:fillRef idx="0">
+            <a:schemeClr val="accent1"/>
+          </a:fillRef>
+          <a:effectRef idx="0">
+            <a:schemeClr val="accent1"/>
+          </a:effectRef>
+          <a:fontRef idx="minor">
+            <a:schemeClr val="tx1"/>
+          </a:fontRef>
+        </p:style>
+      </p:cxnSp>
+      <p:grpSp>
+        <p:nvGrpSpPr>
+          <p:cNvPr id="171" name="Group 170"/>
+          <p:cNvGrpSpPr/>
+          <p:nvPr/>
+        </p:nvGrpSpPr>
+        <p:grpSpPr>
+          <a:xfrm>
+            <a:off x="13530236" y="2424882"/>
+            <a:ext cx="1661872" cy="211707"/>
+            <a:chOff x="9429750" y="2285183"/>
+            <a:chExt cx="971550" cy="689420"/>
+          </a:xfrm>
+        </p:grpSpPr>
+        <p:cxnSp>
+          <p:nvCxnSpPr>
+            <p:cNvPr id="172" name="Straight Arrow Connector 171"/>
+            <p:cNvCxnSpPr/>
+            <p:nvPr/>
+          </p:nvCxnSpPr>
+          <p:spPr>
+            <a:xfrm>
+              <a:off x="9429750" y="2285183"/>
+              <a:ext cx="0" cy="689420"/>
+            </a:xfrm>
+            <a:prstGeom prst="straightConnector1">
+              <a:avLst/>
+            </a:prstGeom>
+            <a:ln w="12700">
+              <a:solidFill>
+                <a:schemeClr val="tx1"/>
+              </a:solidFill>
+              <a:tailEnd type="triangle"/>
+            </a:ln>
+          </p:spPr>
+          <p:style>
+            <a:lnRef idx="1">
+              <a:schemeClr val="accent1"/>
+            </a:lnRef>
+            <a:fillRef idx="0">
+              <a:schemeClr val="accent1"/>
+            </a:fillRef>
+            <a:effectRef idx="0">
+              <a:schemeClr val="accent1"/>
+            </a:effectRef>
+            <a:fontRef idx="minor">
+              <a:schemeClr val="tx1"/>
+            </a:fontRef>
+          </p:style>
+        </p:cxnSp>
+        <p:cxnSp>
+          <p:nvCxnSpPr>
+            <p:cNvPr id="173" name="Straight Arrow Connector 172"/>
+            <p:cNvCxnSpPr/>
+            <p:nvPr/>
+          </p:nvCxnSpPr>
+          <p:spPr>
+            <a:xfrm>
+              <a:off x="9915672" y="2285183"/>
+              <a:ext cx="0" cy="689420"/>
+            </a:xfrm>
+            <a:prstGeom prst="straightConnector1">
+              <a:avLst/>
+            </a:prstGeom>
+            <a:ln w="12700">
+              <a:solidFill>
+                <a:schemeClr val="tx1"/>
+              </a:solidFill>
+              <a:tailEnd type="triangle"/>
+            </a:ln>
+          </p:spPr>
+          <p:style>
+            <a:lnRef idx="1">
+              <a:schemeClr val="accent1"/>
+            </a:lnRef>
+            <a:fillRef idx="0">
+              <a:schemeClr val="accent1"/>
+            </a:fillRef>
+            <a:effectRef idx="0">
+              <a:schemeClr val="accent1"/>
+            </a:effectRef>
+            <a:fontRef idx="minor">
+              <a:schemeClr val="tx1"/>
+            </a:fontRef>
+          </p:style>
+        </p:cxnSp>
+        <p:cxnSp>
+          <p:nvCxnSpPr>
+            <p:cNvPr id="175" name="Straight Arrow Connector 174"/>
+            <p:cNvCxnSpPr/>
+            <p:nvPr/>
+          </p:nvCxnSpPr>
+          <p:spPr>
+            <a:xfrm>
+              <a:off x="10401300" y="2285183"/>
+              <a:ext cx="0" cy="689420"/>
+            </a:xfrm>
+            <a:prstGeom prst="straightConnector1">
+              <a:avLst/>
+            </a:prstGeom>
+            <a:ln w="12700">
+              <a:solidFill>
+                <a:schemeClr val="tx1"/>
+              </a:solidFill>
+              <a:tailEnd type="triangle"/>
+            </a:ln>
+          </p:spPr>
+          <p:style>
+            <a:lnRef idx="1">
+              <a:schemeClr val="accent1"/>
+            </a:lnRef>
+            <a:fillRef idx="0">
+              <a:schemeClr val="accent1"/>
+            </a:fillRef>
+            <a:effectRef idx="0">
+              <a:schemeClr val="accent1"/>
+            </a:effectRef>
+            <a:fontRef idx="minor">
+              <a:schemeClr val="tx1"/>
+            </a:fontRef>
+          </p:style>
+        </p:cxnSp>
+      </p:grpSp>
+      <p:sp>
+        <p:nvSpPr>
+          <p:cNvPr id="176" name="Rounded Rectangle 175"/>
+          <p:cNvSpPr/>
+          <p:nvPr/>
+        </p:nvSpPr>
+        <p:spPr>
+          <a:xfrm>
+            <a:off x="13788745" y="2841697"/>
+            <a:ext cx="1786180" cy="420210"/>
+          </a:xfrm>
+          <a:prstGeom prst="roundRect">
+            <a:avLst>
+              <a:gd name="adj" fmla="val 5363"/>
+            </a:avLst>
+          </a:prstGeom>
+          <a:noFill/>
+          <a:ln>
+            <a:solidFill>
+              <a:schemeClr val="tx1"/>
+            </a:solidFill>
+          </a:ln>
+        </p:spPr>
+        <p:style>
+          <a:lnRef idx="2">
+            <a:schemeClr val="accent1">
+              <a:shade val="50000"/>
+            </a:schemeClr>
+          </a:lnRef>
+          <a:fillRef idx="1">
+            <a:schemeClr val="accent1"/>
+          </a:fillRef>
+          <a:effectRef idx="0">
+            <a:schemeClr val="accent1"/>
+          </a:effectRef>
+          <a:fontRef idx="minor">
+            <a:schemeClr val="lt1"/>
+          </a:fontRef>
+        </p:style>
+        <p:txBody>
+          <a:bodyPr rot="0" spcFirstLastPara="0" vertOverflow="overflow" horzOverflow="overflow" vert="horz" wrap="square" lIns="91440" tIns="45721" rIns="91440" bIns="45721" numCol="1" spcCol="0" rtlCol="0" fromWordArt="0" anchor="ctr" anchorCtr="0" forceAA="0" compatLnSpc="1">
+            <a:prstTxWarp prst="textNoShape">
+              <a:avLst/>
+            </a:prstTxWarp>
+            <a:noAutofit/>
+          </a:bodyPr>
+          <a:lstStyle/>
+          <a:p>
+            <a:pPr algn="ctr"/>
+            <a:r>
+              <a:rPr lang="en-US" sz="1600" dirty="0" smtClean="0">
+                <a:solidFill>
+                  <a:schemeClr val="tx1"/>
+                </a:solidFill>
+              </a:rPr>
+              <a:t>Memory Interface</a:t>
+            </a:r>
+            <a:endParaRPr lang="en-US" sz="1600" dirty="0">
+              <a:solidFill>
+                <a:schemeClr val="tx1"/>
+              </a:solidFill>
+            </a:endParaRPr>
+          </a:p>
+        </p:txBody>
+      </p:sp>
+      <p:cxnSp>
+        <p:nvCxnSpPr>
+          <p:cNvPr id="91" name="Elbow Connector 90"/>
+          <p:cNvCxnSpPr/>
+          <p:nvPr/>
+        </p:nvCxnSpPr>
+        <p:spPr>
+          <a:xfrm rot="10800000">
+            <a:off x="15634916" y="3261907"/>
+            <a:ext cx="455984" cy="12700"/>
+          </a:xfrm>
+          <a:prstGeom prst="bentConnector3">
+            <a:avLst>
+              <a:gd name="adj1" fmla="val -30770"/>
+            </a:avLst>
+          </a:prstGeom>
+          <a:ln w="12700">
+            <a:solidFill>
+              <a:schemeClr val="tx1"/>
+            </a:solidFill>
+            <a:tailEnd type="triangle"/>
+          </a:ln>
+        </p:spPr>
+        <p:style>
+          <a:lnRef idx="1">
+            <a:schemeClr val="accent1"/>
+          </a:lnRef>
+          <a:fillRef idx="0">
+            <a:schemeClr val="accent1"/>
+          </a:fillRef>
+          <a:effectRef idx="0">
+            <a:schemeClr val="accent1"/>
+          </a:effectRef>
+          <a:fontRef idx="minor">
+            <a:schemeClr val="tx1"/>
+          </a:fontRef>
+        </p:style>
+      </p:cxnSp>
+      <p:sp>
+        <p:nvSpPr>
+          <p:cNvPr id="186" name="Trapezoid 185"/>
+          <p:cNvSpPr/>
+          <p:nvPr/>
+        </p:nvSpPr>
+        <p:spPr>
+          <a:xfrm rot="10800000">
+            <a:off x="14632781" y="5528213"/>
+            <a:ext cx="812505" cy="223815"/>
+          </a:xfrm>
+          <a:prstGeom prst="trapezoid">
+            <a:avLst>
+              <a:gd name="adj" fmla="val 50716"/>
+            </a:avLst>
+          </a:prstGeom>
+          <a:solidFill>
+            <a:schemeClr val="bg1"/>
+          </a:solidFill>
+          <a:ln>
+            <a:solidFill>
+              <a:schemeClr val="tx1"/>
+            </a:solidFill>
+          </a:ln>
+        </p:spPr>
+        <p:style>
+          <a:lnRef idx="2">
+            <a:schemeClr val="accent1">
+              <a:shade val="50000"/>
+            </a:schemeClr>
+          </a:lnRef>
+          <a:fillRef idx="1">
+            <a:schemeClr val="accent1"/>
+          </a:fillRef>
+          <a:effectRef idx="0">
+            <a:schemeClr val="accent1"/>
+          </a:effectRef>
+          <a:fontRef idx="minor">
+            <a:schemeClr val="lt1"/>
+          </a:fontRef>
+        </p:style>
+        <p:txBody>
+          <a:bodyPr rot="0" spcFirstLastPara="0" vertOverflow="overflow" horzOverflow="overflow" vert="horz" wrap="square" lIns="91440" tIns="45721" rIns="91440" bIns="45721" numCol="1" spcCol="0" rtlCol="0" fromWordArt="0" anchor="ctr" anchorCtr="0" forceAA="0" compatLnSpc="1">
+            <a:prstTxWarp prst="textNoShape">
+              <a:avLst/>
+            </a:prstTxWarp>
+            <a:noAutofit/>
+          </a:bodyPr>
+          <a:lstStyle/>
+          <a:p>
+            <a:pPr algn="ctr"/>
+            <a:endParaRPr lang="en-US" sz="1798" dirty="0">
+              <a:solidFill>
+                <a:sysClr val="windowText" lastClr="000000"/>
+              </a:solidFill>
+            </a:endParaRPr>
+          </a:p>
+        </p:txBody>
+      </p:sp>
+      <p:cxnSp>
+        <p:nvCxnSpPr>
+          <p:cNvPr id="132" name="Elbow Connector 131"/>
+          <p:cNvCxnSpPr/>
+          <p:nvPr/>
+        </p:nvCxnSpPr>
+        <p:spPr>
+          <a:xfrm rot="16200000" flipH="1">
+            <a:off x="14199118" y="4966713"/>
+            <a:ext cx="783624" cy="333041"/>
+          </a:xfrm>
+          <a:prstGeom prst="bentConnector3">
+            <a:avLst>
+              <a:gd name="adj1" fmla="val -241"/>
+            </a:avLst>
+          </a:prstGeom>
+          <a:ln w="12700">
+            <a:solidFill>
+              <a:schemeClr val="tx1"/>
+            </a:solidFill>
+            <a:tailEnd type="triangle"/>
+          </a:ln>
+        </p:spPr>
+        <p:style>
+          <a:lnRef idx="1">
+            <a:schemeClr val="accent1"/>
+          </a:lnRef>
+          <a:fillRef idx="0">
+            <a:schemeClr val="accent1"/>
+          </a:fillRef>
+          <a:effectRef idx="0">
+            <a:schemeClr val="accent1"/>
+          </a:effectRef>
+          <a:fontRef idx="minor">
+            <a:schemeClr val="tx1"/>
+          </a:fontRef>
+        </p:style>
+      </p:cxnSp>
+      <p:sp>
+        <p:nvSpPr>
+          <p:cNvPr id="61" name="Rounded Rectangle 60"/>
+          <p:cNvSpPr/>
+          <p:nvPr/>
+        </p:nvSpPr>
+        <p:spPr>
+          <a:xfrm rot="5400000">
+            <a:off x="14212637" y="4492293"/>
+            <a:ext cx="4167114" cy="568072"/>
+          </a:xfrm>
+          <a:prstGeom prst="roundRect">
+            <a:avLst>
+              <a:gd name="adj" fmla="val 5363"/>
+            </a:avLst>
+          </a:prstGeom>
+          <a:solidFill>
+            <a:schemeClr val="bg1"/>
+          </a:solidFill>
+          <a:ln>
+            <a:solidFill>
+              <a:schemeClr val="tx1"/>
+            </a:solidFill>
+          </a:ln>
+        </p:spPr>
+        <p:style>
+          <a:lnRef idx="2">
+            <a:schemeClr val="accent1">
+              <a:shade val="50000"/>
+            </a:schemeClr>
+          </a:lnRef>
+          <a:fillRef idx="1">
+            <a:schemeClr val="accent1"/>
+          </a:fillRef>
+          <a:effectRef idx="0">
+            <a:schemeClr val="accent1"/>
+          </a:effectRef>
+          <a:fontRef idx="minor">
+            <a:schemeClr val="lt1"/>
+          </a:fontRef>
+        </p:style>
+        <p:txBody>
+          <a:bodyPr rot="0" spcFirstLastPara="0" vertOverflow="overflow" horzOverflow="overflow" vert="horz" wrap="square" lIns="91440" tIns="45721" rIns="91440" bIns="45721" numCol="1" spcCol="0" rtlCol="0" fromWordArt="0" anchor="ctr" anchorCtr="0" forceAA="0" compatLnSpc="1">
+            <a:prstTxWarp prst="textNoShape">
+              <a:avLst/>
+            </a:prstTxWarp>
+            <a:noAutofit/>
+          </a:bodyPr>
+          <a:lstStyle/>
+          <a:p>
+            <a:pPr algn="ctr"/>
+            <a:r>
+              <a:rPr lang="en-US" sz="1798" dirty="0" smtClean="0">
+                <a:solidFill>
+                  <a:schemeClr val="tx1"/>
+                </a:solidFill>
+              </a:rPr>
+              <a:t>Data </a:t>
+            </a:r>
+            <a:r>
+              <a:rPr lang="en-US" sz="1798" dirty="0" smtClean="0">
+                <a:solidFill>
+                  <a:schemeClr val="tx1"/>
+                </a:solidFill>
+              </a:rPr>
+              <a:t>Memory</a:t>
+            </a:r>
+            <a:endParaRPr lang="en-US" sz="1798" dirty="0">
+              <a:solidFill>
+                <a:schemeClr val="tx1"/>
+              </a:solidFill>
+            </a:endParaRPr>
+          </a:p>
+        </p:txBody>
+      </p:sp>
+      <p:sp>
+        <p:nvSpPr>
+          <p:cNvPr id="216" name="Trapezoid 215"/>
+          <p:cNvSpPr/>
+          <p:nvPr/>
+        </p:nvSpPr>
+        <p:spPr>
+          <a:xfrm rot="5400000">
+            <a:off x="8926039" y="4738881"/>
+            <a:ext cx="528792" cy="194703"/>
+          </a:xfrm>
+          <a:prstGeom prst="trapezoid">
+            <a:avLst>
+              <a:gd name="adj" fmla="val 50716"/>
+            </a:avLst>
+          </a:prstGeom>
+          <a:solidFill>
+            <a:schemeClr val="bg1"/>
+          </a:solidFill>
+          <a:ln>
+            <a:solidFill>
+              <a:schemeClr val="tx1"/>
+            </a:solidFill>
+          </a:ln>
+        </p:spPr>
+        <p:style>
+          <a:lnRef idx="2">
+            <a:schemeClr val="accent1">
+              <a:shade val="50000"/>
+            </a:schemeClr>
+          </a:lnRef>
+          <a:fillRef idx="1">
+            <a:schemeClr val="accent1"/>
+          </a:fillRef>
+          <a:effectRef idx="0">
+            <a:schemeClr val="accent1"/>
+          </a:effectRef>
+          <a:fontRef idx="minor">
+            <a:schemeClr val="lt1"/>
+          </a:fontRef>
+        </p:style>
+        <p:txBody>
+          <a:bodyPr rot="0" spcFirstLastPara="0" vertOverflow="overflow" horzOverflow="overflow" vert="horz" wrap="square" lIns="91440" tIns="45721" rIns="91440" bIns="45721" numCol="1" spcCol="0" rtlCol="0" fromWordArt="0" anchor="ctr" anchorCtr="0" forceAA="0" compatLnSpc="1">
+            <a:prstTxWarp prst="textNoShape">
+              <a:avLst/>
+            </a:prstTxWarp>
+            <a:noAutofit/>
+          </a:bodyPr>
+          <a:lstStyle/>
+          <a:p>
+            <a:pPr algn="ctr"/>
+            <a:endParaRPr lang="en-US" sz="1798" dirty="0">
+              <a:solidFill>
+                <a:sysClr val="windowText" lastClr="000000"/>
+              </a:solidFill>
+            </a:endParaRPr>
+          </a:p>
+        </p:txBody>
+      </p:sp>
+      <p:grpSp>
+        <p:nvGrpSpPr>
+          <p:cNvPr id="219" name="Group 218"/>
+          <p:cNvGrpSpPr/>
+          <p:nvPr/>
+        </p:nvGrpSpPr>
+        <p:grpSpPr>
+          <a:xfrm>
+            <a:off x="8633535" y="4681170"/>
+            <a:ext cx="444776" cy="298694"/>
+            <a:chOff x="8190310" y="4253377"/>
+            <a:chExt cx="346765" cy="293582"/>
+          </a:xfrm>
+        </p:grpSpPr>
+        <p:cxnSp>
+          <p:nvCxnSpPr>
+            <p:cNvPr id="220" name="Straight Arrow Connector 219"/>
+            <p:cNvCxnSpPr/>
+            <p:nvPr/>
+          </p:nvCxnSpPr>
+          <p:spPr>
+            <a:xfrm>
+              <a:off x="8190310" y="4253377"/>
+              <a:ext cx="343730" cy="0"/>
+            </a:xfrm>
+            <a:prstGeom prst="straightConnector1">
+              <a:avLst/>
+            </a:prstGeom>
+            <a:ln w="12700">
+              <a:solidFill>
+                <a:schemeClr val="tx1"/>
+              </a:solidFill>
+              <a:tailEnd type="triangle"/>
+            </a:ln>
+          </p:spPr>
+          <p:style>
+            <a:lnRef idx="1">
+              <a:schemeClr val="accent1"/>
+            </a:lnRef>
+            <a:fillRef idx="0">
+              <a:schemeClr val="accent1"/>
+            </a:fillRef>
+            <a:effectRef idx="0">
+              <a:schemeClr val="accent1"/>
+            </a:effectRef>
+            <a:fontRef idx="minor">
+              <a:schemeClr val="tx1"/>
+            </a:fontRef>
+          </p:style>
+        </p:cxnSp>
+        <p:cxnSp>
+          <p:nvCxnSpPr>
+            <p:cNvPr id="221" name="Straight Arrow Connector 220"/>
+            <p:cNvCxnSpPr/>
+            <p:nvPr/>
+          </p:nvCxnSpPr>
+          <p:spPr>
+            <a:xfrm>
+              <a:off x="8193345" y="4546959"/>
+              <a:ext cx="343730" cy="0"/>
+            </a:xfrm>
+            <a:prstGeom prst="straightConnector1">
+              <a:avLst/>
+            </a:prstGeom>
+            <a:ln w="12700">
+              <a:solidFill>
+                <a:schemeClr val="tx1"/>
+              </a:solidFill>
+              <a:tailEnd type="triangle"/>
+            </a:ln>
+          </p:spPr>
+          <p:style>
+            <a:lnRef idx="1">
+              <a:schemeClr val="accent1"/>
+            </a:lnRef>
+            <a:fillRef idx="0">
+              <a:schemeClr val="accent1"/>
+            </a:fillRef>
+            <a:effectRef idx="0">
+              <a:schemeClr val="accent1"/>
+            </a:effectRef>
+            <a:fontRef idx="minor">
+              <a:schemeClr val="tx1"/>
+            </a:fontRef>
+          </p:style>
+        </p:cxnSp>
+      </p:grpSp>
+      <p:cxnSp>
+        <p:nvCxnSpPr>
+          <p:cNvPr id="223" name="Straight Arrow Connector 222"/>
+          <p:cNvCxnSpPr/>
+          <p:nvPr/>
+        </p:nvCxnSpPr>
+        <p:spPr>
+          <a:xfrm>
+            <a:off x="8638828" y="2863906"/>
+            <a:ext cx="440883" cy="0"/>
+          </a:xfrm>
+          <a:prstGeom prst="straightConnector1">
+            <a:avLst/>
+          </a:prstGeom>
+          <a:ln w="12700">
+            <a:solidFill>
+              <a:schemeClr val="tx1"/>
+            </a:solidFill>
+            <a:tailEnd type="triangle"/>
+          </a:ln>
+        </p:spPr>
+        <p:style>
+          <a:lnRef idx="1">
+            <a:schemeClr val="accent1"/>
+          </a:lnRef>
+          <a:fillRef idx="0">
+            <a:schemeClr val="accent1"/>
+          </a:fillRef>
+          <a:effectRef idx="0">
+            <a:schemeClr val="accent1"/>
+          </a:effectRef>
+          <a:fontRef idx="minor">
+            <a:schemeClr val="tx1"/>
+          </a:fontRef>
+        </p:style>
+      </p:cxnSp>
+      <p:cxnSp>
+        <p:nvCxnSpPr>
+          <p:cNvPr id="224" name="Straight Arrow Connector 223"/>
+          <p:cNvCxnSpPr/>
+          <p:nvPr/>
+        </p:nvCxnSpPr>
+        <p:spPr>
+          <a:xfrm>
+            <a:off x="8630021" y="3162600"/>
+            <a:ext cx="440883" cy="0"/>
+          </a:xfrm>
+          <a:prstGeom prst="straightConnector1">
+            <a:avLst/>
+          </a:prstGeom>
+          <a:ln w="12700">
+            <a:solidFill>
+              <a:schemeClr val="tx1"/>
+            </a:solidFill>
+            <a:tailEnd type="triangle"/>
+          </a:ln>
+        </p:spPr>
+        <p:style>
+          <a:lnRef idx="1">
+            <a:schemeClr val="accent1"/>
+          </a:lnRef>
+          <a:fillRef idx="0">
+            <a:schemeClr val="accent1"/>
+          </a:fillRef>
+          <a:effectRef idx="0">
+            <a:schemeClr val="accent1"/>
+          </a:effectRef>
+          <a:fontRef idx="minor">
+            <a:schemeClr val="tx1"/>
+          </a:fontRef>
+        </p:style>
+      </p:cxnSp>
+      <p:cxnSp>
+        <p:nvCxnSpPr>
+          <p:cNvPr id="225" name="Straight Arrow Connector 224"/>
+          <p:cNvCxnSpPr/>
+          <p:nvPr/>
+        </p:nvCxnSpPr>
+        <p:spPr>
+          <a:xfrm>
+            <a:off x="8638828" y="3016306"/>
+            <a:ext cx="440883" cy="0"/>
+          </a:xfrm>
+          <a:prstGeom prst="straightConnector1">
+            <a:avLst/>
+          </a:prstGeom>
+          <a:ln w="12700">
+            <a:solidFill>
+              <a:schemeClr val="tx1"/>
+            </a:solidFill>
+            <a:tailEnd type="triangle"/>
+          </a:ln>
+        </p:spPr>
+        <p:style>
+          <a:lnRef idx="1">
+            <a:schemeClr val="accent1"/>
+          </a:lnRef>
+          <a:fillRef idx="0">
+            <a:schemeClr val="accent1"/>
+          </a:fillRef>
+          <a:effectRef idx="0">
+            <a:schemeClr val="accent1"/>
+          </a:effectRef>
+          <a:fontRef idx="minor">
+            <a:schemeClr val="tx1"/>
+          </a:fontRef>
+        </p:style>
+      </p:cxnSp>
+      <p:cxnSp>
+        <p:nvCxnSpPr>
+          <p:cNvPr id="226" name="Straight Arrow Connector 225"/>
+          <p:cNvCxnSpPr/>
+          <p:nvPr/>
+        </p:nvCxnSpPr>
+        <p:spPr>
+          <a:xfrm>
+            <a:off x="8637428" y="3382684"/>
+            <a:ext cx="440883" cy="0"/>
+          </a:xfrm>
+          <a:prstGeom prst="straightConnector1">
+            <a:avLst/>
+          </a:prstGeom>
+          <a:ln w="12700">
+            <a:solidFill>
+              <a:schemeClr val="tx1"/>
+            </a:solidFill>
+            <a:tailEnd type="triangle"/>
+          </a:ln>
+        </p:spPr>
+        <p:style>
+          <a:lnRef idx="1">
+            <a:schemeClr val="accent1"/>
+          </a:lnRef>
+          <a:fillRef idx="0">
+            <a:schemeClr val="accent1"/>
+          </a:fillRef>
+          <a:effectRef idx="0">
+            <a:schemeClr val="accent1"/>
+          </a:effectRef>
+          <a:fontRef idx="minor">
+            <a:schemeClr val="tx1"/>
+          </a:fontRef>
+        </p:style>
+      </p:cxnSp>
+      <p:cxnSp>
+        <p:nvCxnSpPr>
+          <p:cNvPr id="227" name="Straight Arrow Connector 226"/>
+          <p:cNvCxnSpPr/>
+          <p:nvPr/>
+        </p:nvCxnSpPr>
+        <p:spPr>
+          <a:xfrm>
+            <a:off x="8641321" y="3681378"/>
+            <a:ext cx="440883" cy="0"/>
+          </a:xfrm>
+          <a:prstGeom prst="straightConnector1">
+            <a:avLst/>
+          </a:prstGeom>
+          <a:ln w="12700">
+            <a:solidFill>
+              <a:schemeClr val="tx1"/>
+            </a:solidFill>
+            <a:tailEnd type="triangle"/>
+          </a:ln>
+        </p:spPr>
+        <p:style>
+          <a:lnRef idx="1">
+            <a:schemeClr val="accent1"/>
+          </a:lnRef>
+          <a:fillRef idx="0">
+            <a:schemeClr val="accent1"/>
+          </a:fillRef>
+          <a:effectRef idx="0">
+            <a:schemeClr val="accent1"/>
+          </a:effectRef>
+          <a:fontRef idx="minor">
+            <a:schemeClr val="tx1"/>
+          </a:fontRef>
+        </p:style>
+      </p:cxnSp>
+      <p:cxnSp>
+        <p:nvCxnSpPr>
+          <p:cNvPr id="228" name="Straight Arrow Connector 227"/>
+          <p:cNvCxnSpPr/>
+          <p:nvPr/>
+        </p:nvCxnSpPr>
+        <p:spPr>
+          <a:xfrm>
+            <a:off x="8637428" y="3535084"/>
+            <a:ext cx="440883" cy="0"/>
+          </a:xfrm>
+          <a:prstGeom prst="straightConnector1">
+            <a:avLst/>
+          </a:prstGeom>
+          <a:ln w="12700">
+            <a:solidFill>
+              <a:schemeClr val="tx1"/>
+            </a:solidFill>
+            <a:tailEnd type="triangle"/>
+          </a:ln>
+        </p:spPr>
+        <p:style>
+          <a:lnRef idx="1">
+            <a:schemeClr val="accent1"/>
+          </a:lnRef>
+          <a:fillRef idx="0">
+            <a:schemeClr val="accent1"/>
+          </a:fillRef>
+          <a:effectRef idx="0">
+            <a:schemeClr val="accent1"/>
+          </a:effectRef>
+          <a:fontRef idx="minor">
+            <a:schemeClr val="tx1"/>
+          </a:fontRef>
+        </p:style>
+      </p:cxnSp>
+      <p:cxnSp>
+        <p:nvCxnSpPr>
+          <p:cNvPr id="229" name="Straight Arrow Connector 228"/>
+          <p:cNvCxnSpPr/>
+          <p:nvPr/>
+        </p:nvCxnSpPr>
+        <p:spPr>
+          <a:xfrm>
+            <a:off x="8633862" y="3837581"/>
+            <a:ext cx="440883" cy="0"/>
+          </a:xfrm>
+          <a:prstGeom prst="straightConnector1">
+            <a:avLst/>
+          </a:prstGeom>
+          <a:ln w="12700">
+            <a:solidFill>
+              <a:schemeClr val="tx1"/>
+            </a:solidFill>
+            <a:tailEnd type="triangle"/>
+          </a:ln>
+        </p:spPr>
+        <p:style>
+          <a:lnRef idx="1">
+            <a:schemeClr val="accent1"/>
+          </a:lnRef>
+          <a:fillRef idx="0">
+            <a:schemeClr val="accent1"/>
+          </a:fillRef>
+          <a:effectRef idx="0">
+            <a:schemeClr val="accent1"/>
+          </a:effectRef>
+          <a:fontRef idx="minor">
+            <a:schemeClr val="tx1"/>
+          </a:fontRef>
+        </p:style>
+      </p:cxnSp>
+      <p:cxnSp>
+        <p:nvCxnSpPr>
+          <p:cNvPr id="231" name="Elbow Connector 230"/>
+          <p:cNvCxnSpPr>
+            <a:stCxn id="93" idx="0"/>
+          </p:cNvCxnSpPr>
+          <p:nvPr/>
+        </p:nvCxnSpPr>
+        <p:spPr>
+          <a:xfrm>
+            <a:off x="9273663" y="3016307"/>
+            <a:ext cx="443348" cy="245600"/>
+          </a:xfrm>
+          <a:prstGeom prst="bentConnector3">
+            <a:avLst/>
+          </a:prstGeom>
+          <a:ln w="12700">
+            <a:solidFill>
+              <a:schemeClr val="tx1"/>
+            </a:solidFill>
+            <a:tailEnd type="triangle"/>
+          </a:ln>
+        </p:spPr>
+        <p:style>
+          <a:lnRef idx="1">
+            <a:schemeClr val="accent1"/>
+          </a:lnRef>
+          <a:fillRef idx="0">
+            <a:schemeClr val="accent1"/>
+          </a:fillRef>
+          <a:effectRef idx="0">
+            <a:schemeClr val="accent1"/>
+          </a:effectRef>
+          <a:fontRef idx="minor">
+            <a:schemeClr val="tx1"/>
+          </a:fontRef>
+        </p:style>
+      </p:cxnSp>
+      <p:cxnSp>
+        <p:nvCxnSpPr>
+          <p:cNvPr id="237" name="Elbow Connector 236"/>
+          <p:cNvCxnSpPr>
+            <a:stCxn id="104" idx="0"/>
+          </p:cNvCxnSpPr>
+          <p:nvPr/>
+        </p:nvCxnSpPr>
+        <p:spPr>
+          <a:xfrm flipV="1">
+            <a:off x="9287787" y="4126925"/>
+            <a:ext cx="439271" cy="111931"/>
+          </a:xfrm>
+          <a:prstGeom prst="bentConnector3">
+            <a:avLst/>
+          </a:prstGeom>
+          <a:ln w="12700">
+            <a:solidFill>
+              <a:schemeClr val="tx1"/>
+            </a:solidFill>
+            <a:tailEnd type="triangle"/>
+          </a:ln>
+        </p:spPr>
+        <p:style>
+          <a:lnRef idx="1">
+            <a:schemeClr val="accent1"/>
+          </a:lnRef>
+          <a:fillRef idx="0">
+            <a:schemeClr val="accent1"/>
+          </a:fillRef>
+          <a:effectRef idx="0">
+            <a:schemeClr val="accent1"/>
+          </a:effectRef>
+          <a:fontRef idx="minor">
+            <a:schemeClr val="tx1"/>
+          </a:fontRef>
+        </p:style>
+      </p:cxnSp>
+      <p:cxnSp>
+        <p:nvCxnSpPr>
+          <p:cNvPr id="239" name="Elbow Connector 238"/>
+          <p:cNvCxnSpPr>
+            <a:stCxn id="216" idx="0"/>
+          </p:cNvCxnSpPr>
+          <p:nvPr/>
+        </p:nvCxnSpPr>
+        <p:spPr>
+          <a:xfrm flipV="1">
+            <a:off x="9287787" y="4486622"/>
+            <a:ext cx="429224" cy="349611"/>
+          </a:xfrm>
+          <a:prstGeom prst="bentConnector3">
+            <a:avLst/>
+          </a:prstGeom>
+          <a:ln w="12700">
+            <a:solidFill>
+              <a:schemeClr val="tx1"/>
+            </a:solidFill>
+            <a:tailEnd type="triangle"/>
+          </a:ln>
+        </p:spPr>
+        <p:style>
+          <a:lnRef idx="1">
+            <a:schemeClr val="accent1"/>
+          </a:lnRef>
+          <a:fillRef idx="0">
+            <a:schemeClr val="accent1"/>
+          </a:fillRef>
+          <a:effectRef idx="0">
+            <a:schemeClr val="accent1"/>
+          </a:effectRef>
+          <a:fontRef idx="minor">
+            <a:schemeClr val="tx1"/>
+          </a:fontRef>
+        </p:style>
+      </p:cxnSp>
+      <p:cxnSp>
+        <p:nvCxnSpPr>
+          <p:cNvPr id="249" name="Elbow Connector 248"/>
+          <p:cNvCxnSpPr>
+            <a:stCxn id="186" idx="0"/>
+            <a:endCxn id="59" idx="2"/>
+          </p:cNvCxnSpPr>
+          <p:nvPr/>
+        </p:nvCxnSpPr>
+        <p:spPr>
+          <a:xfrm rot="5400000">
+            <a:off x="9937501" y="1449628"/>
+            <a:ext cx="799133" cy="9403933"/>
+          </a:xfrm>
+          <a:prstGeom prst="bentConnector3">
+            <a:avLst>
+              <a:gd name="adj1" fmla="val 150855"/>
+            </a:avLst>
+          </a:prstGeom>
+          <a:ln w="12700">
+            <a:solidFill>
+              <a:schemeClr val="tx1"/>
+            </a:solidFill>
+            <a:tailEnd type="triangle"/>
+          </a:ln>
+        </p:spPr>
+        <p:style>
+          <a:lnRef idx="1">
+            <a:schemeClr val="accent1"/>
+          </a:lnRef>
+          <a:fillRef idx="0">
+            <a:schemeClr val="accent1"/>
+          </a:fillRef>
+          <a:effectRef idx="0">
+            <a:schemeClr val="accent1"/>
+          </a:effectRef>
+          <a:fontRef idx="minor">
+            <a:schemeClr val="tx1"/>
+          </a:fontRef>
+        </p:style>
+      </p:cxnSp>
+      <p:cxnSp>
+        <p:nvCxnSpPr>
+          <p:cNvPr id="251" name="Elbow Connector 250"/>
+          <p:cNvCxnSpPr>
+            <a:stCxn id="186" idx="0"/>
+            <a:endCxn id="60" idx="2"/>
+          </p:cNvCxnSpPr>
+          <p:nvPr/>
+        </p:nvCxnSpPr>
+        <p:spPr>
+          <a:xfrm rot="5400000">
+            <a:off x="10699658" y="2211785"/>
+            <a:ext cx="799133" cy="7879618"/>
+          </a:xfrm>
+          <a:prstGeom prst="bentConnector3">
+            <a:avLst>
+              <a:gd name="adj1" fmla="val 150855"/>
+            </a:avLst>
+          </a:prstGeom>
+          <a:ln w="12700">
+            <a:solidFill>
+              <a:schemeClr val="tx1"/>
+            </a:solidFill>
+            <a:tailEnd type="triangle"/>
+          </a:ln>
+        </p:spPr>
+        <p:style>
+          <a:lnRef idx="1">
+            <a:schemeClr val="accent1"/>
+          </a:lnRef>
+          <a:fillRef idx="0">
+            <a:schemeClr val="accent1"/>
+          </a:fillRef>
+          <a:effectRef idx="0">
+            <a:schemeClr val="accent1"/>
+          </a:effectRef>
+          <a:fontRef idx="minor">
+            <a:schemeClr val="tx1"/>
+          </a:fontRef>
+        </p:style>
+      </p:cxnSp>
+      <p:cxnSp>
+        <p:nvCxnSpPr>
+          <p:cNvPr id="261" name="Straight Arrow Connector 260"/>
+          <p:cNvCxnSpPr/>
+          <p:nvPr/>
+        </p:nvCxnSpPr>
+        <p:spPr>
+          <a:xfrm flipH="1">
+            <a:off x="1256548" y="4077919"/>
+            <a:ext cx="515599" cy="0"/>
+          </a:xfrm>
+          <a:prstGeom prst="straightConnector1">
+            <a:avLst/>
+          </a:prstGeom>
+          <a:ln w="12700">
+            <a:solidFill>
+              <a:schemeClr val="tx1"/>
+            </a:solidFill>
+            <a:tailEnd type="triangle"/>
+          </a:ln>
+        </p:spPr>
+        <p:style>
+          <a:lnRef idx="1">
+            <a:schemeClr val="accent1"/>
+          </a:lnRef>
+          <a:fillRef idx="0">
+            <a:schemeClr val="accent1"/>
+          </a:fillRef>
+          <a:effectRef idx="0">
+            <a:schemeClr val="accent1"/>
+          </a:effectRef>
+          <a:fontRef idx="minor">
+            <a:schemeClr val="tx1"/>
+          </a:fontRef>
+        </p:style>
+      </p:cxnSp>
+      <p:cxnSp>
+        <p:nvCxnSpPr>
+          <p:cNvPr id="263" name="Straight Arrow Connector 262"/>
+          <p:cNvCxnSpPr/>
+          <p:nvPr/>
+        </p:nvCxnSpPr>
+        <p:spPr>
+          <a:xfrm>
+            <a:off x="1256548" y="4770429"/>
+            <a:ext cx="515599" cy="0"/>
+          </a:xfrm>
+          <a:prstGeom prst="straightConnector1">
+            <a:avLst/>
+          </a:prstGeom>
+          <a:ln w="12700">
+            <a:solidFill>
+              <a:schemeClr val="tx1"/>
+            </a:solidFill>
+            <a:tailEnd type="triangle"/>
+          </a:ln>
+        </p:spPr>
+        <p:style>
+          <a:lnRef idx="1">
+            <a:schemeClr val="accent1"/>
+          </a:lnRef>
+          <a:fillRef idx="0">
+            <a:schemeClr val="accent1"/>
+          </a:fillRef>
+          <a:effectRef idx="0">
+            <a:schemeClr val="accent1"/>
+          </a:effectRef>
+          <a:fontRef idx="minor">
+            <a:schemeClr val="tx1"/>
+          </a:fontRef>
+        </p:style>
+      </p:cxnSp>
+      <p:cxnSp>
+        <p:nvCxnSpPr>
+          <p:cNvPr id="299" name="Straight Arrow Connector 298"/>
+          <p:cNvCxnSpPr>
+            <a:stCxn id="50" idx="3"/>
+          </p:cNvCxnSpPr>
+          <p:nvPr/>
+        </p:nvCxnSpPr>
+        <p:spPr>
+          <a:xfrm flipV="1">
+            <a:off x="7021489" y="4029334"/>
+            <a:ext cx="1118545" cy="7871"/>
           </a:xfrm>
           <a:prstGeom prst="straightConnector1">
             <a:avLst/>
@@ -7458,7 +9545,7 @@
               <a:rPr lang="en-US" sz="3600" dirty="0" smtClean="0">
                 <a:latin typeface="Georgia" panose="02040502050405020303" pitchFamily="18" charset="0"/>
               </a:rPr>
-              <a:t>Multiplier Unit:</a:t>
+              <a:t>Branch Unit:</a:t>
             </a:r>
           </a:p>
           <a:p>
@@ -7485,7 +9572,7 @@
       </p:sp>
       <p:pic>
         <p:nvPicPr>
-          <p:cNvPr id="2" name="Picture 1"/>
+          <p:cNvPr id="3" name="Picture 2"/>
           <p:cNvPicPr>
             <a:picLocks noChangeAspect="1"/>
           </p:cNvPicPr>
@@ -7505,8 +9592,8 @@
         </p:blipFill>
         <p:spPr>
           <a:xfrm>
-            <a:off x="1114425" y="2776728"/>
-            <a:ext cx="15338942" cy="4148328"/>
+            <a:off x="2790444" y="2052828"/>
+            <a:ext cx="12542178" cy="6422306"/>
           </a:xfrm>
           <a:prstGeom prst="rect">
             <a:avLst/>
@@ -7516,7 +9603,7 @@
     </p:spTree>
     <p:extLst>
       <p:ext uri="{BB962C8B-B14F-4D97-AF65-F5344CB8AC3E}">
-        <p14:creationId xmlns:p14="http://schemas.microsoft.com/office/powerpoint/2010/main" val="3638649049"/>
+        <p14:creationId xmlns:p14="http://schemas.microsoft.com/office/powerpoint/2010/main" val="1403268034"/>
       </p:ext>
     </p:extLst>
   </p:cSld>
@@ -7600,7 +9687,7 @@
               <a:rPr lang="en-US" sz="3600" dirty="0" smtClean="0">
                 <a:latin typeface="Georgia" panose="02040502050405020303" pitchFamily="18" charset="0"/>
               </a:rPr>
-              <a:t>Branch Unit:</a:t>
+              <a:t>Register File:</a:t>
             </a:r>
           </a:p>
           <a:p>
@@ -7647,8 +9734,8 @@
         </p:blipFill>
         <p:spPr>
           <a:xfrm>
-            <a:off x="2790444" y="2052828"/>
-            <a:ext cx="12542178" cy="6422306"/>
+            <a:off x="1733549" y="2129028"/>
+            <a:ext cx="13628795" cy="5430012"/>
           </a:xfrm>
           <a:prstGeom prst="rect">
             <a:avLst/>
@@ -7658,7 +9745,7 @@
     </p:spTree>
     <p:extLst>
       <p:ext uri="{BB962C8B-B14F-4D97-AF65-F5344CB8AC3E}">
-        <p14:creationId xmlns:p14="http://schemas.microsoft.com/office/powerpoint/2010/main" val="1403268034"/>
+        <p14:creationId xmlns:p14="http://schemas.microsoft.com/office/powerpoint/2010/main" val="2773286653"/>
       </p:ext>
     </p:extLst>
   </p:cSld>
@@ -7723,8 +9810,8 @@
         </p:nvSpPr>
         <p:spPr>
           <a:xfrm>
-            <a:off x="430269" y="231648"/>
-            <a:ext cx="10752944" cy="1569660"/>
+            <a:off x="2222493" y="1414272"/>
+            <a:ext cx="12663723" cy="5632311"/>
           </a:xfrm>
           <a:prstGeom prst="rect">
             <a:avLst/>
@@ -7742,207 +9829,170 @@
               <a:rPr lang="en-US" sz="3600" dirty="0" smtClean="0">
                 <a:latin typeface="Georgia" panose="02040502050405020303" pitchFamily="18" charset="0"/>
               </a:rPr>
-              <a:t>SQRT Unit:</a:t>
+              <a:t>To do list:</a:t>
             </a:r>
           </a:p>
           <a:p>
             <a:pPr marR="42570"/>
-            <a:endParaRPr lang="en-US" sz="1800" dirty="0" smtClean="0">
+            <a:endParaRPr lang="en-US" sz="3600" dirty="0" smtClean="0">
               <a:latin typeface="Georgia" panose="02040502050405020303" pitchFamily="18" charset="0"/>
             </a:endParaRPr>
           </a:p>
           <a:p>
-            <a:pPr marR="42570"/>
-            <a:r>
-              <a:rPr lang="en-US" sz="2000" dirty="0">
+            <a:pPr marR="42570" algn="just"/>
+            <a:r>
+              <a:rPr lang="en-US" sz="2400" i="1" dirty="0" smtClean="0">
                 <a:latin typeface="Georgia" panose="02040502050405020303" pitchFamily="18" charset="0"/>
               </a:rPr>
-              <a:t>Note: Images are taken from RTL Elaborated Design in Xilinx Vivado after synthesis process </a:t>
-            </a:r>
-            <a:endParaRPr lang="en-US" sz="1200" dirty="0"/>
-          </a:p>
-          <a:p>
-            <a:pPr marR="42570"/>
-            <a:endParaRPr lang="en-US" sz="2000" dirty="0"/>
-          </a:p>
-        </p:txBody>
-      </p:sp>
-      <p:pic>
-        <p:nvPicPr>
-          <p:cNvPr id="2" name="Picture 1"/>
-          <p:cNvPicPr>
-            <a:picLocks noChangeAspect="1"/>
-          </p:cNvPicPr>
-          <p:nvPr/>
-        </p:nvPicPr>
-        <p:blipFill>
-          <a:blip r:embed="rId2">
-            <a:extLst>
-              <a:ext uri="{28A0092B-C50C-407E-A947-70E740481C1C}">
-                <a14:useLocalDpi xmlns:a14="http://schemas.microsoft.com/office/drawing/2010/main" val="0"/>
-              </a:ext>
-            </a:extLst>
-          </a:blip>
-          <a:stretch>
-            <a:fillRect/>
-          </a:stretch>
-        </p:blipFill>
-        <p:spPr>
-          <a:xfrm>
-            <a:off x="639317" y="2958084"/>
-            <a:ext cx="16110993" cy="3979164"/>
-          </a:xfrm>
-          <a:prstGeom prst="rect">
-            <a:avLst/>
-          </a:prstGeom>
-        </p:spPr>
-      </p:pic>
+              <a:t>Phase 1:</a:t>
+            </a:r>
+            <a:endParaRPr lang="en-US" sz="2400" i="1" dirty="0" smtClean="0">
+              <a:latin typeface="Georgia" panose="02040502050405020303" pitchFamily="18" charset="0"/>
+            </a:endParaRPr>
+          </a:p>
+          <a:p>
+            <a:pPr marL="342900" marR="42570" indent="-342900" algn="just">
+              <a:buFont typeface="Arial" panose="020B0604020202020204" pitchFamily="34" charset="0"/>
+              <a:buChar char="•"/>
+            </a:pPr>
+            <a:r>
+              <a:rPr lang="en-US" sz="2400" dirty="0" smtClean="0">
+                <a:latin typeface="Georgia" panose="02040502050405020303" pitchFamily="18" charset="0"/>
+              </a:rPr>
+              <a:t>Design Control, Hazard and Forwarding Unit.</a:t>
+            </a:r>
+          </a:p>
+          <a:p>
+            <a:pPr marL="342900" marR="42570" indent="-342900" algn="just">
+              <a:buFont typeface="Arial" panose="020B0604020202020204" pitchFamily="34" charset="0"/>
+              <a:buChar char="•"/>
+            </a:pPr>
+            <a:r>
+              <a:rPr lang="en-US" sz="2400" dirty="0" smtClean="0">
+                <a:latin typeface="Georgia" panose="02040502050405020303" pitchFamily="18" charset="0"/>
+              </a:rPr>
+              <a:t>Create the pipelined Datapath with the designed modules.</a:t>
+            </a:r>
+          </a:p>
+          <a:p>
+            <a:pPr marL="342900" marR="42570" indent="-342900" algn="just">
+              <a:buFont typeface="Arial" panose="020B0604020202020204" pitchFamily="34" charset="0"/>
+              <a:buChar char="•"/>
+            </a:pPr>
+            <a:r>
+              <a:rPr lang="en-US" sz="2400" dirty="0" smtClean="0">
+                <a:latin typeface="Georgia" panose="02040502050405020303" pitchFamily="18" charset="0"/>
+              </a:rPr>
+              <a:t>Complete RV32I extension and test with GCC compiler toolchain in Linux.</a:t>
+            </a:r>
+          </a:p>
+          <a:p>
+            <a:pPr marL="342900" marR="42570" indent="-342900" algn="just">
+              <a:buFont typeface="Wingdings" panose="05000000000000000000" pitchFamily="2" charset="2"/>
+              <a:buChar char="Ø"/>
+            </a:pPr>
+            <a:r>
+              <a:rPr lang="en-US" sz="2400" i="1" dirty="0" smtClean="0">
+                <a:latin typeface="Georgia" panose="02040502050405020303" pitchFamily="18" charset="0"/>
+              </a:rPr>
+              <a:t>By the end of phase 1, we have a processor which supports GCC and RV32I instructions.</a:t>
+            </a:r>
+          </a:p>
+          <a:p>
+            <a:pPr marR="42570" algn="just"/>
+            <a:endParaRPr lang="en-US" sz="2400" dirty="0" smtClean="0">
+              <a:latin typeface="Georgia" panose="02040502050405020303" pitchFamily="18" charset="0"/>
+            </a:endParaRPr>
+          </a:p>
+          <a:p>
+            <a:pPr marR="42570" algn="just"/>
+            <a:r>
+              <a:rPr lang="en-US" sz="2400" i="1" dirty="0">
+                <a:latin typeface="Georgia" panose="02040502050405020303" pitchFamily="18" charset="0"/>
+              </a:rPr>
+              <a:t>Phase </a:t>
+            </a:r>
+            <a:r>
+              <a:rPr lang="en-US" sz="2400" i="1" dirty="0" smtClean="0">
+                <a:latin typeface="Georgia" panose="02040502050405020303" pitchFamily="18" charset="0"/>
+              </a:rPr>
+              <a:t>2:</a:t>
+            </a:r>
+            <a:endParaRPr lang="en-US" sz="2400" dirty="0" smtClean="0">
+              <a:latin typeface="Georgia" panose="02040502050405020303" pitchFamily="18" charset="0"/>
+            </a:endParaRPr>
+          </a:p>
+          <a:p>
+            <a:pPr marL="342900" marR="42570" indent="-342900" algn="just">
+              <a:buFont typeface="Arial" panose="020B0604020202020204" pitchFamily="34" charset="0"/>
+              <a:buChar char="•"/>
+            </a:pPr>
+            <a:r>
+              <a:rPr lang="en-US" sz="2400" dirty="0" smtClean="0">
+                <a:latin typeface="Georgia" panose="02040502050405020303" pitchFamily="18" charset="0"/>
+              </a:rPr>
+              <a:t>Pipeline Multiplier Unit and add M-Extension Instructions.</a:t>
+            </a:r>
+          </a:p>
+          <a:p>
+            <a:pPr marL="342900" marR="42570" indent="-342900" algn="just">
+              <a:buFont typeface="Arial" panose="020B0604020202020204" pitchFamily="34" charset="0"/>
+              <a:buChar char="•"/>
+            </a:pPr>
+            <a:r>
+              <a:rPr lang="en-US" sz="2400" dirty="0" smtClean="0">
+                <a:latin typeface="Georgia" panose="02040502050405020303" pitchFamily="18" charset="0"/>
+              </a:rPr>
+              <a:t>Add DIV instruction support to the core.</a:t>
+            </a:r>
+            <a:endParaRPr lang="en-US" sz="2400" dirty="0" smtClean="0">
+              <a:latin typeface="Georgia" panose="02040502050405020303" pitchFamily="18" charset="0"/>
+            </a:endParaRPr>
+          </a:p>
+          <a:p>
+            <a:pPr marL="342900" marR="42570" indent="-342900" algn="just">
+              <a:buFont typeface="Arial" panose="020B0604020202020204" pitchFamily="34" charset="0"/>
+              <a:buChar char="•"/>
+            </a:pPr>
+            <a:r>
+              <a:rPr lang="en-US" sz="2400" dirty="0" smtClean="0">
+                <a:latin typeface="Georgia" panose="02040502050405020303" pitchFamily="18" charset="0"/>
+              </a:rPr>
+              <a:t>Add FPU to the execution unit.</a:t>
+            </a:r>
+          </a:p>
+          <a:p>
+            <a:pPr marL="815994" marR="42570" lvl="1" indent="-342900" algn="just">
+              <a:buFont typeface="Arial" panose="020B0604020202020204" pitchFamily="34" charset="0"/>
+              <a:buChar char="•"/>
+            </a:pPr>
+            <a:r>
+              <a:rPr lang="en-US" sz="2400" dirty="0" smtClean="0">
+                <a:latin typeface="Georgia" panose="02040502050405020303" pitchFamily="18" charset="0"/>
+              </a:rPr>
+              <a:t>Note: Design must be modular and hierarchical so that FPU could be changed</a:t>
+            </a:r>
+            <a:br>
+              <a:rPr lang="en-US" sz="2400" dirty="0" smtClean="0">
+                <a:latin typeface="Georgia" panose="02040502050405020303" pitchFamily="18" charset="0"/>
+              </a:rPr>
+            </a:br>
+            <a:r>
+              <a:rPr lang="en-US" sz="2400" dirty="0" smtClean="0">
+                <a:latin typeface="Georgia" panose="02040502050405020303" pitchFamily="18" charset="0"/>
+              </a:rPr>
+              <a:t>between “Fixed-Point” and “Floating-Point” formats.</a:t>
+            </a:r>
+            <a:endParaRPr lang="en-US" sz="2400" dirty="0">
+              <a:latin typeface="Georgia" panose="02040502050405020303" pitchFamily="18" charset="0"/>
+            </a:endParaRPr>
+          </a:p>
+        </p:txBody>
+      </p:sp>
     </p:spTree>
     <p:extLst>
       <p:ext uri="{BB962C8B-B14F-4D97-AF65-F5344CB8AC3E}">
-        <p14:creationId xmlns:p14="http://schemas.microsoft.com/office/powerpoint/2010/main" val="2670472126"/>
-      </p:ext>
-    </p:extLst>
-  </p:cSld>
-  <p:clrMapOvr>
-    <a:masterClrMapping/>
-  </p:clrMapOvr>
-  <p:timing>
-    <p:tnLst>
-      <p:par>
-        <p:cTn id="1" dur="indefinite" restart="never" nodeType="tmRoot"/>
-      </p:par>
-    </p:tnLst>
-  </p:timing>
-</p:sld>
-</file>
-
-<file path=ppt/slides/slide8.xml><?xml version="1.0" encoding="utf-8"?>
-<p:sld xmlns:a="http://schemas.openxmlformats.org/drawingml/2006/main" xmlns:r="http://schemas.openxmlformats.org/officeDocument/2006/relationships" xmlns:p="http://schemas.openxmlformats.org/presentationml/2006/main">
-  <p:cSld>
-    <p:spTree>
-      <p:nvGrpSpPr>
-        <p:cNvPr id="1" name=""/>
-        <p:cNvGrpSpPr/>
-        <p:nvPr/>
-      </p:nvGrpSpPr>
-      <p:grpSpPr>
-        <a:xfrm>
-          <a:off x="0" y="0"/>
-          <a:ext cx="0" cy="0"/>
-          <a:chOff x="0" y="0"/>
-          <a:chExt cx="0" cy="0"/>
-        </a:xfrm>
-      </p:grpSpPr>
-      <p:sp>
-        <p:nvSpPr>
-          <p:cNvPr id="13" name="Slide Number Placeholder 12"/>
-          <p:cNvSpPr>
-            <a:spLocks noGrp="1"/>
-          </p:cNvSpPr>
-          <p:nvPr>
-            <p:ph type="sldNum" sz="quarter" idx="12"/>
-          </p:nvPr>
-        </p:nvSpPr>
-        <p:spPr/>
-        <p:txBody>
-          <a:bodyPr/>
-          <a:lstStyle/>
-          <a:p>
-            <a:fld id="{696F51C8-3F47-4C8E-A886-AF1F2AEAD5E5}" type="slidenum">
-              <a:rPr lang="en-US" smtClean="0"/>
-              <a:t>8</a:t>
-            </a:fld>
-            <a:endParaRPr lang="en-US"/>
-          </a:p>
-        </p:txBody>
-      </p:sp>
-      <p:sp>
-        <p:nvSpPr>
-          <p:cNvPr id="7" name="TextBox 6"/>
-          <p:cNvSpPr txBox="1"/>
-          <p:nvPr/>
-        </p:nvSpPr>
-        <p:spPr>
-          <a:xfrm>
-            <a:off x="430269" y="231648"/>
-            <a:ext cx="10752944" cy="1569660"/>
-          </a:xfrm>
-          <a:prstGeom prst="rect">
-            <a:avLst/>
-          </a:prstGeom>
-          <a:noFill/>
-        </p:spPr>
-        <p:txBody>
-          <a:bodyPr wrap="none" rtlCol="0">
-            <a:spAutoFit/>
-          </a:bodyPr>
-          <a:lstStyle/>
-          <a:p>
-            <a:pPr marR="42570"/>
-            <a:r>
-              <a:rPr lang="en-US" sz="3600" dirty="0" smtClean="0">
-                <a:latin typeface="Georgia" panose="02040502050405020303" pitchFamily="18" charset="0"/>
-              </a:rPr>
-              <a:t>Register File:</a:t>
-            </a:r>
-          </a:p>
-          <a:p>
-            <a:pPr marR="42570"/>
-            <a:endParaRPr lang="en-US" sz="1800" dirty="0" smtClean="0">
-              <a:latin typeface="Georgia" panose="02040502050405020303" pitchFamily="18" charset="0"/>
-            </a:endParaRPr>
-          </a:p>
-          <a:p>
-            <a:pPr marR="42570"/>
-            <a:r>
-              <a:rPr lang="en-US" sz="2000" dirty="0">
-                <a:latin typeface="Georgia" panose="02040502050405020303" pitchFamily="18" charset="0"/>
-              </a:rPr>
-              <a:t>Note: Images are taken from RTL Elaborated Design in Xilinx Vivado after synthesis process </a:t>
-            </a:r>
-            <a:endParaRPr lang="en-US" sz="1200" dirty="0"/>
-          </a:p>
-          <a:p>
-            <a:pPr marR="42570"/>
-            <a:endParaRPr lang="en-US" sz="2000" dirty="0"/>
-          </a:p>
-        </p:txBody>
-      </p:sp>
-      <p:pic>
-        <p:nvPicPr>
-          <p:cNvPr id="3" name="Picture 2"/>
-          <p:cNvPicPr>
-            <a:picLocks noChangeAspect="1"/>
-          </p:cNvPicPr>
-          <p:nvPr/>
-        </p:nvPicPr>
-        <p:blipFill>
-          <a:blip r:embed="rId2">
-            <a:extLst>
-              <a:ext uri="{28A0092B-C50C-407E-A947-70E740481C1C}">
-                <a14:useLocalDpi xmlns:a14="http://schemas.microsoft.com/office/drawing/2010/main" val="0"/>
-              </a:ext>
-            </a:extLst>
-          </a:blip>
-          <a:stretch>
-            <a:fillRect/>
-          </a:stretch>
-        </p:blipFill>
-        <p:spPr>
-          <a:xfrm>
-            <a:off x="1733549" y="2129028"/>
-            <a:ext cx="13628795" cy="5430012"/>
-          </a:xfrm>
-          <a:prstGeom prst="rect">
-            <a:avLst/>
-          </a:prstGeom>
-        </p:spPr>
-      </p:pic>
-    </p:spTree>
-    <p:extLst>
-      <p:ext uri="{BB962C8B-B14F-4D97-AF65-F5344CB8AC3E}">
-        <p14:creationId xmlns:p14="http://schemas.microsoft.com/office/powerpoint/2010/main" val="2773286653"/>
+        <p14:creationId xmlns:p14="http://schemas.microsoft.com/office/powerpoint/2010/main" val="1618128985"/>
       </p:ext>
     </p:extLst>
   </p:cSld>
